--- a/VideoSessionsMaterials/parse-json.pptx
+++ b/VideoSessionsMaterials/parse-json.pptx
@@ -5,16 +5,18 @@
     <p:sldMasterId id="2147483648" r:id="rId1"/>
   </p:sldMasterIdLst>
   <p:notesMasterIdLst>
-    <p:notesMasterId r:id="rId9"/>
+    <p:notesMasterId r:id="rId11"/>
   </p:notesMasterIdLst>
   <p:sldIdLst>
     <p:sldId id="364" r:id="rId2"/>
-    <p:sldId id="326" r:id="rId3"/>
-    <p:sldId id="367" r:id="rId4"/>
-    <p:sldId id="368" r:id="rId5"/>
-    <p:sldId id="369" r:id="rId6"/>
-    <p:sldId id="366" r:id="rId7"/>
-    <p:sldId id="322" r:id="rId8"/>
+    <p:sldId id="370" r:id="rId3"/>
+    <p:sldId id="371" r:id="rId4"/>
+    <p:sldId id="326" r:id="rId5"/>
+    <p:sldId id="367" r:id="rId6"/>
+    <p:sldId id="368" r:id="rId7"/>
+    <p:sldId id="369" r:id="rId8"/>
+    <p:sldId id="366" r:id="rId9"/>
+    <p:sldId id="322" r:id="rId10"/>
   </p:sldIdLst>
   <p:sldSz cx="17327563" cy="9747250"/>
   <p:notesSz cx="6858000" cy="9144000"/>
@@ -229,7 +231,7 @@
             <a:fld id="{DDC063FE-8627-9A42-970F-0BBEEB02B587}" type="datetimeFigureOut">
               <a:rPr lang="en-US" smtClean="0"/>
               <a:pPr/>
-              <a:t>12/4/13</a:t>
+              <a:t>12/5/13</a:t>
             </a:fld>
             <a:endParaRPr lang="en-US" dirty="0"/>
           </a:p>
@@ -602,65 +604,250 @@
       </p:grpSpPr>
       <p:sp>
         <p:nvSpPr>
-          <p:cNvPr id="2" name="Slide Image Placeholder 1"/>
-          <p:cNvSpPr>
-            <a:spLocks noGrp="1" noRot="1" noChangeAspect="1"/>
-          </p:cNvSpPr>
-          <p:nvPr>
-            <p:ph type="sldImg"/>
-          </p:nvPr>
-        </p:nvSpPr>
-        <p:spPr/>
-      </p:sp>
-      <p:sp>
-        <p:nvSpPr>
-          <p:cNvPr id="3" name="Notes Placeholder 2"/>
-          <p:cNvSpPr>
-            <a:spLocks noGrp="1"/>
-          </p:cNvSpPr>
-          <p:nvPr>
-            <p:ph type="body" idx="1"/>
-          </p:nvPr>
-        </p:nvSpPr>
-        <p:spPr/>
-        <p:txBody>
-          <a:bodyPr/>
-          <a:lstStyle/>
-          <a:p>
-            <a:endParaRPr lang="en-US"/>
-          </a:p>
-        </p:txBody>
-      </p:sp>
-      <p:sp>
-        <p:nvSpPr>
-          <p:cNvPr id="4" name="Slide Number Placeholder 3"/>
-          <p:cNvSpPr>
-            <a:spLocks noGrp="1"/>
-          </p:cNvSpPr>
-          <p:nvPr>
-            <p:ph type="sldNum" sz="quarter" idx="10"/>
-          </p:nvPr>
-        </p:nvSpPr>
-        <p:spPr/>
-        <p:txBody>
-          <a:bodyPr/>
-          <a:lstStyle/>
-          <a:p>
-            <a:fld id="{3560C2FB-C494-1A46-A471-884A4E75440F}" type="slidenum">
-              <a:rPr lang="en-US" smtClean="0"/>
-              <a:pPr/>
+          <p:cNvPr id="37889" name="Rectangle 7"/>
+          <p:cNvSpPr txBox="1">
+            <a:spLocks noGrp="1" noChangeArrowheads="1"/>
+          </p:cNvSpPr>
+          <p:nvPr/>
+        </p:nvSpPr>
+        <p:spPr bwMode="auto">
+          <a:xfrm>
+            <a:off x="3886200" y="8686800"/>
+            <a:ext cx="2971800" cy="457200"/>
+          </a:xfrm>
+          <a:prstGeom prst="rect">
+            <a:avLst/>
+          </a:prstGeom>
+          <a:noFill/>
+          <a:ln>
+            <a:noFill/>
+          </a:ln>
+          <a:extLst>
+            <a:ext uri="{909E8E84-426E-40dd-AFC4-6F175D3DCCD1}">
+              <a14:hiddenFill xmlns:a14="http://schemas.microsoft.com/office/drawing/2010/main">
+                <a:solidFill>
+                  <a:srgbClr val="FFFFFF"/>
+                </a:solidFill>
+              </a14:hiddenFill>
+            </a:ext>
+            <a:ext uri="{91240B29-F687-4f45-9708-019B960494DF}">
+              <a14:hiddenLine xmlns:a14="http://schemas.microsoft.com/office/drawing/2010/main" w="9525">
+                <a:solidFill>
+                  <a:srgbClr val="000000"/>
+                </a:solidFill>
+                <a:miter lim="800000"/>
+                <a:headEnd/>
+                <a:tailEnd/>
+              </a14:hiddenLine>
+            </a:ext>
+          </a:extLst>
+        </p:spPr>
+        <p:txBody>
+          <a:bodyPr anchor="b"/>
+          <a:lstStyle>
+            <a:lvl1pPr eaLnBrk="0" hangingPunct="0">
+              <a:defRPr sz="3000">
+                <a:solidFill>
+                  <a:schemeClr val="tx1"/>
+                </a:solidFill>
+                <a:latin typeface="Arial" charset="0"/>
+                <a:ea typeface="ＭＳ Ｐゴシック" charset="0"/>
+                <a:cs typeface="ＭＳ Ｐゴシック" charset="0"/>
+              </a:defRPr>
+            </a:lvl1pPr>
+            <a:lvl2pPr marL="742950" indent="-285750" eaLnBrk="0" hangingPunct="0">
+              <a:defRPr sz="3000">
+                <a:solidFill>
+                  <a:schemeClr val="tx1"/>
+                </a:solidFill>
+                <a:latin typeface="Arial" charset="0"/>
+                <a:ea typeface="ＭＳ Ｐゴシック" charset="0"/>
+              </a:defRPr>
+            </a:lvl2pPr>
+            <a:lvl3pPr marL="1143000" indent="-228600" eaLnBrk="0" hangingPunct="0">
+              <a:defRPr sz="3000">
+                <a:solidFill>
+                  <a:schemeClr val="tx1"/>
+                </a:solidFill>
+                <a:latin typeface="Arial" charset="0"/>
+                <a:ea typeface="ＭＳ Ｐゴシック" charset="0"/>
+              </a:defRPr>
+            </a:lvl3pPr>
+            <a:lvl4pPr marL="1600200" indent="-228600" eaLnBrk="0" hangingPunct="0">
+              <a:defRPr sz="3000">
+                <a:solidFill>
+                  <a:schemeClr val="tx1"/>
+                </a:solidFill>
+                <a:latin typeface="Arial" charset="0"/>
+                <a:ea typeface="ＭＳ Ｐゴシック" charset="0"/>
+              </a:defRPr>
+            </a:lvl4pPr>
+            <a:lvl5pPr marL="2057400" indent="-228600" eaLnBrk="0" hangingPunct="0">
+              <a:defRPr sz="3000">
+                <a:solidFill>
+                  <a:schemeClr val="tx1"/>
+                </a:solidFill>
+                <a:latin typeface="Arial" charset="0"/>
+                <a:ea typeface="ＭＳ Ｐゴシック" charset="0"/>
+              </a:defRPr>
+            </a:lvl5pPr>
+            <a:lvl6pPr marL="2514600" indent="-228600" defTabSz="773113" eaLnBrk="0" fontAlgn="base" hangingPunct="0">
+              <a:spcBef>
+                <a:spcPct val="0"/>
+              </a:spcBef>
+              <a:spcAft>
+                <a:spcPct val="0"/>
+              </a:spcAft>
+              <a:defRPr sz="3000">
+                <a:solidFill>
+                  <a:schemeClr val="tx1"/>
+                </a:solidFill>
+                <a:latin typeface="Arial" charset="0"/>
+                <a:ea typeface="ＭＳ Ｐゴシック" charset="0"/>
+              </a:defRPr>
+            </a:lvl6pPr>
+            <a:lvl7pPr marL="2971800" indent="-228600" defTabSz="773113" eaLnBrk="0" fontAlgn="base" hangingPunct="0">
+              <a:spcBef>
+                <a:spcPct val="0"/>
+              </a:spcBef>
+              <a:spcAft>
+                <a:spcPct val="0"/>
+              </a:spcAft>
+              <a:defRPr sz="3000">
+                <a:solidFill>
+                  <a:schemeClr val="tx1"/>
+                </a:solidFill>
+                <a:latin typeface="Arial" charset="0"/>
+                <a:ea typeface="ＭＳ Ｐゴシック" charset="0"/>
+              </a:defRPr>
+            </a:lvl7pPr>
+            <a:lvl8pPr marL="3429000" indent="-228600" defTabSz="773113" eaLnBrk="0" fontAlgn="base" hangingPunct="0">
+              <a:spcBef>
+                <a:spcPct val="0"/>
+              </a:spcBef>
+              <a:spcAft>
+                <a:spcPct val="0"/>
+              </a:spcAft>
+              <a:defRPr sz="3000">
+                <a:solidFill>
+                  <a:schemeClr val="tx1"/>
+                </a:solidFill>
+                <a:latin typeface="Arial" charset="0"/>
+                <a:ea typeface="ＭＳ Ｐゴシック" charset="0"/>
+              </a:defRPr>
+            </a:lvl8pPr>
+            <a:lvl9pPr marL="3886200" indent="-228600" defTabSz="773113" eaLnBrk="0" fontAlgn="base" hangingPunct="0">
+              <a:spcBef>
+                <a:spcPct val="0"/>
+              </a:spcBef>
+              <a:spcAft>
+                <a:spcPct val="0"/>
+              </a:spcAft>
+              <a:defRPr sz="3000">
+                <a:solidFill>
+                  <a:schemeClr val="tx1"/>
+                </a:solidFill>
+                <a:latin typeface="Arial" charset="0"/>
+                <a:ea typeface="ＭＳ Ｐゴシック" charset="0"/>
+              </a:defRPr>
+            </a:lvl9pPr>
+          </a:lstStyle>
+          <a:p>
+            <a:pPr algn="r"/>
+            <a:fld id="{1B3AA16B-6F91-D64D-BBB9-B104A5D74EA5}" type="slidenum">
+              <a:rPr lang="en-US" sz="1200"/>
+              <a:pPr algn="r"/>
               <a:t>2</a:t>
             </a:fld>
-            <a:endParaRPr lang="en-US" dirty="0"/>
+            <a:endParaRPr lang="en-US" sz="1200"/>
+          </a:p>
+        </p:txBody>
+      </p:sp>
+      <p:sp>
+        <p:nvSpPr>
+          <p:cNvPr id="37890" name="Rectangle 2"/>
+          <p:cNvSpPr>
+            <a:spLocks noGrp="1" noRot="1" noChangeAspect="1" noChangeArrowheads="1" noTextEdit="1"/>
+          </p:cNvSpPr>
+          <p:nvPr>
+            <p:ph type="sldImg"/>
+          </p:nvPr>
+        </p:nvSpPr>
+        <p:spPr bwMode="auto">
+          <a:noFill/>
+          <a:ln>
+            <a:solidFill>
+              <a:srgbClr val="000000"/>
+            </a:solidFill>
+            <a:miter lim="800000"/>
+            <a:headEnd/>
+            <a:tailEnd/>
+          </a:ln>
+          <a:extLst>
+            <a:ext uri="{909E8E84-426E-40dd-AFC4-6F175D3DCCD1}">
+              <a14:hiddenFill xmlns:a14="http://schemas.microsoft.com/office/drawing/2010/main">
+                <a:solidFill>
+                  <a:srgbClr val="FFFFFF"/>
+                </a:solidFill>
+              </a14:hiddenFill>
+            </a:ext>
+            <a:ext uri="{FAA26D3D-D897-4be2-8F04-BA451C77F1D7}">
+              <ma14:placeholderFlag xmlns:ma14="http://schemas.microsoft.com/office/mac/drawingml/2011/main" val="1"/>
+            </a:ext>
+          </a:extLst>
+        </p:spPr>
+      </p:sp>
+      <p:sp>
+        <p:nvSpPr>
+          <p:cNvPr id="37891" name="Rectangle 3"/>
+          <p:cNvSpPr>
+            <a:spLocks noGrp="1" noChangeArrowheads="1"/>
+          </p:cNvSpPr>
+          <p:nvPr>
+            <p:ph type="body" idx="1"/>
+          </p:nvPr>
+        </p:nvSpPr>
+        <p:spPr bwMode="auto">
+          <a:noFill/>
+          <a:extLst>
+            <a:ext uri="{909E8E84-426E-40dd-AFC4-6F175D3DCCD1}">
+              <a14:hiddenFill xmlns:a14="http://schemas.microsoft.com/office/drawing/2010/main">
+                <a:solidFill>
+                  <a:srgbClr val="FFFFFF"/>
+                </a:solidFill>
+              </a14:hiddenFill>
+            </a:ext>
+            <a:ext uri="{91240B29-F687-4f45-9708-019B960494DF}">
+              <a14:hiddenLine xmlns:a14="http://schemas.microsoft.com/office/drawing/2010/main" w="9525">
+                <a:solidFill>
+                  <a:srgbClr val="000000"/>
+                </a:solidFill>
+                <a:miter lim="800000"/>
+                <a:headEnd/>
+                <a:tailEnd/>
+              </a14:hiddenLine>
+            </a:ext>
+            <a:ext uri="{FAA26D3D-D897-4be2-8F04-BA451C77F1D7}">
+              <ma14:placeholderFlag xmlns:ma14="http://schemas.microsoft.com/office/mac/drawingml/2011/main" val="1"/>
+            </a:ext>
+          </a:extLst>
+        </p:spPr>
+        <p:txBody>
+          <a:bodyPr wrap="square" numCol="1" anchor="t" anchorCtr="0" compatLnSpc="1">
+            <a:prstTxWarp prst="textNoShape">
+              <a:avLst/>
+            </a:prstTxWarp>
+          </a:bodyPr>
+          <a:lstStyle/>
+          <a:p>
+            <a:pPr eaLnBrk="1" hangingPunct="1"/>
+            <a:endParaRPr lang="en-US">
+              <a:latin typeface="Calibri" charset="0"/>
+            </a:endParaRPr>
           </a:p>
         </p:txBody>
       </p:sp>
     </p:spTree>
-    <p:extLst>
-      <p:ext uri="{BB962C8B-B14F-4D97-AF65-F5344CB8AC3E}">
-        <p14:creationId xmlns:p14="http://schemas.microsoft.com/office/powerpoint/2010/main" val="963676054"/>
-      </p:ext>
-    </p:extLst>
   </p:cSld>
   <p:clrMapOvr>
     <a:masterClrMapping/>
@@ -687,65 +874,88 @@
       </p:grpSpPr>
       <p:sp>
         <p:nvSpPr>
-          <p:cNvPr id="2" name="Slide Image Placeholder 1"/>
-          <p:cNvSpPr>
-            <a:spLocks noGrp="1" noRot="1" noChangeAspect="1"/>
+          <p:cNvPr id="39937" name="Rectangle 2"/>
+          <p:cNvSpPr>
+            <a:spLocks noGrp="1" noRot="1" noChangeAspect="1" noChangeArrowheads="1" noTextEdit="1"/>
           </p:cNvSpPr>
           <p:nvPr>
             <p:ph type="sldImg"/>
           </p:nvPr>
         </p:nvSpPr>
-        <p:spPr/>
-      </p:sp>
-      <p:sp>
-        <p:nvSpPr>
-          <p:cNvPr id="3" name="Notes Placeholder 2"/>
-          <p:cNvSpPr>
-            <a:spLocks noGrp="1"/>
+        <p:spPr bwMode="auto">
+          <a:noFill/>
+          <a:ln>
+            <a:solidFill>
+              <a:srgbClr val="000000"/>
+            </a:solidFill>
+            <a:miter lim="800000"/>
+            <a:headEnd/>
+            <a:tailEnd/>
+          </a:ln>
+          <a:extLst>
+            <a:ext uri="{909E8E84-426E-40dd-AFC4-6F175D3DCCD1}">
+              <a14:hiddenFill xmlns:a14="http://schemas.microsoft.com/office/drawing/2010/main">
+                <a:solidFill>
+                  <a:srgbClr val="FFFFFF"/>
+                </a:solidFill>
+              </a14:hiddenFill>
+            </a:ext>
+            <a:ext uri="{FAA26D3D-D897-4be2-8F04-BA451C77F1D7}">
+              <ma14:placeholderFlag xmlns:ma14="http://schemas.microsoft.com/office/mac/drawingml/2011/main" val="1"/>
+            </a:ext>
+          </a:extLst>
+        </p:spPr>
+      </p:sp>
+      <p:sp>
+        <p:nvSpPr>
+          <p:cNvPr id="39938" name="Rectangle 3"/>
+          <p:cNvSpPr>
+            <a:spLocks noGrp="1" noChangeArrowheads="1"/>
           </p:cNvSpPr>
           <p:nvPr>
             <p:ph type="body" idx="1"/>
           </p:nvPr>
         </p:nvSpPr>
-        <p:spPr/>
-        <p:txBody>
-          <a:bodyPr/>
+        <p:spPr bwMode="auto">
+          <a:noFill/>
+          <a:extLst>
+            <a:ext uri="{909E8E84-426E-40dd-AFC4-6F175D3DCCD1}">
+              <a14:hiddenFill xmlns:a14="http://schemas.microsoft.com/office/drawing/2010/main">
+                <a:solidFill>
+                  <a:srgbClr val="FFFFFF"/>
+                </a:solidFill>
+              </a14:hiddenFill>
+            </a:ext>
+            <a:ext uri="{91240B29-F687-4f45-9708-019B960494DF}">
+              <a14:hiddenLine xmlns:a14="http://schemas.microsoft.com/office/drawing/2010/main" w="9525">
+                <a:solidFill>
+                  <a:srgbClr val="000000"/>
+                </a:solidFill>
+                <a:miter lim="800000"/>
+                <a:headEnd/>
+                <a:tailEnd/>
+              </a14:hiddenLine>
+            </a:ext>
+            <a:ext uri="{FAA26D3D-D897-4be2-8F04-BA451C77F1D7}">
+              <ma14:placeholderFlag xmlns:ma14="http://schemas.microsoft.com/office/mac/drawingml/2011/main" val="1"/>
+            </a:ext>
+          </a:extLst>
+        </p:spPr>
+        <p:txBody>
+          <a:bodyPr wrap="square" numCol="1" anchor="t" anchorCtr="0" compatLnSpc="1">
+            <a:prstTxWarp prst="textNoShape">
+              <a:avLst/>
+            </a:prstTxWarp>
+          </a:bodyPr>
           <a:lstStyle/>
           <a:p>
-            <a:endParaRPr lang="en-US"/>
-          </a:p>
-        </p:txBody>
-      </p:sp>
-      <p:sp>
-        <p:nvSpPr>
-          <p:cNvPr id="4" name="Slide Number Placeholder 3"/>
-          <p:cNvSpPr>
-            <a:spLocks noGrp="1"/>
-          </p:cNvSpPr>
-          <p:nvPr>
-            <p:ph type="sldNum" sz="quarter" idx="10"/>
-          </p:nvPr>
-        </p:nvSpPr>
-        <p:spPr/>
-        <p:txBody>
-          <a:bodyPr/>
-          <a:lstStyle/>
-          <a:p>
-            <a:fld id="{3560C2FB-C494-1A46-A471-884A4E75440F}" type="slidenum">
-              <a:rPr lang="en-US" smtClean="0"/>
-              <a:pPr/>
-              <a:t>3</a:t>
-            </a:fld>
-            <a:endParaRPr lang="en-US" dirty="0"/>
+            <a:endParaRPr lang="en-US">
+              <a:latin typeface="Calibri" charset="0"/>
+            </a:endParaRPr>
           </a:p>
         </p:txBody>
       </p:sp>
     </p:spTree>
-    <p:extLst>
-      <p:ext uri="{BB962C8B-B14F-4D97-AF65-F5344CB8AC3E}">
-        <p14:creationId xmlns:p14="http://schemas.microsoft.com/office/powerpoint/2010/main" val="963676054"/>
-      </p:ext>
-    </p:extLst>
   </p:cSld>
   <p:clrMapOvr>
     <a:masterClrMapping/>
@@ -942,91 +1152,65 @@
       </p:grpSpPr>
       <p:sp>
         <p:nvSpPr>
-          <p:cNvPr id="304129" name="Rectangle 7"/>
-          <p:cNvSpPr txBox="1">
-            <a:spLocks noGrp="1" noChangeArrowheads="1"/>
-          </p:cNvSpPr>
-          <p:nvPr/>
-        </p:nvSpPr>
-        <p:spPr bwMode="auto">
-          <a:xfrm>
-            <a:off x="3886200" y="8686489"/>
-            <a:ext cx="2971800" cy="457512"/>
-          </a:xfrm>
-          <a:prstGeom prst="rect">
-            <a:avLst/>
-          </a:prstGeom>
-          <a:noFill/>
-          <a:ln>
-            <a:miter lim="800000"/>
-            <a:headEnd/>
-            <a:tailEnd/>
-          </a:ln>
-        </p:spPr>
-        <p:txBody>
-          <a:bodyPr anchor="b"/>
+          <p:cNvPr id="2" name="Slide Image Placeholder 1"/>
+          <p:cNvSpPr>
+            <a:spLocks noGrp="1" noRot="1" noChangeAspect="1"/>
+          </p:cNvSpPr>
+          <p:nvPr>
+            <p:ph type="sldImg"/>
+          </p:nvPr>
+        </p:nvSpPr>
+        <p:spPr/>
+      </p:sp>
+      <p:sp>
+        <p:nvSpPr>
+          <p:cNvPr id="3" name="Notes Placeholder 2"/>
+          <p:cNvSpPr>
+            <a:spLocks noGrp="1"/>
+          </p:cNvSpPr>
+          <p:nvPr>
+            <p:ph type="body" idx="1"/>
+          </p:nvPr>
+        </p:nvSpPr>
+        <p:spPr/>
+        <p:txBody>
+          <a:bodyPr/>
           <a:lstStyle/>
           <a:p>
-            <a:pPr algn="r" eaLnBrk="0" hangingPunct="0">
-              <a:defRPr/>
-            </a:pPr>
-            <a:fld id="{5639B2D1-4F62-47BF-B141-83C0868A9AB5}" type="slidenum">
-              <a:rPr lang="en-US" sz="1200">
-                <a:ea typeface="ＭＳ Ｐゴシック" pitchFamily="34" charset="-128"/>
-                <a:cs typeface="+mn-cs"/>
-              </a:rPr>
-              <a:pPr algn="r" eaLnBrk="0" hangingPunct="0">
-                <a:defRPr/>
-              </a:pPr>
+            <a:endParaRPr lang="en-US"/>
+          </a:p>
+        </p:txBody>
+      </p:sp>
+      <p:sp>
+        <p:nvSpPr>
+          <p:cNvPr id="4" name="Slide Number Placeholder 3"/>
+          <p:cNvSpPr>
+            <a:spLocks noGrp="1"/>
+          </p:cNvSpPr>
+          <p:nvPr>
+            <p:ph type="sldNum" sz="quarter" idx="10"/>
+          </p:nvPr>
+        </p:nvSpPr>
+        <p:spPr/>
+        <p:txBody>
+          <a:bodyPr/>
+          <a:lstStyle/>
+          <a:p>
+            <a:fld id="{3560C2FB-C494-1A46-A471-884A4E75440F}" type="slidenum">
+              <a:rPr lang="en-US" smtClean="0"/>
+              <a:pPr/>
               <a:t>6</a:t>
             </a:fld>
-            <a:endParaRPr lang="en-US" sz="1200" dirty="0">
-              <a:ea typeface="ＭＳ Ｐゴシック" pitchFamily="34" charset="-128"/>
-              <a:cs typeface="+mn-cs"/>
-            </a:endParaRPr>
-          </a:p>
-        </p:txBody>
-      </p:sp>
-      <p:sp>
-        <p:nvSpPr>
-          <p:cNvPr id="97282" name="Rectangle 2"/>
-          <p:cNvSpPr>
-            <a:spLocks noGrp="1" noRot="1" noChangeAspect="1" noChangeArrowheads="1" noTextEdit="1"/>
-          </p:cNvSpPr>
-          <p:nvPr>
-            <p:ph type="sldImg"/>
-          </p:nvPr>
-        </p:nvSpPr>
-        <p:spPr>
-          <a:ln/>
-        </p:spPr>
-      </p:sp>
-      <p:sp>
-        <p:nvSpPr>
-          <p:cNvPr id="97283" name="Rectangle 3"/>
-          <p:cNvSpPr>
-            <a:spLocks noGrp="1" noChangeArrowheads="1"/>
-          </p:cNvSpPr>
-          <p:nvPr>
-            <p:ph type="body" idx="1"/>
-          </p:nvPr>
-        </p:nvSpPr>
-        <p:spPr>
-          <a:noFill/>
-          <a:ln/>
-        </p:spPr>
-        <p:txBody>
-          <a:bodyPr/>
-          <a:lstStyle/>
-          <a:p>
-            <a:pPr eaLnBrk="1" hangingPunct="1"/>
-            <a:endParaRPr lang="en-US" dirty="0" smtClean="0">
-              <a:ea typeface="ＭＳ Ｐゴシック"/>
-            </a:endParaRPr>
+            <a:endParaRPr lang="en-US" dirty="0"/>
           </a:p>
         </p:txBody>
       </p:sp>
     </p:spTree>
+    <p:extLst>
+      <p:ext uri="{BB962C8B-B14F-4D97-AF65-F5344CB8AC3E}">
+        <p14:creationId xmlns:p14="http://schemas.microsoft.com/office/powerpoint/2010/main" val="963676054"/>
+      </p:ext>
+    </p:extLst>
   </p:cSld>
   <p:clrMapOvr>
     <a:masterClrMapping/>
@@ -1101,6 +1285,202 @@
               <a:rPr lang="en-US" smtClean="0"/>
               <a:pPr/>
               <a:t>7</a:t>
+            </a:fld>
+            <a:endParaRPr lang="en-US" dirty="0"/>
+          </a:p>
+        </p:txBody>
+      </p:sp>
+    </p:spTree>
+    <p:extLst>
+      <p:ext uri="{BB962C8B-B14F-4D97-AF65-F5344CB8AC3E}">
+        <p14:creationId xmlns:p14="http://schemas.microsoft.com/office/powerpoint/2010/main" val="963676054"/>
+      </p:ext>
+    </p:extLst>
+  </p:cSld>
+  <p:clrMapOvr>
+    <a:masterClrMapping/>
+  </p:clrMapOvr>
+</p:notes>
+</file>
+
+<file path=ppt/notesSlides/notesSlide8.xml><?xml version="1.0" encoding="utf-8"?>
+<p:notes xmlns:a="http://schemas.openxmlformats.org/drawingml/2006/main" xmlns:r="http://schemas.openxmlformats.org/officeDocument/2006/relationships" xmlns:p="http://schemas.openxmlformats.org/presentationml/2006/main">
+  <p:cSld>
+    <p:spTree>
+      <p:nvGrpSpPr>
+        <p:cNvPr id="1" name=""/>
+        <p:cNvGrpSpPr/>
+        <p:nvPr/>
+      </p:nvGrpSpPr>
+      <p:grpSpPr>
+        <a:xfrm>
+          <a:off x="0" y="0"/>
+          <a:ext cx="0" cy="0"/>
+          <a:chOff x="0" y="0"/>
+          <a:chExt cx="0" cy="0"/>
+        </a:xfrm>
+      </p:grpSpPr>
+      <p:sp>
+        <p:nvSpPr>
+          <p:cNvPr id="304129" name="Rectangle 7"/>
+          <p:cNvSpPr txBox="1">
+            <a:spLocks noGrp="1" noChangeArrowheads="1"/>
+          </p:cNvSpPr>
+          <p:nvPr/>
+        </p:nvSpPr>
+        <p:spPr bwMode="auto">
+          <a:xfrm>
+            <a:off x="3886200" y="8686489"/>
+            <a:ext cx="2971800" cy="457512"/>
+          </a:xfrm>
+          <a:prstGeom prst="rect">
+            <a:avLst/>
+          </a:prstGeom>
+          <a:noFill/>
+          <a:ln>
+            <a:miter lim="800000"/>
+            <a:headEnd/>
+            <a:tailEnd/>
+          </a:ln>
+        </p:spPr>
+        <p:txBody>
+          <a:bodyPr anchor="b"/>
+          <a:lstStyle/>
+          <a:p>
+            <a:pPr algn="r" eaLnBrk="0" hangingPunct="0">
+              <a:defRPr/>
+            </a:pPr>
+            <a:fld id="{5639B2D1-4F62-47BF-B141-83C0868A9AB5}" type="slidenum">
+              <a:rPr lang="en-US" sz="1200">
+                <a:ea typeface="ＭＳ Ｐゴシック" pitchFamily="34" charset="-128"/>
+                <a:cs typeface="+mn-cs"/>
+              </a:rPr>
+              <a:pPr algn="r" eaLnBrk="0" hangingPunct="0">
+                <a:defRPr/>
+              </a:pPr>
+              <a:t>8</a:t>
+            </a:fld>
+            <a:endParaRPr lang="en-US" sz="1200" dirty="0">
+              <a:ea typeface="ＭＳ Ｐゴシック" pitchFamily="34" charset="-128"/>
+              <a:cs typeface="+mn-cs"/>
+            </a:endParaRPr>
+          </a:p>
+        </p:txBody>
+      </p:sp>
+      <p:sp>
+        <p:nvSpPr>
+          <p:cNvPr id="97282" name="Rectangle 2"/>
+          <p:cNvSpPr>
+            <a:spLocks noGrp="1" noRot="1" noChangeAspect="1" noChangeArrowheads="1" noTextEdit="1"/>
+          </p:cNvSpPr>
+          <p:nvPr>
+            <p:ph type="sldImg"/>
+          </p:nvPr>
+        </p:nvSpPr>
+        <p:spPr>
+          <a:ln/>
+        </p:spPr>
+      </p:sp>
+      <p:sp>
+        <p:nvSpPr>
+          <p:cNvPr id="97283" name="Rectangle 3"/>
+          <p:cNvSpPr>
+            <a:spLocks noGrp="1" noChangeArrowheads="1"/>
+          </p:cNvSpPr>
+          <p:nvPr>
+            <p:ph type="body" idx="1"/>
+          </p:nvPr>
+        </p:nvSpPr>
+        <p:spPr>
+          <a:noFill/>
+          <a:ln/>
+        </p:spPr>
+        <p:txBody>
+          <a:bodyPr/>
+          <a:lstStyle/>
+          <a:p>
+            <a:pPr eaLnBrk="1" hangingPunct="1"/>
+            <a:endParaRPr lang="en-US" dirty="0" smtClean="0">
+              <a:ea typeface="ＭＳ Ｐゴシック"/>
+            </a:endParaRPr>
+          </a:p>
+        </p:txBody>
+      </p:sp>
+    </p:spTree>
+  </p:cSld>
+  <p:clrMapOvr>
+    <a:masterClrMapping/>
+  </p:clrMapOvr>
+</p:notes>
+</file>
+
+<file path=ppt/notesSlides/notesSlide9.xml><?xml version="1.0" encoding="utf-8"?>
+<p:notes xmlns:a="http://schemas.openxmlformats.org/drawingml/2006/main" xmlns:r="http://schemas.openxmlformats.org/officeDocument/2006/relationships" xmlns:p="http://schemas.openxmlformats.org/presentationml/2006/main">
+  <p:cSld>
+    <p:spTree>
+      <p:nvGrpSpPr>
+        <p:cNvPr id="1" name=""/>
+        <p:cNvGrpSpPr/>
+        <p:nvPr/>
+      </p:nvGrpSpPr>
+      <p:grpSpPr>
+        <a:xfrm>
+          <a:off x="0" y="0"/>
+          <a:ext cx="0" cy="0"/>
+          <a:chOff x="0" y="0"/>
+          <a:chExt cx="0" cy="0"/>
+        </a:xfrm>
+      </p:grpSpPr>
+      <p:sp>
+        <p:nvSpPr>
+          <p:cNvPr id="2" name="Slide Image Placeholder 1"/>
+          <p:cNvSpPr>
+            <a:spLocks noGrp="1" noRot="1" noChangeAspect="1"/>
+          </p:cNvSpPr>
+          <p:nvPr>
+            <p:ph type="sldImg"/>
+          </p:nvPr>
+        </p:nvSpPr>
+        <p:spPr/>
+      </p:sp>
+      <p:sp>
+        <p:nvSpPr>
+          <p:cNvPr id="3" name="Notes Placeholder 2"/>
+          <p:cNvSpPr>
+            <a:spLocks noGrp="1"/>
+          </p:cNvSpPr>
+          <p:nvPr>
+            <p:ph type="body" idx="1"/>
+          </p:nvPr>
+        </p:nvSpPr>
+        <p:spPr/>
+        <p:txBody>
+          <a:bodyPr/>
+          <a:lstStyle/>
+          <a:p>
+            <a:endParaRPr lang="en-US"/>
+          </a:p>
+        </p:txBody>
+      </p:sp>
+      <p:sp>
+        <p:nvSpPr>
+          <p:cNvPr id="4" name="Slide Number Placeholder 3"/>
+          <p:cNvSpPr>
+            <a:spLocks noGrp="1"/>
+          </p:cNvSpPr>
+          <p:nvPr>
+            <p:ph type="sldNum" sz="quarter" idx="10"/>
+          </p:nvPr>
+        </p:nvSpPr>
+        <p:spPr/>
+        <p:txBody>
+          <a:bodyPr/>
+          <a:lstStyle/>
+          <a:p>
+            <a:fld id="{3560C2FB-C494-1A46-A471-884A4E75440F}" type="slidenum">
+              <a:rPr lang="en-US" smtClean="0"/>
+              <a:pPr/>
+              <a:t>9</a:t>
             </a:fld>
             <a:endParaRPr lang="en-US" dirty="0"/>
           </a:p>
@@ -5457,30 +5837,216 @@
       </p:grpSpPr>
       <p:sp>
         <p:nvSpPr>
-          <p:cNvPr id="3" name="Title 2"/>
-          <p:cNvSpPr>
-            <a:spLocks noGrp="1"/>
+          <p:cNvPr id="36865" name="Slide Number Placeholder 4"/>
+          <p:cNvSpPr txBox="1">
+            <a:spLocks noGrp="1"/>
+          </p:cNvSpPr>
+          <p:nvPr/>
+        </p:nvSpPr>
+        <p:spPr bwMode="auto">
+          <a:xfrm>
+            <a:off x="315913" y="9190038"/>
+            <a:ext cx="866775" cy="541337"/>
+          </a:xfrm>
+          <a:prstGeom prst="rect">
+            <a:avLst/>
+          </a:prstGeom>
+          <a:noFill/>
+          <a:ln>
+            <a:noFill/>
+          </a:ln>
+          <a:extLst>
+            <a:ext uri="{909E8E84-426E-40dd-AFC4-6F175D3DCCD1}">
+              <a14:hiddenFill xmlns:a14="http://schemas.microsoft.com/office/drawing/2010/main">
+                <a:solidFill>
+                  <a:srgbClr val="FFFFFF"/>
+                </a:solidFill>
+              </a14:hiddenFill>
+            </a:ext>
+            <a:ext uri="{91240B29-F687-4f45-9708-019B960494DF}">
+              <a14:hiddenLine xmlns:a14="http://schemas.microsoft.com/office/drawing/2010/main" w="9525">
+                <a:solidFill>
+                  <a:srgbClr val="000000"/>
+                </a:solidFill>
+                <a:miter lim="800000"/>
+                <a:headEnd/>
+                <a:tailEnd/>
+              </a14:hiddenLine>
+            </a:ext>
+          </a:extLst>
+        </p:spPr>
+        <p:txBody>
+          <a:bodyPr lIns="154707" tIns="77354" rIns="154707" bIns="77354"/>
+          <a:lstStyle>
+            <a:lvl1pPr eaLnBrk="0" hangingPunct="0">
+              <a:defRPr sz="3000">
+                <a:solidFill>
+                  <a:schemeClr val="tx1"/>
+                </a:solidFill>
+                <a:latin typeface="Arial" charset="0"/>
+                <a:ea typeface="ＭＳ Ｐゴシック" charset="0"/>
+                <a:cs typeface="ＭＳ Ｐゴシック" charset="0"/>
+              </a:defRPr>
+            </a:lvl1pPr>
+            <a:lvl2pPr marL="742950" indent="-285750" eaLnBrk="0" hangingPunct="0">
+              <a:defRPr sz="3000">
+                <a:solidFill>
+                  <a:schemeClr val="tx1"/>
+                </a:solidFill>
+                <a:latin typeface="Arial" charset="0"/>
+                <a:ea typeface="ＭＳ Ｐゴシック" charset="0"/>
+              </a:defRPr>
+            </a:lvl2pPr>
+            <a:lvl3pPr marL="1143000" indent="-228600" eaLnBrk="0" hangingPunct="0">
+              <a:defRPr sz="3000">
+                <a:solidFill>
+                  <a:schemeClr val="tx1"/>
+                </a:solidFill>
+                <a:latin typeface="Arial" charset="0"/>
+                <a:ea typeface="ＭＳ Ｐゴシック" charset="0"/>
+              </a:defRPr>
+            </a:lvl3pPr>
+            <a:lvl4pPr marL="1600200" indent="-228600" eaLnBrk="0" hangingPunct="0">
+              <a:defRPr sz="3000">
+                <a:solidFill>
+                  <a:schemeClr val="tx1"/>
+                </a:solidFill>
+                <a:latin typeface="Arial" charset="0"/>
+                <a:ea typeface="ＭＳ Ｐゴシック" charset="0"/>
+              </a:defRPr>
+            </a:lvl4pPr>
+            <a:lvl5pPr marL="2057400" indent="-228600" eaLnBrk="0" hangingPunct="0">
+              <a:defRPr sz="3000">
+                <a:solidFill>
+                  <a:schemeClr val="tx1"/>
+                </a:solidFill>
+                <a:latin typeface="Arial" charset="0"/>
+                <a:ea typeface="ＭＳ Ｐゴシック" charset="0"/>
+              </a:defRPr>
+            </a:lvl5pPr>
+            <a:lvl6pPr marL="2514600" indent="-228600" defTabSz="773113" eaLnBrk="0" fontAlgn="base" hangingPunct="0">
+              <a:spcBef>
+                <a:spcPct val="0"/>
+              </a:spcBef>
+              <a:spcAft>
+                <a:spcPct val="0"/>
+              </a:spcAft>
+              <a:defRPr sz="3000">
+                <a:solidFill>
+                  <a:schemeClr val="tx1"/>
+                </a:solidFill>
+                <a:latin typeface="Arial" charset="0"/>
+                <a:ea typeface="ＭＳ Ｐゴシック" charset="0"/>
+              </a:defRPr>
+            </a:lvl6pPr>
+            <a:lvl7pPr marL="2971800" indent="-228600" defTabSz="773113" eaLnBrk="0" fontAlgn="base" hangingPunct="0">
+              <a:spcBef>
+                <a:spcPct val="0"/>
+              </a:spcBef>
+              <a:spcAft>
+                <a:spcPct val="0"/>
+              </a:spcAft>
+              <a:defRPr sz="3000">
+                <a:solidFill>
+                  <a:schemeClr val="tx1"/>
+                </a:solidFill>
+                <a:latin typeface="Arial" charset="0"/>
+                <a:ea typeface="ＭＳ Ｐゴシック" charset="0"/>
+              </a:defRPr>
+            </a:lvl7pPr>
+            <a:lvl8pPr marL="3429000" indent="-228600" defTabSz="773113" eaLnBrk="0" fontAlgn="base" hangingPunct="0">
+              <a:spcBef>
+                <a:spcPct val="0"/>
+              </a:spcBef>
+              <a:spcAft>
+                <a:spcPct val="0"/>
+              </a:spcAft>
+              <a:defRPr sz="3000">
+                <a:solidFill>
+                  <a:schemeClr val="tx1"/>
+                </a:solidFill>
+                <a:latin typeface="Arial" charset="0"/>
+                <a:ea typeface="ＭＳ Ｐゴシック" charset="0"/>
+              </a:defRPr>
+            </a:lvl8pPr>
+            <a:lvl9pPr marL="3886200" indent="-228600" defTabSz="773113" eaLnBrk="0" fontAlgn="base" hangingPunct="0">
+              <a:spcBef>
+                <a:spcPct val="0"/>
+              </a:spcBef>
+              <a:spcAft>
+                <a:spcPct val="0"/>
+              </a:spcAft>
+              <a:defRPr sz="3000">
+                <a:solidFill>
+                  <a:schemeClr val="tx1"/>
+                </a:solidFill>
+                <a:latin typeface="Arial" charset="0"/>
+                <a:ea typeface="ＭＳ Ｐゴシック" charset="0"/>
+              </a:defRPr>
+            </a:lvl9pPr>
+          </a:lstStyle>
+          <a:p>
+            <a:fld id="{D5E7B66E-CD3F-B24A-BE42-8FEAFD02834A}" type="slidenum">
+              <a:rPr lang="en-US" sz="1500" b="1">
+                <a:solidFill>
+                  <a:srgbClr val="7B7B7B"/>
+                </a:solidFill>
+              </a:rPr>
+              <a:pPr/>
+              <a:t>2</a:t>
+            </a:fld>
+            <a:endParaRPr lang="en-US" sz="1500" b="1">
+              <a:solidFill>
+                <a:srgbClr val="7B7B7B"/>
+              </a:solidFill>
+            </a:endParaRPr>
+          </a:p>
+        </p:txBody>
+      </p:sp>
+      <p:sp>
+        <p:nvSpPr>
+          <p:cNvPr id="36866" name="Rectangle 2"/>
+          <p:cNvSpPr>
+            <a:spLocks noGrp="1" noChangeArrowheads="1"/>
           </p:cNvSpPr>
           <p:nvPr>
             <p:ph type="title"/>
           </p:nvPr>
         </p:nvSpPr>
-        <p:spPr/>
+        <p:spPr>
+          <a:xfrm>
+            <a:off x="541338" y="300038"/>
+            <a:ext cx="14724062" cy="1449387"/>
+          </a:xfrm>
+        </p:spPr>
         <p:txBody>
           <a:bodyPr/>
           <a:lstStyle/>
           <a:p>
             <a:r>
-              <a:rPr lang="en-US" dirty="0" smtClean="0"/>
-              <a:t>Title</a:t>
-            </a:r>
-            <a:endParaRPr lang="en-US" dirty="0"/>
-          </a:p>
-        </p:txBody>
-      </p:sp>
-      <p:sp>
-        <p:nvSpPr>
-          <p:cNvPr id="4" name="Content Placeholder 3"/>
+              <a:rPr lang="en-US" dirty="0">
+                <a:latin typeface="Arial" charset="0"/>
+                <a:ea typeface="ＭＳ Ｐゴシック" charset="0"/>
+              </a:rPr>
+              <a:t>Displaying </a:t>
+            </a:r>
+            <a:r>
+              <a:rPr lang="en-US" dirty="0" smtClean="0">
+                <a:latin typeface="Arial" charset="0"/>
+                <a:ea typeface="ＭＳ Ｐゴシック" charset="0"/>
+              </a:rPr>
+              <a:t>returned data overview</a:t>
+            </a:r>
+            <a:endParaRPr lang="en-US" dirty="0">
+              <a:latin typeface="Arial" charset="0"/>
+              <a:ea typeface="ＭＳ Ｐゴシック" charset="0"/>
+            </a:endParaRPr>
+          </a:p>
+        </p:txBody>
+      </p:sp>
+      <p:sp>
+        <p:nvSpPr>
+          <p:cNvPr id="36867" name="Content Placeholder 5"/>
           <p:cNvSpPr>
             <a:spLocks noGrp="1"/>
           </p:cNvSpPr>
@@ -5488,33 +6054,103 @@
             <p:ph idx="1"/>
           </p:nvPr>
         </p:nvSpPr>
-        <p:spPr/>
-        <p:txBody>
-          <a:bodyPr>
-            <a:normAutofit/>
-          </a:bodyPr>
+        <p:spPr>
+          <a:xfrm>
+            <a:off x="541338" y="1911350"/>
+            <a:ext cx="15878175" cy="6202363"/>
+          </a:xfrm>
+        </p:spPr>
+        <p:txBody>
+          <a:bodyPr/>
           <a:lstStyle/>
           <a:p>
             <a:r>
-              <a:rPr lang="en-US" sz="3200" dirty="0" smtClean="0"/>
-              <a:t>Content</a:t>
-            </a:r>
-          </a:p>
-          <a:p>
-            <a:endParaRPr lang="en-US" sz="3200" dirty="0"/>
+              <a:rPr lang="en-US" sz="3000">
+                <a:latin typeface="Arial" charset="0"/>
+                <a:ea typeface="ＭＳ Ｐゴシック" charset="0"/>
+              </a:rPr>
+              <a:t>Make the API Call</a:t>
+            </a:r>
+          </a:p>
+          <a:p>
+            <a:pPr lvl="1"/>
+            <a:r>
+              <a:rPr lang="en-US" sz="3000">
+                <a:latin typeface="Arial" charset="0"/>
+                <a:ea typeface="ＭＳ Ｐゴシック" charset="0"/>
+              </a:rPr>
+              <a:t>For example, search_videos</a:t>
+            </a:r>
+          </a:p>
+          <a:p>
+            <a:r>
+              <a:rPr lang="en-US" sz="3000">
+                <a:latin typeface="Arial" charset="0"/>
+                <a:ea typeface="ＭＳ Ｐゴシック" charset="0"/>
+              </a:rPr>
+              <a:t>Parse the returned JSON String</a:t>
+            </a:r>
+          </a:p>
+          <a:p>
+            <a:pPr lvl="1"/>
+            <a:r>
+              <a:rPr lang="en-US" sz="3000">
+                <a:latin typeface="Arial" charset="0"/>
+                <a:ea typeface="ＭＳ Ｐゴシック" charset="0"/>
+              </a:rPr>
+              <a:t>Check for errors</a:t>
+            </a:r>
+          </a:p>
+          <a:p>
+            <a:pPr lvl="1"/>
+            <a:r>
+              <a:rPr lang="en-US" sz="3000">
+                <a:latin typeface="Arial" charset="0"/>
+                <a:ea typeface="ＭＳ Ｐゴシック" charset="0"/>
+              </a:rPr>
+              <a:t>Loop though the returned collection</a:t>
+            </a:r>
+          </a:p>
+          <a:p>
+            <a:r>
+              <a:rPr lang="en-US" sz="3000">
+                <a:latin typeface="Arial" charset="0"/>
+                <a:ea typeface="ＭＳ Ｐゴシック" charset="0"/>
+              </a:rPr>
+              <a:t>Insert Into the Web Page (or other view)</a:t>
+            </a:r>
+          </a:p>
+          <a:p>
+            <a:pPr lvl="1"/>
+            <a:r>
+              <a:rPr lang="en-US" sz="3000">
+                <a:latin typeface="Arial" charset="0"/>
+                <a:ea typeface="ＭＳ Ｐゴシック" charset="0"/>
+              </a:rPr>
+              <a:t>Apply Styling &amp; Formatting</a:t>
+            </a:r>
+          </a:p>
+          <a:p>
+            <a:endParaRPr lang="en-US" sz="3000">
+              <a:latin typeface="Arial" charset="0"/>
+              <a:ea typeface="ＭＳ Ｐゴシック" charset="0"/>
+            </a:endParaRPr>
           </a:p>
         </p:txBody>
       </p:sp>
     </p:spTree>
     <p:extLst>
       <p:ext uri="{BB962C8B-B14F-4D97-AF65-F5344CB8AC3E}">
-        <p14:creationId xmlns:p14="http://schemas.microsoft.com/office/powerpoint/2010/main" val="1723545958"/>
+        <p14:creationId xmlns:p14="http://schemas.microsoft.com/office/powerpoint/2010/main" val="3174594303"/>
       </p:ext>
     </p:extLst>
   </p:cSld>
   <p:clrMapOvr>
     <a:masterClrMapping/>
   </p:clrMapOvr>
+  <p:transition xmlns:p14="http://schemas.microsoft.com/office/powerpoint/2010/main">
+    <p:fade/>
+  </p:transition>
   <p:timing>
     <p:tnLst>
       <p:par>
@@ -5544,58 +6180,182 @@
       </p:grpSpPr>
       <p:sp>
         <p:nvSpPr>
-          <p:cNvPr id="3" name="Title 2"/>
-          <p:cNvSpPr>
-            <a:spLocks noGrp="1"/>
+          <p:cNvPr id="38913" name="Rectangle 2"/>
+          <p:cNvSpPr>
+            <a:spLocks noGrp="1" noChangeArrowheads="1"/>
           </p:cNvSpPr>
           <p:nvPr>
             <p:ph type="title"/>
           </p:nvPr>
         </p:nvSpPr>
-        <p:spPr/>
+        <p:spPr>
+          <a:xfrm>
+            <a:off x="541338" y="300038"/>
+            <a:ext cx="14724062" cy="1449387"/>
+          </a:xfrm>
+        </p:spPr>
         <p:txBody>
           <a:bodyPr/>
           <a:lstStyle/>
           <a:p>
             <a:r>
-              <a:rPr lang="en-US" dirty="0" smtClean="0"/>
-              <a:t>Title</a:t>
-            </a:r>
-            <a:endParaRPr lang="en-US" dirty="0"/>
-          </a:p>
-        </p:txBody>
-      </p:sp>
-      <p:sp>
-        <p:nvSpPr>
-          <p:cNvPr id="4" name="Content Placeholder 3"/>
-          <p:cNvSpPr>
-            <a:spLocks noGrp="1"/>
+              <a:rPr lang="en-US">
+                <a:latin typeface="Arial" charset="0"/>
+                <a:ea typeface="ＭＳ Ｐゴシック" charset="0"/>
+              </a:rPr>
+              <a:t>Parsing the JSON response</a:t>
+            </a:r>
+          </a:p>
+        </p:txBody>
+      </p:sp>
+      <p:sp>
+        <p:nvSpPr>
+          <p:cNvPr id="38914" name="Rectangle 3"/>
+          <p:cNvSpPr>
+            <a:spLocks noGrp="1" noChangeArrowheads="1"/>
           </p:cNvSpPr>
           <p:nvPr>
             <p:ph idx="1"/>
           </p:nvPr>
         </p:nvSpPr>
-        <p:spPr/>
-        <p:txBody>
-          <a:bodyPr>
-            <a:normAutofit/>
-          </a:bodyPr>
+        <p:spPr>
+          <a:xfrm>
+            <a:off x="541338" y="1911350"/>
+            <a:ext cx="15878175" cy="6202363"/>
+          </a:xfrm>
+        </p:spPr>
+        <p:txBody>
+          <a:bodyPr/>
           <a:lstStyle/>
           <a:p>
             <a:r>
-              <a:rPr lang="en-US" sz="3200" dirty="0" smtClean="0"/>
-              <a:t>Content</a:t>
-            </a:r>
-          </a:p>
-          <a:p>
-            <a:endParaRPr lang="en-US" sz="3200" dirty="0"/>
+              <a:rPr lang="en-US" sz="3000">
+                <a:latin typeface="Arial" charset="0"/>
+                <a:ea typeface="ＭＳ Ｐゴシック" charset="0"/>
+              </a:rPr>
+              <a:t>client-side Javascript</a:t>
+            </a:r>
+          </a:p>
+          <a:p>
+            <a:pPr lvl="1"/>
+            <a:r>
+              <a:rPr lang="en-US" sz="3000">
+                <a:latin typeface="Arial" charset="0"/>
+                <a:ea typeface="ＭＳ Ｐゴシック" charset="0"/>
+              </a:rPr>
+              <a:t>define a function that accepts a single parameter (the response object)</a:t>
+            </a:r>
+          </a:p>
+          <a:p>
+            <a:pPr lvl="1"/>
+            <a:r>
+              <a:rPr lang="en-US" sz="3000">
+                <a:latin typeface="Arial" charset="0"/>
+                <a:ea typeface="ＭＳ Ｐゴシック" charset="0"/>
+              </a:rPr>
+              <a:t>&amp;callback=my_func</a:t>
+            </a:r>
+          </a:p>
+          <a:p>
+            <a:pPr lvl="1"/>
+            <a:r>
+              <a:rPr lang="en-US" sz="3000">
+                <a:latin typeface="Arial" charset="0"/>
+                <a:ea typeface="ＭＳ Ｐゴシック" charset="0"/>
+              </a:rPr>
+              <a:t>insert the API call into a script tag on the page, and the response will be passed to your callback function</a:t>
+            </a:r>
+          </a:p>
+          <a:p>
+            <a:pPr lvl="1"/>
+            <a:r>
+              <a:rPr lang="en-US" sz="3000">
+                <a:latin typeface="Arial" charset="0"/>
+                <a:ea typeface="ＭＳ Ｐゴシック" charset="0"/>
+                <a:hlinkClick r:id="rId3"/>
+              </a:rPr>
+              <a:t>http://support.brightcove.com/en/docs/media-api-getting-started-using-javascript</a:t>
+            </a:r>
+            <a:endParaRPr lang="en-US" sz="3000">
+              <a:latin typeface="Arial" charset="0"/>
+              <a:ea typeface="ＭＳ Ｐゴシック" charset="0"/>
+            </a:endParaRPr>
+          </a:p>
+          <a:p>
+            <a:r>
+              <a:rPr lang="en-US" sz="3000">
+                <a:latin typeface="Arial" charset="0"/>
+                <a:ea typeface="ＭＳ Ｐゴシック" charset="0"/>
+              </a:rPr>
+              <a:t>server-side</a:t>
+            </a:r>
+          </a:p>
+          <a:p>
+            <a:pPr lvl="1"/>
+            <a:r>
+              <a:rPr lang="en-US" sz="3000">
+                <a:latin typeface="Arial" charset="0"/>
+                <a:ea typeface="ＭＳ Ｐゴシック" charset="0"/>
+              </a:rPr>
+              <a:t>use a library or built-in function from your language to convert JSON strings to native objects</a:t>
+            </a:r>
+          </a:p>
+          <a:p>
+            <a:pPr lvl="1"/>
+            <a:r>
+              <a:rPr lang="en-US" sz="3000" i="1">
+                <a:solidFill>
+                  <a:srgbClr val="800000"/>
+                </a:solidFill>
+                <a:latin typeface="Arial" charset="0"/>
+                <a:ea typeface="ＭＳ Ｐゴシック" charset="0"/>
+              </a:rPr>
+              <a:t>Again: DON</a:t>
+            </a:r>
+            <a:r>
+              <a:rPr lang="ja-JP" altLang="en-US" sz="3000" i="1">
+                <a:solidFill>
+                  <a:srgbClr val="800000"/>
+                </a:solidFill>
+                <a:latin typeface="Arial" charset="0"/>
+                <a:ea typeface="ＭＳ Ｐゴシック" charset="0"/>
+              </a:rPr>
+              <a:t>’</a:t>
+            </a:r>
+            <a:r>
+              <a:rPr lang="en-US" altLang="ja-JP" sz="3000" i="1">
+                <a:solidFill>
+                  <a:srgbClr val="800000"/>
+                </a:solidFill>
+                <a:latin typeface="Arial" charset="0"/>
+                <a:ea typeface="ＭＳ Ｐゴシック" charset="0"/>
+              </a:rPr>
+              <a:t>T depend on string-parsing to extract data</a:t>
+            </a:r>
+            <a:r>
+              <a:rPr lang="en-US" altLang="ja-JP" sz="3000">
+                <a:solidFill>
+                  <a:srgbClr val="800000"/>
+                </a:solidFill>
+                <a:latin typeface="Arial" charset="0"/>
+                <a:ea typeface="ＭＳ Ｐゴシック" charset="0"/>
+              </a:rPr>
+              <a:t>!</a:t>
+            </a:r>
+            <a:endParaRPr lang="en-US" sz="3000">
+              <a:solidFill>
+                <a:srgbClr val="800000"/>
+              </a:solidFill>
+              <a:latin typeface="Arial" charset="0"/>
+              <a:ea typeface="ＭＳ Ｐゴシック" charset="0"/>
+            </a:endParaRPr>
           </a:p>
         </p:txBody>
       </p:sp>
     </p:spTree>
     <p:extLst>
       <p:ext uri="{BB962C8B-B14F-4D97-AF65-F5344CB8AC3E}">
-        <p14:creationId xmlns:p14="http://schemas.microsoft.com/office/powerpoint/2010/main" val="2108713422"/>
+        <p14:creationId xmlns:p14="http://schemas.microsoft.com/office/powerpoint/2010/main" val="2909253005"/>
       </p:ext>
     </p:extLst>
   </p:cSld>
@@ -5682,7 +6442,7 @@
     </p:spTree>
     <p:extLst>
       <p:ext uri="{BB962C8B-B14F-4D97-AF65-F5344CB8AC3E}">
-        <p14:creationId xmlns:p14="http://schemas.microsoft.com/office/powerpoint/2010/main" val="2805855639"/>
+        <p14:creationId xmlns:p14="http://schemas.microsoft.com/office/powerpoint/2010/main" val="1723545958"/>
       </p:ext>
     </p:extLst>
   </p:cSld>
@@ -5769,7 +6529,7 @@
     </p:spTree>
     <p:extLst>
       <p:ext uri="{BB962C8B-B14F-4D97-AF65-F5344CB8AC3E}">
-        <p14:creationId xmlns:p14="http://schemas.microsoft.com/office/powerpoint/2010/main" val="2514608167"/>
+        <p14:creationId xmlns:p14="http://schemas.microsoft.com/office/powerpoint/2010/main" val="2108713422"/>
       </p:ext>
     </p:extLst>
   </p:cSld>
@@ -5805,65 +6565,12 @@
       </p:grpSpPr>
       <p:sp>
         <p:nvSpPr>
-          <p:cNvPr id="303106" name="Slide Number Placeholder 3"/>
-          <p:cNvSpPr txBox="1">
-            <a:spLocks noGrp="1"/>
-          </p:cNvSpPr>
-          <p:nvPr/>
-        </p:nvSpPr>
-        <p:spPr bwMode="auto">
-          <a:xfrm>
-            <a:off x="315868" y="9189943"/>
-            <a:ext cx="866378" cy="541514"/>
-          </a:xfrm>
-          <a:prstGeom prst="rect">
-            <a:avLst/>
-          </a:prstGeom>
-          <a:noFill/>
-          <a:ln>
-            <a:miter lim="800000"/>
-            <a:headEnd/>
-            <a:tailEnd/>
-          </a:ln>
-        </p:spPr>
-        <p:txBody>
-          <a:bodyPr lIns="154707" tIns="77354" rIns="154707" bIns="77354"/>
-          <a:lstStyle/>
-          <a:p>
-            <a:pPr eaLnBrk="0" hangingPunct="0">
-              <a:defRPr/>
-            </a:pPr>
-            <a:fld id="{1BD3BB7B-F997-4B7C-BCBE-A063D59C732E}" type="slidenum">
-              <a:rPr lang="en-US" sz="1500" b="1">
-                <a:solidFill>
-                  <a:srgbClr val="7B7B7B"/>
-                </a:solidFill>
-                <a:ea typeface="ＭＳ Ｐゴシック" pitchFamily="34" charset="-128"/>
-                <a:cs typeface="+mn-cs"/>
-              </a:rPr>
-              <a:pPr eaLnBrk="0" hangingPunct="0">
-                <a:defRPr/>
-              </a:pPr>
-              <a:t>6</a:t>
-            </a:fld>
-            <a:endParaRPr lang="en-US" sz="1500" b="1" dirty="0">
-              <a:solidFill>
-                <a:srgbClr val="7B7B7B"/>
-              </a:solidFill>
-              <a:ea typeface="ＭＳ Ｐゴシック" pitchFamily="34" charset="-128"/>
-              <a:cs typeface="+mn-cs"/>
-            </a:endParaRPr>
-          </a:p>
-        </p:txBody>
-      </p:sp>
-      <p:sp>
-        <p:nvSpPr>
-          <p:cNvPr id="5" name="Text Placeholder 4"/>
-          <p:cNvSpPr>
-            <a:spLocks noGrp="1"/>
-          </p:cNvSpPr>
-          <p:nvPr>
-            <p:ph type="body" sz="quarter" idx="10"/>
+          <p:cNvPr id="3" name="Title 2"/>
+          <p:cNvSpPr>
+            <a:spLocks noGrp="1"/>
+          </p:cNvSpPr>
+          <p:nvPr>
+            <p:ph type="title"/>
           </p:nvPr>
         </p:nvSpPr>
         <p:spPr/>
@@ -5873,27 +6580,49 @@
           <a:p>
             <a:r>
               <a:rPr lang="en-US" dirty="0" smtClean="0"/>
-              <a:t>Demo </a:t>
-            </a:r>
-            <a:r>
-              <a:rPr lang="en-US" dirty="0" smtClean="0"/>
-              <a:t>3: Displaying Video Info</a:t>
-            </a:r>
-            <a:endParaRPr lang="en-US" dirty="0" smtClean="0"/>
+              <a:t>Title</a:t>
+            </a:r>
+            <a:endParaRPr lang="en-US" dirty="0"/>
+          </a:p>
+        </p:txBody>
+      </p:sp>
+      <p:sp>
+        <p:nvSpPr>
+          <p:cNvPr id="4" name="Content Placeholder 3"/>
+          <p:cNvSpPr>
+            <a:spLocks noGrp="1"/>
+          </p:cNvSpPr>
+          <p:nvPr>
+            <p:ph idx="1"/>
+          </p:nvPr>
+        </p:nvSpPr>
+        <p:spPr/>
+        <p:txBody>
+          <a:bodyPr>
+            <a:normAutofit/>
+          </a:bodyPr>
+          <a:lstStyle/>
+          <a:p>
+            <a:r>
+              <a:rPr lang="en-US" sz="3200" dirty="0" smtClean="0"/>
+              <a:t>Content</a:t>
+            </a:r>
+          </a:p>
+          <a:p>
+            <a:endParaRPr lang="en-US" sz="3200" dirty="0"/>
           </a:p>
         </p:txBody>
       </p:sp>
     </p:spTree>
     <p:extLst>
       <p:ext uri="{BB962C8B-B14F-4D97-AF65-F5344CB8AC3E}">
-        <p14:creationId xmlns:p14="http://schemas.microsoft.com/office/powerpoint/2010/main" val="3539376714"/>
+        <p14:creationId xmlns:p14="http://schemas.microsoft.com/office/powerpoint/2010/main" val="2805855639"/>
       </p:ext>
     </p:extLst>
   </p:cSld>
   <p:clrMapOvr>
     <a:masterClrMapping/>
   </p:clrMapOvr>
-  <p:transition xmlns:p14="http://schemas.microsoft.com/office/powerpoint/2010/main"/>
   <p:timing>
     <p:tnLst>
       <p:par>
@@ -5923,6 +6652,206 @@
       </p:grpSpPr>
       <p:sp>
         <p:nvSpPr>
+          <p:cNvPr id="3" name="Title 2"/>
+          <p:cNvSpPr>
+            <a:spLocks noGrp="1"/>
+          </p:cNvSpPr>
+          <p:nvPr>
+            <p:ph type="title"/>
+          </p:nvPr>
+        </p:nvSpPr>
+        <p:spPr/>
+        <p:txBody>
+          <a:bodyPr/>
+          <a:lstStyle/>
+          <a:p>
+            <a:r>
+              <a:rPr lang="en-US" dirty="0" smtClean="0"/>
+              <a:t>Title</a:t>
+            </a:r>
+            <a:endParaRPr lang="en-US" dirty="0"/>
+          </a:p>
+        </p:txBody>
+      </p:sp>
+      <p:sp>
+        <p:nvSpPr>
+          <p:cNvPr id="4" name="Content Placeholder 3"/>
+          <p:cNvSpPr>
+            <a:spLocks noGrp="1"/>
+          </p:cNvSpPr>
+          <p:nvPr>
+            <p:ph idx="1"/>
+          </p:nvPr>
+        </p:nvSpPr>
+        <p:spPr/>
+        <p:txBody>
+          <a:bodyPr>
+            <a:normAutofit/>
+          </a:bodyPr>
+          <a:lstStyle/>
+          <a:p>
+            <a:r>
+              <a:rPr lang="en-US" sz="3200" dirty="0" smtClean="0"/>
+              <a:t>Content</a:t>
+            </a:r>
+          </a:p>
+          <a:p>
+            <a:endParaRPr lang="en-US" sz="3200" dirty="0"/>
+          </a:p>
+        </p:txBody>
+      </p:sp>
+    </p:spTree>
+    <p:extLst>
+      <p:ext uri="{BB962C8B-B14F-4D97-AF65-F5344CB8AC3E}">
+        <p14:creationId xmlns:p14="http://schemas.microsoft.com/office/powerpoint/2010/main" val="2514608167"/>
+      </p:ext>
+    </p:extLst>
+  </p:cSld>
+  <p:clrMapOvr>
+    <a:masterClrMapping/>
+  </p:clrMapOvr>
+  <p:timing>
+    <p:tnLst>
+      <p:par>
+        <p:cTn xmlns:p14="http://schemas.microsoft.com/office/powerpoint/2010/main" id="1" dur="indefinite" restart="never" nodeType="tmRoot"/>
+      </p:par>
+    </p:tnLst>
+  </p:timing>
+</p:sld>
+</file>
+
+<file path=ppt/slides/slide8.xml><?xml version="1.0" encoding="utf-8"?>
+<p:sld xmlns:a="http://schemas.openxmlformats.org/drawingml/2006/main" xmlns:r="http://schemas.openxmlformats.org/officeDocument/2006/relationships" xmlns:p="http://schemas.openxmlformats.org/presentationml/2006/main">
+  <p:cSld>
+    <p:spTree>
+      <p:nvGrpSpPr>
+        <p:cNvPr id="1" name=""/>
+        <p:cNvGrpSpPr/>
+        <p:nvPr/>
+      </p:nvGrpSpPr>
+      <p:grpSpPr>
+        <a:xfrm>
+          <a:off x="0" y="0"/>
+          <a:ext cx="0" cy="0"/>
+          <a:chOff x="0" y="0"/>
+          <a:chExt cx="0" cy="0"/>
+        </a:xfrm>
+      </p:grpSpPr>
+      <p:sp>
+        <p:nvSpPr>
+          <p:cNvPr id="303106" name="Slide Number Placeholder 3"/>
+          <p:cNvSpPr txBox="1">
+            <a:spLocks noGrp="1"/>
+          </p:cNvSpPr>
+          <p:nvPr/>
+        </p:nvSpPr>
+        <p:spPr bwMode="auto">
+          <a:xfrm>
+            <a:off x="315868" y="9189943"/>
+            <a:ext cx="866378" cy="541514"/>
+          </a:xfrm>
+          <a:prstGeom prst="rect">
+            <a:avLst/>
+          </a:prstGeom>
+          <a:noFill/>
+          <a:ln>
+            <a:miter lim="800000"/>
+            <a:headEnd/>
+            <a:tailEnd/>
+          </a:ln>
+        </p:spPr>
+        <p:txBody>
+          <a:bodyPr lIns="154707" tIns="77354" rIns="154707" bIns="77354"/>
+          <a:lstStyle/>
+          <a:p>
+            <a:pPr eaLnBrk="0" hangingPunct="0">
+              <a:defRPr/>
+            </a:pPr>
+            <a:fld id="{1BD3BB7B-F997-4B7C-BCBE-A063D59C732E}" type="slidenum">
+              <a:rPr lang="en-US" sz="1500" b="1">
+                <a:solidFill>
+                  <a:srgbClr val="7B7B7B"/>
+                </a:solidFill>
+                <a:ea typeface="ＭＳ Ｐゴシック" pitchFamily="34" charset="-128"/>
+                <a:cs typeface="+mn-cs"/>
+              </a:rPr>
+              <a:pPr eaLnBrk="0" hangingPunct="0">
+                <a:defRPr/>
+              </a:pPr>
+              <a:t>8</a:t>
+            </a:fld>
+            <a:endParaRPr lang="en-US" sz="1500" b="1" dirty="0">
+              <a:solidFill>
+                <a:srgbClr val="7B7B7B"/>
+              </a:solidFill>
+              <a:ea typeface="ＭＳ Ｐゴシック" pitchFamily="34" charset="-128"/>
+              <a:cs typeface="+mn-cs"/>
+            </a:endParaRPr>
+          </a:p>
+        </p:txBody>
+      </p:sp>
+      <p:sp>
+        <p:nvSpPr>
+          <p:cNvPr id="5" name="Text Placeholder 4"/>
+          <p:cNvSpPr>
+            <a:spLocks noGrp="1"/>
+          </p:cNvSpPr>
+          <p:nvPr>
+            <p:ph type="body" sz="quarter" idx="10"/>
+          </p:nvPr>
+        </p:nvSpPr>
+        <p:spPr/>
+        <p:txBody>
+          <a:bodyPr/>
+          <a:lstStyle/>
+          <a:p>
+            <a:r>
+              <a:rPr lang="en-US" dirty="0" smtClean="0"/>
+              <a:t>Demo 3: Displaying Video Info</a:t>
+            </a:r>
+          </a:p>
+        </p:txBody>
+      </p:sp>
+    </p:spTree>
+    <p:extLst>
+      <p:ext uri="{BB962C8B-B14F-4D97-AF65-F5344CB8AC3E}">
+        <p14:creationId xmlns:p14="http://schemas.microsoft.com/office/powerpoint/2010/main" val="3539376714"/>
+      </p:ext>
+    </p:extLst>
+  </p:cSld>
+  <p:clrMapOvr>
+    <a:masterClrMapping/>
+  </p:clrMapOvr>
+  <p:transition xmlns:p14="http://schemas.microsoft.com/office/powerpoint/2010/main"/>
+  <p:timing>
+    <p:tnLst>
+      <p:par>
+        <p:cTn xmlns:p14="http://schemas.microsoft.com/office/powerpoint/2010/main" id="1" dur="indefinite" restart="never" nodeType="tmRoot"/>
+      </p:par>
+    </p:tnLst>
+  </p:timing>
+</p:sld>
+</file>
+
+<file path=ppt/slides/slide9.xml><?xml version="1.0" encoding="utf-8"?>
+<p:sld xmlns:a="http://schemas.openxmlformats.org/drawingml/2006/main" xmlns:r="http://schemas.openxmlformats.org/officeDocument/2006/relationships" xmlns:p="http://schemas.openxmlformats.org/presentationml/2006/main">
+  <p:cSld>
+    <p:spTree>
+      <p:nvGrpSpPr>
+        <p:cNvPr id="1" name=""/>
+        <p:cNvGrpSpPr/>
+        <p:nvPr/>
+      </p:nvGrpSpPr>
+      <p:grpSpPr>
+        <a:xfrm>
+          <a:off x="0" y="0"/>
+          <a:ext cx="0" cy="0"/>
+          <a:chOff x="0" y="0"/>
+          <a:chExt cx="0" cy="0"/>
+        </a:xfrm>
+      </p:grpSpPr>
+      <p:sp>
+        <p:nvSpPr>
           <p:cNvPr id="3" name="Text Placeholder 2"/>
           <p:cNvSpPr>
             <a:spLocks noGrp="1"/>
@@ -5997,7 +6926,7 @@
               <a:pPr>
                 <a:defRPr/>
               </a:pPr>
-              <a:t>7</a:t>
+              <a:t>9</a:t>
             </a:fld>
             <a:endParaRPr lang="en-US" dirty="0"/>
           </a:p>

--- a/VideoSessionsMaterials/parse-json.pptx
+++ b/VideoSessionsMaterials/parse-json.pptx
@@ -1,6 +1,6 @@
 
 <file path=ppt/presentation.xml><?xml version="1.0" encoding="utf-8"?>
-<p:presentation xmlns:a="http://schemas.openxmlformats.org/drawingml/2006/main" xmlns:r="http://schemas.openxmlformats.org/officeDocument/2006/relationships" xmlns:p="http://schemas.openxmlformats.org/presentationml/2006/main" showSpecialPlsOnTitleSld="0" saveSubsetFonts="1" autoCompressPictures="0">
+<p:presentation xmlns:a="http://schemas.openxmlformats.org/drawingml/2006/main" xmlns:r="http://schemas.openxmlformats.org/officeDocument/2006/relationships" xmlns:mc="http://schemas.openxmlformats.org/markup-compatibility/2006" xmlns:mv="urn:schemas-microsoft-com:mac:vml" xmlns:p="http://schemas.openxmlformats.org/presentationml/2006/main" mc:Ignorable="mv" mc:PreserveAttributes="mv:*" showSpecialPlsOnTitleSld="0" saveSubsetFonts="1" autoCompressPictures="0">
   <p:sldMasterIdLst>
     <p:sldMasterId id="2147483648" r:id="rId1"/>
   </p:sldMasterIdLst>
@@ -149,7 +149,7 @@
 </file>
 
 <file path=ppt/notesMasters/notesMaster1.xml><?xml version="1.0" encoding="utf-8"?>
-<p:notesMaster xmlns:a="http://schemas.openxmlformats.org/drawingml/2006/main" xmlns:r="http://schemas.openxmlformats.org/officeDocument/2006/relationships" xmlns:p="http://schemas.openxmlformats.org/presentationml/2006/main">
+<p:notesMaster xmlns:a="http://schemas.openxmlformats.org/drawingml/2006/main" xmlns:r="http://schemas.openxmlformats.org/officeDocument/2006/relationships" xmlns:mc="http://schemas.openxmlformats.org/markup-compatibility/2006" xmlns:mv="urn:schemas-microsoft-com:mac:vml" xmlns:p="http://schemas.openxmlformats.org/presentationml/2006/main" mc:Ignorable="mv" mc:PreserveAttributes="mv:*">
   <p:cSld>
     <p:bg>
       <p:bgRef idx="1001">
@@ -231,7 +231,7 @@
             <a:fld id="{DDC063FE-8627-9A42-970F-0BBEEB02B587}" type="datetimeFigureOut">
               <a:rPr lang="en-US" smtClean="0"/>
               <a:pPr/>
-              <a:t>12/5/13</a:t>
+              <a:t>12/6/13</a:t>
             </a:fld>
             <a:endParaRPr lang="en-US" dirty="0"/>
           </a:p>
@@ -400,7 +400,7 @@
     </p:spTree>
     <p:extLst>
       <p:ext uri="{BB962C8B-B14F-4D97-AF65-F5344CB8AC3E}">
-        <p14:creationId xmlns:p14="http://schemas.microsoft.com/office/powerpoint/2010/main" val="4045051341"/>
+        <p14:creationId xmlns:p14="http://schemas.microsoft.com/office/powerpoint/2010/main" xmlns:p="http://schemas.openxmlformats.org/presentationml/2006/main" xmlns:r="http://schemas.openxmlformats.org/officeDocument/2006/relationships" xmlns:a="http://schemas.openxmlformats.org/drawingml/2006/main" xmlns="" val="4045051341"/>
       </p:ext>
     </p:extLst>
   </p:cSld>
@@ -501,7 +501,7 @@
 </file>
 
 <file path=ppt/notesSlides/notesSlide1.xml><?xml version="1.0" encoding="utf-8"?>
-<p:notes xmlns:a="http://schemas.openxmlformats.org/drawingml/2006/main" xmlns:r="http://schemas.openxmlformats.org/officeDocument/2006/relationships" xmlns:p="http://schemas.openxmlformats.org/presentationml/2006/main">
+<p:notes xmlns:a="http://schemas.openxmlformats.org/drawingml/2006/main" xmlns:r="http://schemas.openxmlformats.org/officeDocument/2006/relationships" xmlns:mc="http://schemas.openxmlformats.org/markup-compatibility/2006" xmlns:mv="urn:schemas-microsoft-com:mac:vml" xmlns:p="http://schemas.openxmlformats.org/presentationml/2006/main" mc:Ignorable="mv" mc:PreserveAttributes="mv:*">
   <p:cSld>
     <p:spTree>
       <p:nvGrpSpPr>
@@ -575,7 +575,7 @@
     </p:spTree>
     <p:extLst>
       <p:ext uri="{BB962C8B-B14F-4D97-AF65-F5344CB8AC3E}">
-        <p14:creationId xmlns:p14="http://schemas.microsoft.com/office/powerpoint/2010/main" val="3250658828"/>
+        <p14:creationId xmlns:p14="http://schemas.microsoft.com/office/powerpoint/2010/main" xmlns:p="http://schemas.openxmlformats.org/presentationml/2006/main" xmlns:r="http://schemas.openxmlformats.org/officeDocument/2006/relationships" xmlns:a="http://schemas.openxmlformats.org/drawingml/2006/main" xmlns="" val="3250658828"/>
       </p:ext>
     </p:extLst>
   </p:cSld>
@@ -586,7 +586,7 @@
 </file>
 
 <file path=ppt/notesSlides/notesSlide2.xml><?xml version="1.0" encoding="utf-8"?>
-<p:notes xmlns:a="http://schemas.openxmlformats.org/drawingml/2006/main" xmlns:r="http://schemas.openxmlformats.org/officeDocument/2006/relationships" xmlns:p="http://schemas.openxmlformats.org/presentationml/2006/main">
+<p:notes xmlns:a="http://schemas.openxmlformats.org/drawingml/2006/main" xmlns:r="http://schemas.openxmlformats.org/officeDocument/2006/relationships" xmlns:mc="http://schemas.openxmlformats.org/markup-compatibility/2006" xmlns:mv="urn:schemas-microsoft-com:mac:vml" xmlns:p="http://schemas.openxmlformats.org/presentationml/2006/main" mc:Ignorable="mv" mc:PreserveAttributes="mv:*">
   <p:cSld>
     <p:spTree>
       <p:nvGrpSpPr>
@@ -624,14 +624,14 @@
           </a:ln>
           <a:extLst>
             <a:ext uri="{909E8E84-426E-40dd-AFC4-6F175D3DCCD1}">
-              <a14:hiddenFill xmlns:a14="http://schemas.microsoft.com/office/drawing/2010/main">
+              <a14:hiddenFill xmlns:a14="http://schemas.microsoft.com/office/drawing/2010/main" xmlns:p="http://schemas.openxmlformats.org/presentationml/2006/main" xmlns:r="http://schemas.openxmlformats.org/officeDocument/2006/relationships" xmlns:a="http://schemas.openxmlformats.org/drawingml/2006/main" xmlns="">
                 <a:solidFill>
                   <a:srgbClr val="FFFFFF"/>
                 </a:solidFill>
               </a14:hiddenFill>
             </a:ext>
             <a:ext uri="{91240B29-F687-4f45-9708-019B960494DF}">
-              <a14:hiddenLine xmlns:a14="http://schemas.microsoft.com/office/drawing/2010/main" w="9525">
+              <a14:hiddenLine xmlns:a14="http://schemas.microsoft.com/office/drawing/2010/main" xmlns:p="http://schemas.openxmlformats.org/presentationml/2006/main" xmlns:r="http://schemas.openxmlformats.org/officeDocument/2006/relationships" xmlns:a="http://schemas.openxmlformats.org/drawingml/2006/main" xmlns="" w="9525">
                 <a:solidFill>
                   <a:srgbClr val="000000"/>
                 </a:solidFill>
@@ -785,14 +785,14 @@
           </a:ln>
           <a:extLst>
             <a:ext uri="{909E8E84-426E-40dd-AFC4-6F175D3DCCD1}">
-              <a14:hiddenFill xmlns:a14="http://schemas.microsoft.com/office/drawing/2010/main">
+              <a14:hiddenFill xmlns:a14="http://schemas.microsoft.com/office/drawing/2010/main" xmlns:p="http://schemas.openxmlformats.org/presentationml/2006/main" xmlns:r="http://schemas.openxmlformats.org/officeDocument/2006/relationships" xmlns:a="http://schemas.openxmlformats.org/drawingml/2006/main" xmlns="">
                 <a:solidFill>
                   <a:srgbClr val="FFFFFF"/>
                 </a:solidFill>
               </a14:hiddenFill>
             </a:ext>
             <a:ext uri="{FAA26D3D-D897-4be2-8F04-BA451C77F1D7}">
-              <ma14:placeholderFlag xmlns:ma14="http://schemas.microsoft.com/office/mac/drawingml/2011/main" val="1"/>
+              <ma14:placeholderFlag xmlns:ma14="http://schemas.microsoft.com/office/mac/drawingml/2011/main" xmlns:p="http://schemas.openxmlformats.org/presentationml/2006/main" xmlns:r="http://schemas.openxmlformats.org/officeDocument/2006/relationships" xmlns:a="http://schemas.openxmlformats.org/drawingml/2006/main" xmlns="" val="1"/>
             </a:ext>
           </a:extLst>
         </p:spPr>
@@ -811,14 +811,14 @@
           <a:noFill/>
           <a:extLst>
             <a:ext uri="{909E8E84-426E-40dd-AFC4-6F175D3DCCD1}">
-              <a14:hiddenFill xmlns:a14="http://schemas.microsoft.com/office/drawing/2010/main">
+              <a14:hiddenFill xmlns:a14="http://schemas.microsoft.com/office/drawing/2010/main" xmlns:p="http://schemas.openxmlformats.org/presentationml/2006/main" xmlns:r="http://schemas.openxmlformats.org/officeDocument/2006/relationships" xmlns:a="http://schemas.openxmlformats.org/drawingml/2006/main" xmlns="">
                 <a:solidFill>
                   <a:srgbClr val="FFFFFF"/>
                 </a:solidFill>
               </a14:hiddenFill>
             </a:ext>
             <a:ext uri="{91240B29-F687-4f45-9708-019B960494DF}">
-              <a14:hiddenLine xmlns:a14="http://schemas.microsoft.com/office/drawing/2010/main" w="9525">
+              <a14:hiddenLine xmlns:a14="http://schemas.microsoft.com/office/drawing/2010/main" xmlns:p="http://schemas.openxmlformats.org/presentationml/2006/main" xmlns:r="http://schemas.openxmlformats.org/officeDocument/2006/relationships" xmlns:a="http://schemas.openxmlformats.org/drawingml/2006/main" xmlns="" w="9525">
                 <a:solidFill>
                   <a:srgbClr val="000000"/>
                 </a:solidFill>
@@ -828,7 +828,7 @@
               </a14:hiddenLine>
             </a:ext>
             <a:ext uri="{FAA26D3D-D897-4be2-8F04-BA451C77F1D7}">
-              <ma14:placeholderFlag xmlns:ma14="http://schemas.microsoft.com/office/mac/drawingml/2011/main" val="1"/>
+              <ma14:placeholderFlag xmlns:ma14="http://schemas.microsoft.com/office/mac/drawingml/2011/main" xmlns:p="http://schemas.openxmlformats.org/presentationml/2006/main" xmlns:r="http://schemas.openxmlformats.org/officeDocument/2006/relationships" xmlns:a="http://schemas.openxmlformats.org/drawingml/2006/main" xmlns="" val="1"/>
             </a:ext>
           </a:extLst>
         </p:spPr>
@@ -856,7 +856,7 @@
 </file>
 
 <file path=ppt/notesSlides/notesSlide3.xml><?xml version="1.0" encoding="utf-8"?>
-<p:notes xmlns:a="http://schemas.openxmlformats.org/drawingml/2006/main" xmlns:r="http://schemas.openxmlformats.org/officeDocument/2006/relationships" xmlns:p="http://schemas.openxmlformats.org/presentationml/2006/main">
+<p:notes xmlns:a="http://schemas.openxmlformats.org/drawingml/2006/main" xmlns:r="http://schemas.openxmlformats.org/officeDocument/2006/relationships" xmlns:mc="http://schemas.openxmlformats.org/markup-compatibility/2006" xmlns:mv="urn:schemas-microsoft-com:mac:vml" xmlns:p="http://schemas.openxmlformats.org/presentationml/2006/main" mc:Ignorable="mv" mc:PreserveAttributes="mv:*">
   <p:cSld>
     <p:spTree>
       <p:nvGrpSpPr>
@@ -894,14 +894,14 @@
           </a:ln>
           <a:extLst>
             <a:ext uri="{909E8E84-426E-40dd-AFC4-6F175D3DCCD1}">
-              <a14:hiddenFill xmlns:a14="http://schemas.microsoft.com/office/drawing/2010/main">
+              <a14:hiddenFill xmlns:a14="http://schemas.microsoft.com/office/drawing/2010/main" xmlns:p="http://schemas.openxmlformats.org/presentationml/2006/main" xmlns:r="http://schemas.openxmlformats.org/officeDocument/2006/relationships" xmlns:a="http://schemas.openxmlformats.org/drawingml/2006/main" xmlns="">
                 <a:solidFill>
                   <a:srgbClr val="FFFFFF"/>
                 </a:solidFill>
               </a14:hiddenFill>
             </a:ext>
             <a:ext uri="{FAA26D3D-D897-4be2-8F04-BA451C77F1D7}">
-              <ma14:placeholderFlag xmlns:ma14="http://schemas.microsoft.com/office/mac/drawingml/2011/main" val="1"/>
+              <ma14:placeholderFlag xmlns:ma14="http://schemas.microsoft.com/office/mac/drawingml/2011/main" xmlns:p="http://schemas.openxmlformats.org/presentationml/2006/main" xmlns:r="http://schemas.openxmlformats.org/officeDocument/2006/relationships" xmlns:a="http://schemas.openxmlformats.org/drawingml/2006/main" xmlns="" val="1"/>
             </a:ext>
           </a:extLst>
         </p:spPr>
@@ -920,14 +920,14 @@
           <a:noFill/>
           <a:extLst>
             <a:ext uri="{909E8E84-426E-40dd-AFC4-6F175D3DCCD1}">
-              <a14:hiddenFill xmlns:a14="http://schemas.microsoft.com/office/drawing/2010/main">
+              <a14:hiddenFill xmlns:a14="http://schemas.microsoft.com/office/drawing/2010/main" xmlns:p="http://schemas.openxmlformats.org/presentationml/2006/main" xmlns:r="http://schemas.openxmlformats.org/officeDocument/2006/relationships" xmlns:a="http://schemas.openxmlformats.org/drawingml/2006/main" xmlns="">
                 <a:solidFill>
                   <a:srgbClr val="FFFFFF"/>
                 </a:solidFill>
               </a14:hiddenFill>
             </a:ext>
             <a:ext uri="{91240B29-F687-4f45-9708-019B960494DF}">
-              <a14:hiddenLine xmlns:a14="http://schemas.microsoft.com/office/drawing/2010/main" w="9525">
+              <a14:hiddenLine xmlns:a14="http://schemas.microsoft.com/office/drawing/2010/main" xmlns:p="http://schemas.openxmlformats.org/presentationml/2006/main" xmlns:r="http://schemas.openxmlformats.org/officeDocument/2006/relationships" xmlns:a="http://schemas.openxmlformats.org/drawingml/2006/main" xmlns="" w="9525">
                 <a:solidFill>
                   <a:srgbClr val="000000"/>
                 </a:solidFill>
@@ -937,7 +937,7 @@
               </a14:hiddenLine>
             </a:ext>
             <a:ext uri="{FAA26D3D-D897-4be2-8F04-BA451C77F1D7}">
-              <ma14:placeholderFlag xmlns:ma14="http://schemas.microsoft.com/office/mac/drawingml/2011/main" val="1"/>
+              <ma14:placeholderFlag xmlns:ma14="http://schemas.microsoft.com/office/mac/drawingml/2011/main" xmlns:p="http://schemas.openxmlformats.org/presentationml/2006/main" xmlns:r="http://schemas.openxmlformats.org/officeDocument/2006/relationships" xmlns:a="http://schemas.openxmlformats.org/drawingml/2006/main" xmlns="" val="1"/>
             </a:ext>
           </a:extLst>
         </p:spPr>
@@ -964,7 +964,7 @@
 </file>
 
 <file path=ppt/notesSlides/notesSlide4.xml><?xml version="1.0" encoding="utf-8"?>
-<p:notes xmlns:a="http://schemas.openxmlformats.org/drawingml/2006/main" xmlns:r="http://schemas.openxmlformats.org/officeDocument/2006/relationships" xmlns:p="http://schemas.openxmlformats.org/presentationml/2006/main">
+<p:notes xmlns:a="http://schemas.openxmlformats.org/drawingml/2006/main" xmlns:r="http://schemas.openxmlformats.org/officeDocument/2006/relationships" xmlns:mc="http://schemas.openxmlformats.org/markup-compatibility/2006" xmlns:mv="urn:schemas-microsoft-com:mac:vml" xmlns:p="http://schemas.openxmlformats.org/presentationml/2006/main" mc:Ignorable="mv" mc:PreserveAttributes="mv:*">
   <p:cSld>
     <p:spTree>
       <p:nvGrpSpPr>
@@ -1038,7 +1038,7 @@
     </p:spTree>
     <p:extLst>
       <p:ext uri="{BB962C8B-B14F-4D97-AF65-F5344CB8AC3E}">
-        <p14:creationId xmlns:p14="http://schemas.microsoft.com/office/powerpoint/2010/main" val="963676054"/>
+        <p14:creationId xmlns:p14="http://schemas.microsoft.com/office/powerpoint/2010/main" xmlns:p="http://schemas.openxmlformats.org/presentationml/2006/main" xmlns:r="http://schemas.openxmlformats.org/officeDocument/2006/relationships" xmlns:a="http://schemas.openxmlformats.org/drawingml/2006/main" xmlns="" val="963676054"/>
       </p:ext>
     </p:extLst>
   </p:cSld>
@@ -1049,7 +1049,7 @@
 </file>
 
 <file path=ppt/notesSlides/notesSlide5.xml><?xml version="1.0" encoding="utf-8"?>
-<p:notes xmlns:a="http://schemas.openxmlformats.org/drawingml/2006/main" xmlns:r="http://schemas.openxmlformats.org/officeDocument/2006/relationships" xmlns:p="http://schemas.openxmlformats.org/presentationml/2006/main">
+<p:notes xmlns:a="http://schemas.openxmlformats.org/drawingml/2006/main" xmlns:r="http://schemas.openxmlformats.org/officeDocument/2006/relationships" xmlns:mc="http://schemas.openxmlformats.org/markup-compatibility/2006" xmlns:mv="urn:schemas-microsoft-com:mac:vml" xmlns:p="http://schemas.openxmlformats.org/presentationml/2006/main" mc:Ignorable="mv" mc:PreserveAttributes="mv:*">
   <p:cSld>
     <p:spTree>
       <p:nvGrpSpPr>
@@ -1123,7 +1123,7 @@
     </p:spTree>
     <p:extLst>
       <p:ext uri="{BB962C8B-B14F-4D97-AF65-F5344CB8AC3E}">
-        <p14:creationId xmlns:p14="http://schemas.microsoft.com/office/powerpoint/2010/main" val="963676054"/>
+        <p14:creationId xmlns:p14="http://schemas.microsoft.com/office/powerpoint/2010/main" xmlns:p="http://schemas.openxmlformats.org/presentationml/2006/main" xmlns:r="http://schemas.openxmlformats.org/officeDocument/2006/relationships" xmlns:a="http://schemas.openxmlformats.org/drawingml/2006/main" xmlns="" val="963676054"/>
       </p:ext>
     </p:extLst>
   </p:cSld>
@@ -1134,7 +1134,7 @@
 </file>
 
 <file path=ppt/notesSlides/notesSlide6.xml><?xml version="1.0" encoding="utf-8"?>
-<p:notes xmlns:a="http://schemas.openxmlformats.org/drawingml/2006/main" xmlns:r="http://schemas.openxmlformats.org/officeDocument/2006/relationships" xmlns:p="http://schemas.openxmlformats.org/presentationml/2006/main">
+<p:notes xmlns:a="http://schemas.openxmlformats.org/drawingml/2006/main" xmlns:r="http://schemas.openxmlformats.org/officeDocument/2006/relationships" xmlns:mc="http://schemas.openxmlformats.org/markup-compatibility/2006" xmlns:mv="urn:schemas-microsoft-com:mac:vml" xmlns:p="http://schemas.openxmlformats.org/presentationml/2006/main" mc:Ignorable="mv" mc:PreserveAttributes="mv:*">
   <p:cSld>
     <p:spTree>
       <p:nvGrpSpPr>
@@ -1208,7 +1208,7 @@
     </p:spTree>
     <p:extLst>
       <p:ext uri="{BB962C8B-B14F-4D97-AF65-F5344CB8AC3E}">
-        <p14:creationId xmlns:p14="http://schemas.microsoft.com/office/powerpoint/2010/main" val="963676054"/>
+        <p14:creationId xmlns:p14="http://schemas.microsoft.com/office/powerpoint/2010/main" xmlns:p="http://schemas.openxmlformats.org/presentationml/2006/main" xmlns:r="http://schemas.openxmlformats.org/officeDocument/2006/relationships" xmlns:a="http://schemas.openxmlformats.org/drawingml/2006/main" xmlns="" val="963676054"/>
       </p:ext>
     </p:extLst>
   </p:cSld>
@@ -1219,7 +1219,7 @@
 </file>
 
 <file path=ppt/notesSlides/notesSlide7.xml><?xml version="1.0" encoding="utf-8"?>
-<p:notes xmlns:a="http://schemas.openxmlformats.org/drawingml/2006/main" xmlns:r="http://schemas.openxmlformats.org/officeDocument/2006/relationships" xmlns:p="http://schemas.openxmlformats.org/presentationml/2006/main">
+<p:notes xmlns:a="http://schemas.openxmlformats.org/drawingml/2006/main" xmlns:r="http://schemas.openxmlformats.org/officeDocument/2006/relationships" xmlns:mc="http://schemas.openxmlformats.org/markup-compatibility/2006" xmlns:mv="urn:schemas-microsoft-com:mac:vml" xmlns:p="http://schemas.openxmlformats.org/presentationml/2006/main" mc:Ignorable="mv" mc:PreserveAttributes="mv:*">
   <p:cSld>
     <p:spTree>
       <p:nvGrpSpPr>
@@ -1293,7 +1293,7 @@
     </p:spTree>
     <p:extLst>
       <p:ext uri="{BB962C8B-B14F-4D97-AF65-F5344CB8AC3E}">
-        <p14:creationId xmlns:p14="http://schemas.microsoft.com/office/powerpoint/2010/main" val="963676054"/>
+        <p14:creationId xmlns:p14="http://schemas.microsoft.com/office/powerpoint/2010/main" xmlns:p="http://schemas.openxmlformats.org/presentationml/2006/main" xmlns:r="http://schemas.openxmlformats.org/officeDocument/2006/relationships" xmlns:a="http://schemas.openxmlformats.org/drawingml/2006/main" xmlns="" val="963676054"/>
       </p:ext>
     </p:extLst>
   </p:cSld>
@@ -1304,7 +1304,7 @@
 </file>
 
 <file path=ppt/notesSlides/notesSlide8.xml><?xml version="1.0" encoding="utf-8"?>
-<p:notes xmlns:a="http://schemas.openxmlformats.org/drawingml/2006/main" xmlns:r="http://schemas.openxmlformats.org/officeDocument/2006/relationships" xmlns:p="http://schemas.openxmlformats.org/presentationml/2006/main">
+<p:notes xmlns:a="http://schemas.openxmlformats.org/drawingml/2006/main" xmlns:r="http://schemas.openxmlformats.org/officeDocument/2006/relationships" xmlns:mc="http://schemas.openxmlformats.org/markup-compatibility/2006" xmlns:mv="urn:schemas-microsoft-com:mac:vml" xmlns:p="http://schemas.openxmlformats.org/presentationml/2006/main" mc:Ignorable="mv" mc:PreserveAttributes="mv:*">
   <p:cSld>
     <p:spTree>
       <p:nvGrpSpPr>
@@ -1415,7 +1415,7 @@
 </file>
 
 <file path=ppt/notesSlides/notesSlide9.xml><?xml version="1.0" encoding="utf-8"?>
-<p:notes xmlns:a="http://schemas.openxmlformats.org/drawingml/2006/main" xmlns:r="http://schemas.openxmlformats.org/officeDocument/2006/relationships" xmlns:p="http://schemas.openxmlformats.org/presentationml/2006/main">
+<p:notes xmlns:a="http://schemas.openxmlformats.org/drawingml/2006/main" xmlns:r="http://schemas.openxmlformats.org/officeDocument/2006/relationships" xmlns:mc="http://schemas.openxmlformats.org/markup-compatibility/2006" xmlns:mv="urn:schemas-microsoft-com:mac:vml" xmlns:p="http://schemas.openxmlformats.org/presentationml/2006/main" mc:Ignorable="mv" mc:PreserveAttributes="mv:*">
   <p:cSld>
     <p:spTree>
       <p:nvGrpSpPr>
@@ -1489,7 +1489,7 @@
     </p:spTree>
     <p:extLst>
       <p:ext uri="{BB962C8B-B14F-4D97-AF65-F5344CB8AC3E}">
-        <p14:creationId xmlns:p14="http://schemas.microsoft.com/office/powerpoint/2010/main" val="1443086944"/>
+        <p14:creationId xmlns:p14="http://schemas.microsoft.com/office/powerpoint/2010/main" xmlns:p="http://schemas.openxmlformats.org/presentationml/2006/main" xmlns:r="http://schemas.openxmlformats.org/officeDocument/2006/relationships" xmlns:a="http://schemas.openxmlformats.org/drawingml/2006/main" xmlns="" val="1443086944"/>
       </p:ext>
     </p:extLst>
   </p:cSld>
@@ -1500,7 +1500,7 @@
 </file>
 
 <file path=ppt/slideLayouts/slideLayout1.xml><?xml version="1.0" encoding="utf-8"?>
-<p:sldLayout xmlns:a="http://schemas.openxmlformats.org/drawingml/2006/main" xmlns:r="http://schemas.openxmlformats.org/officeDocument/2006/relationships" xmlns:p="http://schemas.openxmlformats.org/presentationml/2006/main" type="title" preserve="1">
+<p:sldLayout xmlns:a="http://schemas.openxmlformats.org/drawingml/2006/main" xmlns:r="http://schemas.openxmlformats.org/officeDocument/2006/relationships" xmlns:mc="http://schemas.openxmlformats.org/markup-compatibility/2006" xmlns:mv="urn:schemas-microsoft-com:mac:vml" xmlns:p="http://schemas.openxmlformats.org/presentationml/2006/main" mc:Ignorable="mv" mc:PreserveAttributes="mv:*" type="title" preserve="1">
   <p:cSld name="Title Slide">
     <p:bg>
       <p:bgPr>
@@ -1724,7 +1724,7 @@
 </file>
 
 <file path=ppt/slideLayouts/slideLayout10.xml><?xml version="1.0" encoding="utf-8"?>
-<p:sldLayout xmlns:a="http://schemas.openxmlformats.org/drawingml/2006/main" xmlns:r="http://schemas.openxmlformats.org/officeDocument/2006/relationships" xmlns:p="http://schemas.openxmlformats.org/presentationml/2006/main" preserve="1" userDrawn="1">
+<p:sldLayout xmlns:a="http://schemas.openxmlformats.org/drawingml/2006/main" xmlns:r="http://schemas.openxmlformats.org/officeDocument/2006/relationships" xmlns:mc="http://schemas.openxmlformats.org/markup-compatibility/2006" xmlns:mv="urn:schemas-microsoft-com:mac:vml" xmlns:p="http://schemas.openxmlformats.org/presentationml/2006/main" mc:Ignorable="mv" mc:PreserveAttributes="mv:*" preserve="1" userDrawn="1">
   <p:cSld name="Impact Slide - Pink">
     <p:bg>
       <p:bgPr>
@@ -1797,7 +1797,7 @@
 </file>
 
 <file path=ppt/slideLayouts/slideLayout11.xml><?xml version="1.0" encoding="utf-8"?>
-<p:sldLayout xmlns:a="http://schemas.openxmlformats.org/drawingml/2006/main" xmlns:r="http://schemas.openxmlformats.org/officeDocument/2006/relationships" xmlns:p="http://schemas.openxmlformats.org/presentationml/2006/main" preserve="1" userDrawn="1">
+<p:sldLayout xmlns:a="http://schemas.openxmlformats.org/drawingml/2006/main" xmlns:r="http://schemas.openxmlformats.org/officeDocument/2006/relationships" xmlns:mc="http://schemas.openxmlformats.org/markup-compatibility/2006" xmlns:mv="urn:schemas-microsoft-com:mac:vml" xmlns:p="http://schemas.openxmlformats.org/presentationml/2006/main" mc:Ignorable="mv" mc:PreserveAttributes="mv:*" preserve="1" userDrawn="1">
   <p:cSld name="Quote Slide - Neutral">
     <p:bg>
       <p:bgPr>
@@ -1956,7 +1956,7 @@
 </file>
 
 <file path=ppt/slideLayouts/slideLayout12.xml><?xml version="1.0" encoding="utf-8"?>
-<p:sldLayout xmlns:a="http://schemas.openxmlformats.org/drawingml/2006/main" xmlns:r="http://schemas.openxmlformats.org/officeDocument/2006/relationships" xmlns:p="http://schemas.openxmlformats.org/presentationml/2006/main" preserve="1" userDrawn="1">
+<p:sldLayout xmlns:a="http://schemas.openxmlformats.org/drawingml/2006/main" xmlns:r="http://schemas.openxmlformats.org/officeDocument/2006/relationships" xmlns:mc="http://schemas.openxmlformats.org/markup-compatibility/2006" xmlns:mv="urn:schemas-microsoft-com:mac:vml" xmlns:p="http://schemas.openxmlformats.org/presentationml/2006/main" mc:Ignorable="mv" mc:PreserveAttributes="mv:*" preserve="1" userDrawn="1">
   <p:cSld name="Quote Slide - Teal">
     <p:bg>
       <p:bgPr>
@@ -2109,7 +2109,7 @@
 </file>
 
 <file path=ppt/slideLayouts/slideLayout13.xml><?xml version="1.0" encoding="utf-8"?>
-<p:sldLayout xmlns:a="http://schemas.openxmlformats.org/drawingml/2006/main" xmlns:r="http://schemas.openxmlformats.org/officeDocument/2006/relationships" xmlns:p="http://schemas.openxmlformats.org/presentationml/2006/main" preserve="1" userDrawn="1">
+<p:sldLayout xmlns:a="http://schemas.openxmlformats.org/drawingml/2006/main" xmlns:r="http://schemas.openxmlformats.org/officeDocument/2006/relationships" xmlns:mc="http://schemas.openxmlformats.org/markup-compatibility/2006" xmlns:mv="urn:schemas-microsoft-com:mac:vml" xmlns:p="http://schemas.openxmlformats.org/presentationml/2006/main" mc:Ignorable="mv" mc:PreserveAttributes="mv:*" preserve="1" userDrawn="1">
   <p:cSld name="Quote Slide - Green">
     <p:bg>
       <p:bgPr>
@@ -2262,7 +2262,7 @@
 </file>
 
 <file path=ppt/slideLayouts/slideLayout14.xml><?xml version="1.0" encoding="utf-8"?>
-<p:sldLayout xmlns:a="http://schemas.openxmlformats.org/drawingml/2006/main" xmlns:r="http://schemas.openxmlformats.org/officeDocument/2006/relationships" xmlns:p="http://schemas.openxmlformats.org/presentationml/2006/main" preserve="1" userDrawn="1">
+<p:sldLayout xmlns:a="http://schemas.openxmlformats.org/drawingml/2006/main" xmlns:r="http://schemas.openxmlformats.org/officeDocument/2006/relationships" xmlns:mc="http://schemas.openxmlformats.org/markup-compatibility/2006" xmlns:mv="urn:schemas-microsoft-com:mac:vml" xmlns:p="http://schemas.openxmlformats.org/presentationml/2006/main" mc:Ignorable="mv" mc:PreserveAttributes="mv:*" preserve="1" userDrawn="1">
   <p:cSld name="Orange Quote Slide">
     <p:bg>
       <p:bgPr>
@@ -2415,7 +2415,7 @@
 </file>
 
 <file path=ppt/slideLayouts/slideLayout15.xml><?xml version="1.0" encoding="utf-8"?>
-<p:sldLayout xmlns:a="http://schemas.openxmlformats.org/drawingml/2006/main" xmlns:r="http://schemas.openxmlformats.org/officeDocument/2006/relationships" xmlns:p="http://schemas.openxmlformats.org/presentationml/2006/main" preserve="1" userDrawn="1">
+<p:sldLayout xmlns:a="http://schemas.openxmlformats.org/drawingml/2006/main" xmlns:r="http://schemas.openxmlformats.org/officeDocument/2006/relationships" xmlns:mc="http://schemas.openxmlformats.org/markup-compatibility/2006" xmlns:mv="urn:schemas-microsoft-com:mac:vml" xmlns:p="http://schemas.openxmlformats.org/presentationml/2006/main" mc:Ignorable="mv" mc:PreserveAttributes="mv:*" preserve="1" userDrawn="1">
   <p:cSld name="Quote Slide - Pink">
     <p:bg>
       <p:bgPr>
@@ -2568,7 +2568,7 @@
 </file>
 
 <file path=ppt/slideLayouts/slideLayout16.xml><?xml version="1.0" encoding="utf-8"?>
-<p:sldLayout xmlns:a="http://schemas.openxmlformats.org/drawingml/2006/main" xmlns:r="http://schemas.openxmlformats.org/officeDocument/2006/relationships" xmlns:p="http://schemas.openxmlformats.org/presentationml/2006/main" preserve="1" userDrawn="1">
+<p:sldLayout xmlns:a="http://schemas.openxmlformats.org/drawingml/2006/main" xmlns:r="http://schemas.openxmlformats.org/officeDocument/2006/relationships" xmlns:mc="http://schemas.openxmlformats.org/markup-compatibility/2006" xmlns:mv="urn:schemas-microsoft-com:mac:vml" xmlns:p="http://schemas.openxmlformats.org/presentationml/2006/main" mc:Ignorable="mv" mc:PreserveAttributes="mv:*" preserve="1" userDrawn="1">
   <p:cSld name="Thank You - Teal">
     <p:bg>
       <p:bgPr>
@@ -2699,7 +2699,7 @@
 </file>
 
 <file path=ppt/slideLayouts/slideLayout17.xml><?xml version="1.0" encoding="utf-8"?>
-<p:sldLayout xmlns:a="http://schemas.openxmlformats.org/drawingml/2006/main" xmlns:r="http://schemas.openxmlformats.org/officeDocument/2006/relationships" xmlns:p="http://schemas.openxmlformats.org/presentationml/2006/main" preserve="1" userDrawn="1">
+<p:sldLayout xmlns:a="http://schemas.openxmlformats.org/drawingml/2006/main" xmlns:r="http://schemas.openxmlformats.org/officeDocument/2006/relationships" xmlns:mc="http://schemas.openxmlformats.org/markup-compatibility/2006" xmlns:mv="urn:schemas-microsoft-com:mac:vml" xmlns:p="http://schemas.openxmlformats.org/presentationml/2006/main" mc:Ignorable="mv" mc:PreserveAttributes="mv:*" preserve="1" userDrawn="1">
   <p:cSld name="Thank You - Green">
     <p:bg>
       <p:bgPr>
@@ -2830,7 +2830,7 @@
 </file>
 
 <file path=ppt/slideLayouts/slideLayout18.xml><?xml version="1.0" encoding="utf-8"?>
-<p:sldLayout xmlns:a="http://schemas.openxmlformats.org/drawingml/2006/main" xmlns:r="http://schemas.openxmlformats.org/officeDocument/2006/relationships" xmlns:p="http://schemas.openxmlformats.org/presentationml/2006/main" userDrawn="1">
+<p:sldLayout xmlns:a="http://schemas.openxmlformats.org/drawingml/2006/main" xmlns:r="http://schemas.openxmlformats.org/officeDocument/2006/relationships" xmlns:mc="http://schemas.openxmlformats.org/markup-compatibility/2006" xmlns:mv="urn:schemas-microsoft-com:mac:vml" xmlns:p="http://schemas.openxmlformats.org/presentationml/2006/main" mc:Ignorable="mv" mc:PreserveAttributes="mv:*" userDrawn="1">
   <p:cSld name="Thank You - Orange">
     <p:bg>
       <p:bgPr>
@@ -2961,7 +2961,7 @@
 </file>
 
 <file path=ppt/slideLayouts/slideLayout19.xml><?xml version="1.0" encoding="utf-8"?>
-<p:sldLayout xmlns:a="http://schemas.openxmlformats.org/drawingml/2006/main" xmlns:r="http://schemas.openxmlformats.org/officeDocument/2006/relationships" xmlns:p="http://schemas.openxmlformats.org/presentationml/2006/main" userDrawn="1">
+<p:sldLayout xmlns:a="http://schemas.openxmlformats.org/drawingml/2006/main" xmlns:r="http://schemas.openxmlformats.org/officeDocument/2006/relationships" xmlns:mc="http://schemas.openxmlformats.org/markup-compatibility/2006" xmlns:mv="urn:schemas-microsoft-com:mac:vml" xmlns:p="http://schemas.openxmlformats.org/presentationml/2006/main" mc:Ignorable="mv" mc:PreserveAttributes="mv:*" userDrawn="1">
   <p:cSld name="Thank You - Pink">
     <p:bg>
       <p:bgPr>
@@ -3092,7 +3092,7 @@
 </file>
 
 <file path=ppt/slideLayouts/slideLayout2.xml><?xml version="1.0" encoding="utf-8"?>
-<p:sldLayout xmlns:a="http://schemas.openxmlformats.org/drawingml/2006/main" xmlns:r="http://schemas.openxmlformats.org/officeDocument/2006/relationships" xmlns:p="http://schemas.openxmlformats.org/presentationml/2006/main" preserve="1" userDrawn="1">
+<p:sldLayout xmlns:a="http://schemas.openxmlformats.org/drawingml/2006/main" xmlns:r="http://schemas.openxmlformats.org/officeDocument/2006/relationships" xmlns:mc="http://schemas.openxmlformats.org/markup-compatibility/2006" xmlns:mv="urn:schemas-microsoft-com:mac:vml" xmlns:p="http://schemas.openxmlformats.org/presentationml/2006/main" mc:Ignorable="mv" mc:PreserveAttributes="mv:*" preserve="1" userDrawn="1">
   <p:cSld name="Title and Single Element">
     <p:spTree>
       <p:nvGrpSpPr>
@@ -3423,7 +3423,7 @@
 </file>
 
 <file path=ppt/slideLayouts/slideLayout3.xml><?xml version="1.0" encoding="utf-8"?>
-<p:sldLayout xmlns:a="http://schemas.openxmlformats.org/drawingml/2006/main" xmlns:r="http://schemas.openxmlformats.org/officeDocument/2006/relationships" xmlns:p="http://schemas.openxmlformats.org/presentationml/2006/main" preserve="1" userDrawn="1">
+<p:sldLayout xmlns:a="http://schemas.openxmlformats.org/drawingml/2006/main" xmlns:r="http://schemas.openxmlformats.org/officeDocument/2006/relationships" xmlns:mc="http://schemas.openxmlformats.org/markup-compatibility/2006" xmlns:mv="urn:schemas-microsoft-com:mac:vml" xmlns:p="http://schemas.openxmlformats.org/presentationml/2006/main" mc:Ignorable="mv" mc:PreserveAttributes="mv:*" preserve="1" userDrawn="1">
   <p:cSld name="Title and Two Element">
     <p:spTree>
       <p:nvGrpSpPr>
@@ -3815,7 +3815,7 @@
 </file>
 
 <file path=ppt/slideLayouts/slideLayout4.xml><?xml version="1.0" encoding="utf-8"?>
-<p:sldLayout xmlns:a="http://schemas.openxmlformats.org/drawingml/2006/main" xmlns:r="http://schemas.openxmlformats.org/officeDocument/2006/relationships" xmlns:p="http://schemas.openxmlformats.org/presentationml/2006/main" preserve="1" userDrawn="1">
+<p:sldLayout xmlns:a="http://schemas.openxmlformats.org/drawingml/2006/main" xmlns:r="http://schemas.openxmlformats.org/officeDocument/2006/relationships" xmlns:mc="http://schemas.openxmlformats.org/markup-compatibility/2006" xmlns:mv="urn:schemas-microsoft-com:mac:vml" xmlns:p="http://schemas.openxmlformats.org/presentationml/2006/main" mc:Ignorable="mv" mc:PreserveAttributes="mv:*" preserve="1" userDrawn="1">
   <p:cSld name="Title Only and Blank">
     <p:spTree>
       <p:nvGrpSpPr>
@@ -4089,7 +4089,7 @@
 </file>
 
 <file path=ppt/slideLayouts/slideLayout5.xml><?xml version="1.0" encoding="utf-8"?>
-<p:sldLayout xmlns:a="http://schemas.openxmlformats.org/drawingml/2006/main" xmlns:r="http://schemas.openxmlformats.org/officeDocument/2006/relationships" xmlns:p="http://schemas.openxmlformats.org/presentationml/2006/main" userDrawn="1">
+<p:sldLayout xmlns:a="http://schemas.openxmlformats.org/drawingml/2006/main" xmlns:r="http://schemas.openxmlformats.org/officeDocument/2006/relationships" xmlns:mc="http://schemas.openxmlformats.org/markup-compatibility/2006" xmlns:mv="urn:schemas-microsoft-com:mac:vml" xmlns:p="http://schemas.openxmlformats.org/presentationml/2006/main" mc:Ignorable="mv" mc:PreserveAttributes="mv:*" userDrawn="1">
   <p:cSld name="Left Text and Right Image">
     <p:spTree>
       <p:nvGrpSpPr>
@@ -4450,7 +4450,7 @@
 </file>
 
 <file path=ppt/slideLayouts/slideLayout6.xml><?xml version="1.0" encoding="utf-8"?>
-<p:sldLayout xmlns:a="http://schemas.openxmlformats.org/drawingml/2006/main" xmlns:r="http://schemas.openxmlformats.org/officeDocument/2006/relationships" xmlns:p="http://schemas.openxmlformats.org/presentationml/2006/main" preserve="1" userDrawn="1">
+<p:sldLayout xmlns:a="http://schemas.openxmlformats.org/drawingml/2006/main" xmlns:r="http://schemas.openxmlformats.org/officeDocument/2006/relationships" xmlns:mc="http://schemas.openxmlformats.org/markup-compatibility/2006" xmlns:mv="urn:schemas-microsoft-com:mac:vml" xmlns:p="http://schemas.openxmlformats.org/presentationml/2006/main" mc:Ignorable="mv" mc:PreserveAttributes="mv:*" preserve="1" userDrawn="1">
   <p:cSld name="Left Image and Right Text">
     <p:spTree>
       <p:nvGrpSpPr>
@@ -4811,7 +4811,7 @@
 </file>
 
 <file path=ppt/slideLayouts/slideLayout7.xml><?xml version="1.0" encoding="utf-8"?>
-<p:sldLayout xmlns:a="http://schemas.openxmlformats.org/drawingml/2006/main" xmlns:r="http://schemas.openxmlformats.org/officeDocument/2006/relationships" xmlns:p="http://schemas.openxmlformats.org/presentationml/2006/main" preserve="1" userDrawn="1">
+<p:sldLayout xmlns:a="http://schemas.openxmlformats.org/drawingml/2006/main" xmlns:r="http://schemas.openxmlformats.org/officeDocument/2006/relationships" xmlns:mc="http://schemas.openxmlformats.org/markup-compatibility/2006" xmlns:mv="urn:schemas-microsoft-com:mac:vml" xmlns:p="http://schemas.openxmlformats.org/presentationml/2006/main" mc:Ignorable="mv" mc:PreserveAttributes="mv:*" preserve="1" userDrawn="1">
   <p:cSld name="Impact Slide - Teal">
     <p:bg>
       <p:bgPr>
@@ -4906,7 +4906,7 @@
 </file>
 
 <file path=ppt/slideLayouts/slideLayout8.xml><?xml version="1.0" encoding="utf-8"?>
-<p:sldLayout xmlns:a="http://schemas.openxmlformats.org/drawingml/2006/main" xmlns:r="http://schemas.openxmlformats.org/officeDocument/2006/relationships" xmlns:p="http://schemas.openxmlformats.org/presentationml/2006/main" preserve="1" userDrawn="1">
+<p:sldLayout xmlns:a="http://schemas.openxmlformats.org/drawingml/2006/main" xmlns:r="http://schemas.openxmlformats.org/officeDocument/2006/relationships" xmlns:mc="http://schemas.openxmlformats.org/markup-compatibility/2006" xmlns:mv="urn:schemas-microsoft-com:mac:vml" xmlns:p="http://schemas.openxmlformats.org/presentationml/2006/main" mc:Ignorable="mv" mc:PreserveAttributes="mv:*" preserve="1" userDrawn="1">
   <p:cSld name="Impact Slide - Green">
     <p:bg>
       <p:bgPr>
@@ -5001,7 +5001,7 @@
 </file>
 
 <file path=ppt/slideLayouts/slideLayout9.xml><?xml version="1.0" encoding="utf-8"?>
-<p:sldLayout xmlns:a="http://schemas.openxmlformats.org/drawingml/2006/main" xmlns:r="http://schemas.openxmlformats.org/officeDocument/2006/relationships" xmlns:p="http://schemas.openxmlformats.org/presentationml/2006/main" preserve="1" userDrawn="1">
+<p:sldLayout xmlns:a="http://schemas.openxmlformats.org/drawingml/2006/main" xmlns:r="http://schemas.openxmlformats.org/officeDocument/2006/relationships" xmlns:mc="http://schemas.openxmlformats.org/markup-compatibility/2006" xmlns:mv="urn:schemas-microsoft-com:mac:vml" xmlns:p="http://schemas.openxmlformats.org/presentationml/2006/main" mc:Ignorable="mv" mc:PreserveAttributes="mv:*" preserve="1" userDrawn="1">
   <p:cSld name="Impact Slide - Orange">
     <p:bg>
       <p:bgPr>
@@ -5096,7 +5096,7 @@
 </file>
 
 <file path=ppt/slideMasters/slideMaster1.xml><?xml version="1.0" encoding="utf-8"?>
-<p:sldMaster xmlns:a="http://schemas.openxmlformats.org/drawingml/2006/main" xmlns:r="http://schemas.openxmlformats.org/officeDocument/2006/relationships" xmlns:p="http://schemas.openxmlformats.org/presentationml/2006/main">
+<p:sldMaster xmlns:a="http://schemas.openxmlformats.org/drawingml/2006/main" xmlns:r="http://schemas.openxmlformats.org/officeDocument/2006/relationships" xmlns:mc="http://schemas.openxmlformats.org/markup-compatibility/2006" xmlns:mv="urn:schemas-microsoft-com:mac:vml" xmlns:p="http://schemas.openxmlformats.org/presentationml/2006/main" mc:Ignorable="mv" mc:PreserveAttributes="mv:*">
   <p:cSld>
     <p:bg>
       <p:bgPr>
@@ -5718,7 +5718,7 @@
 </file>
 
 <file path=ppt/slides/slide1.xml><?xml version="1.0" encoding="utf-8"?>
-<p:sld xmlns:a="http://schemas.openxmlformats.org/drawingml/2006/main" xmlns:r="http://schemas.openxmlformats.org/officeDocument/2006/relationships" xmlns:p="http://schemas.openxmlformats.org/presentationml/2006/main">
+<p:sld xmlns:a="http://schemas.openxmlformats.org/drawingml/2006/main" xmlns:r="http://schemas.openxmlformats.org/officeDocument/2006/relationships" xmlns:mc="http://schemas.openxmlformats.org/markup-compatibility/2006" xmlns:mv="urn:schemas-microsoft-com:mac:vml" xmlns:p="http://schemas.openxmlformats.org/presentationml/2006/main" mc:Ignorable="mv" mc:PreserveAttributes="mv:*">
   <p:cSld>
     <p:spTree>
       <p:nvGrpSpPr>
@@ -5798,20 +5798,20 @@
     </p:spTree>
     <p:extLst>
       <p:ext uri="{BB962C8B-B14F-4D97-AF65-F5344CB8AC3E}">
-        <p14:creationId xmlns:p14="http://schemas.microsoft.com/office/powerpoint/2010/main" val="2352184382"/>
+        <p14:creationId xmlns:p14="http://schemas.microsoft.com/office/powerpoint/2010/main" xmlns:p="http://schemas.openxmlformats.org/presentationml/2006/main" xmlns:r="http://schemas.openxmlformats.org/officeDocument/2006/relationships" xmlns:a="http://schemas.openxmlformats.org/drawingml/2006/main" xmlns="" val="2352184382"/>
       </p:ext>
     </p:extLst>
   </p:cSld>
   <p:clrMapOvr>
     <a:masterClrMapping/>
   </p:clrMapOvr>
-  <p:transition xmlns:p14="http://schemas.microsoft.com/office/powerpoint/2010/main" spd="med">
+  <p:transition spd="med">
     <p:fade/>
   </p:transition>
   <p:timing>
     <p:tnLst>
       <p:par>
-        <p:cTn xmlns:p14="http://schemas.microsoft.com/office/powerpoint/2010/main" id="1" dur="indefinite" restart="never" nodeType="tmRoot"/>
+        <p:cTn id="1" dur="indefinite" restart="never" nodeType="tmRoot"/>
       </p:par>
     </p:tnLst>
   </p:timing>
@@ -5819,7 +5819,7 @@
 </file>
 
 <file path=ppt/slides/slide2.xml><?xml version="1.0" encoding="utf-8"?>
-<p:sld xmlns:a="http://schemas.openxmlformats.org/drawingml/2006/main" xmlns:r="http://schemas.openxmlformats.org/officeDocument/2006/relationships" xmlns:p="http://schemas.openxmlformats.org/presentationml/2006/main">
+<p:sld xmlns:a="http://schemas.openxmlformats.org/drawingml/2006/main" xmlns:r="http://schemas.openxmlformats.org/officeDocument/2006/relationships" xmlns:mc="http://schemas.openxmlformats.org/markup-compatibility/2006" xmlns:mv="urn:schemas-microsoft-com:mac:vml" xmlns:p="http://schemas.openxmlformats.org/presentationml/2006/main" mc:Ignorable="mv" mc:PreserveAttributes="mv:*">
   <p:cSld>
     <p:spTree>
       <p:nvGrpSpPr>
@@ -5857,14 +5857,14 @@
           </a:ln>
           <a:extLst>
             <a:ext uri="{909E8E84-426E-40dd-AFC4-6F175D3DCCD1}">
-              <a14:hiddenFill xmlns:a14="http://schemas.microsoft.com/office/drawing/2010/main">
+              <a14:hiddenFill xmlns:a14="http://schemas.microsoft.com/office/drawing/2010/main" xmlns:p="http://schemas.openxmlformats.org/presentationml/2006/main" xmlns:r="http://schemas.openxmlformats.org/officeDocument/2006/relationships" xmlns:a="http://schemas.openxmlformats.org/drawingml/2006/main" xmlns="">
                 <a:solidFill>
                   <a:srgbClr val="FFFFFF"/>
                 </a:solidFill>
               </a14:hiddenFill>
             </a:ext>
             <a:ext uri="{91240B29-F687-4f45-9708-019B960494DF}">
-              <a14:hiddenLine xmlns:a14="http://schemas.microsoft.com/office/drawing/2010/main" w="9525">
+              <a14:hiddenLine xmlns:a14="http://schemas.microsoft.com/office/drawing/2010/main" xmlns:p="http://schemas.openxmlformats.org/presentationml/2006/main" xmlns:r="http://schemas.openxmlformats.org/officeDocument/2006/relationships" xmlns:a="http://schemas.openxmlformats.org/drawingml/2006/main" xmlns="" w="9525">
                 <a:solidFill>
                   <a:srgbClr val="000000"/>
                 </a:solidFill>
@@ -6035,7 +6035,14 @@
                 <a:latin typeface="Arial" charset="0"/>
                 <a:ea typeface="ＭＳ Ｐゴシック" charset="0"/>
               </a:rPr>
-              <a:t>returned data overview</a:t>
+              <a:t>returned </a:t>
+            </a:r>
+            <a:r>
+              <a:rPr lang="en-US" dirty="0" smtClean="0">
+                <a:latin typeface="Arial" charset="0"/>
+                <a:ea typeface="ＭＳ Ｐゴシック" charset="0"/>
+              </a:rPr>
+              <a:t>data</a:t>
             </a:r>
             <a:endParaRPr lang="en-US" dirty="0">
               <a:latin typeface="Arial" charset="0"/>
@@ -6141,20 +6148,20 @@
     </p:spTree>
     <p:extLst>
       <p:ext uri="{BB962C8B-B14F-4D97-AF65-F5344CB8AC3E}">
-        <p14:creationId xmlns:p14="http://schemas.microsoft.com/office/powerpoint/2010/main" val="3174594303"/>
+        <p14:creationId xmlns:p14="http://schemas.microsoft.com/office/powerpoint/2010/main" xmlns:p="http://schemas.openxmlformats.org/presentationml/2006/main" xmlns:r="http://schemas.openxmlformats.org/officeDocument/2006/relationships" xmlns:a="http://schemas.openxmlformats.org/drawingml/2006/main" xmlns="" val="3174594303"/>
       </p:ext>
     </p:extLst>
   </p:cSld>
   <p:clrMapOvr>
     <a:masterClrMapping/>
   </p:clrMapOvr>
-  <p:transition xmlns:p14="http://schemas.microsoft.com/office/powerpoint/2010/main">
+  <p:transition>
     <p:fade/>
   </p:transition>
   <p:timing>
     <p:tnLst>
       <p:par>
-        <p:cTn xmlns:p14="http://schemas.microsoft.com/office/powerpoint/2010/main" id="1" dur="indefinite" restart="never" nodeType="tmRoot"/>
+        <p:cTn id="1" dur="indefinite" restart="never" nodeType="tmRoot"/>
       </p:par>
     </p:tnLst>
   </p:timing>
@@ -6162,7 +6169,7 @@
 </file>
 
 <file path=ppt/slides/slide3.xml><?xml version="1.0" encoding="utf-8"?>
-<p:sld xmlns:a="http://schemas.openxmlformats.org/drawingml/2006/main" xmlns:r="http://schemas.openxmlformats.org/officeDocument/2006/relationships" xmlns:p="http://schemas.openxmlformats.org/presentationml/2006/main">
+<p:sld xmlns:a="http://schemas.openxmlformats.org/drawingml/2006/main" xmlns:r="http://schemas.openxmlformats.org/officeDocument/2006/relationships" xmlns:mc="http://schemas.openxmlformats.org/markup-compatibility/2006" xmlns:mv="urn:schemas-microsoft-com:mac:vml" xmlns:p="http://schemas.openxmlformats.org/presentationml/2006/main" mc:Ignorable="mv" mc:PreserveAttributes="mv:*">
   <p:cSld>
     <p:spTree>
       <p:nvGrpSpPr>
@@ -6355,7 +6362,7 @@
     </p:spTree>
     <p:extLst>
       <p:ext uri="{BB962C8B-B14F-4D97-AF65-F5344CB8AC3E}">
-        <p14:creationId xmlns:p14="http://schemas.microsoft.com/office/powerpoint/2010/main" val="2909253005"/>
+        <p14:creationId xmlns:p14="http://schemas.microsoft.com/office/powerpoint/2010/main" xmlns:p="http://schemas.openxmlformats.org/presentationml/2006/main" xmlns:r="http://schemas.openxmlformats.org/officeDocument/2006/relationships" xmlns:a="http://schemas.openxmlformats.org/drawingml/2006/main" xmlns="" val="2909253005"/>
       </p:ext>
     </p:extLst>
   </p:cSld>
@@ -6365,7 +6372,7 @@
   <p:timing>
     <p:tnLst>
       <p:par>
-        <p:cTn xmlns:p14="http://schemas.microsoft.com/office/powerpoint/2010/main" id="1" dur="indefinite" restart="never" nodeType="tmRoot"/>
+        <p:cTn id="1" dur="indefinite" restart="never" nodeType="tmRoot"/>
       </p:par>
     </p:tnLst>
   </p:timing>
@@ -6373,7 +6380,7 @@
 </file>
 
 <file path=ppt/slides/slide4.xml><?xml version="1.0" encoding="utf-8"?>
-<p:sld xmlns:a="http://schemas.openxmlformats.org/drawingml/2006/main" xmlns:r="http://schemas.openxmlformats.org/officeDocument/2006/relationships" xmlns:p="http://schemas.openxmlformats.org/presentationml/2006/main">
+<p:sld xmlns:a="http://schemas.openxmlformats.org/drawingml/2006/main" xmlns:r="http://schemas.openxmlformats.org/officeDocument/2006/relationships" xmlns:mc="http://schemas.openxmlformats.org/markup-compatibility/2006" xmlns:mv="urn:schemas-microsoft-com:mac:vml" xmlns:p="http://schemas.openxmlformats.org/presentationml/2006/main" mc:Ignorable="mv" mc:PreserveAttributes="mv:*">
   <p:cSld>
     <p:spTree>
       <p:nvGrpSpPr>
@@ -6442,7 +6449,7 @@
     </p:spTree>
     <p:extLst>
       <p:ext uri="{BB962C8B-B14F-4D97-AF65-F5344CB8AC3E}">
-        <p14:creationId xmlns:p14="http://schemas.microsoft.com/office/powerpoint/2010/main" val="1723545958"/>
+        <p14:creationId xmlns:p14="http://schemas.microsoft.com/office/powerpoint/2010/main" xmlns:p="http://schemas.openxmlformats.org/presentationml/2006/main" xmlns:r="http://schemas.openxmlformats.org/officeDocument/2006/relationships" xmlns:a="http://schemas.openxmlformats.org/drawingml/2006/main" xmlns="" val="1723545958"/>
       </p:ext>
     </p:extLst>
   </p:cSld>
@@ -6452,7 +6459,7 @@
   <p:timing>
     <p:tnLst>
       <p:par>
-        <p:cTn xmlns:p14="http://schemas.microsoft.com/office/powerpoint/2010/main" id="1" dur="indefinite" restart="never" nodeType="tmRoot"/>
+        <p:cTn id="1" dur="indefinite" restart="never" nodeType="tmRoot"/>
       </p:par>
     </p:tnLst>
   </p:timing>
@@ -6460,7 +6467,7 @@
 </file>
 
 <file path=ppt/slides/slide5.xml><?xml version="1.0" encoding="utf-8"?>
-<p:sld xmlns:a="http://schemas.openxmlformats.org/drawingml/2006/main" xmlns:r="http://schemas.openxmlformats.org/officeDocument/2006/relationships" xmlns:p="http://schemas.openxmlformats.org/presentationml/2006/main">
+<p:sld xmlns:a="http://schemas.openxmlformats.org/drawingml/2006/main" xmlns:r="http://schemas.openxmlformats.org/officeDocument/2006/relationships" xmlns:mc="http://schemas.openxmlformats.org/markup-compatibility/2006" xmlns:mv="urn:schemas-microsoft-com:mac:vml" xmlns:p="http://schemas.openxmlformats.org/presentationml/2006/main" mc:Ignorable="mv" mc:PreserveAttributes="mv:*">
   <p:cSld>
     <p:spTree>
       <p:nvGrpSpPr>
@@ -6529,7 +6536,7 @@
     </p:spTree>
     <p:extLst>
       <p:ext uri="{BB962C8B-B14F-4D97-AF65-F5344CB8AC3E}">
-        <p14:creationId xmlns:p14="http://schemas.microsoft.com/office/powerpoint/2010/main" val="2108713422"/>
+        <p14:creationId xmlns:p14="http://schemas.microsoft.com/office/powerpoint/2010/main" xmlns:p="http://schemas.openxmlformats.org/presentationml/2006/main" xmlns:r="http://schemas.openxmlformats.org/officeDocument/2006/relationships" xmlns:a="http://schemas.openxmlformats.org/drawingml/2006/main" xmlns="" val="2108713422"/>
       </p:ext>
     </p:extLst>
   </p:cSld>
@@ -6539,7 +6546,7 @@
   <p:timing>
     <p:tnLst>
       <p:par>
-        <p:cTn xmlns:p14="http://schemas.microsoft.com/office/powerpoint/2010/main" id="1" dur="indefinite" restart="never" nodeType="tmRoot"/>
+        <p:cTn id="1" dur="indefinite" restart="never" nodeType="tmRoot"/>
       </p:par>
     </p:tnLst>
   </p:timing>
@@ -6547,7 +6554,7 @@
 </file>
 
 <file path=ppt/slides/slide6.xml><?xml version="1.0" encoding="utf-8"?>
-<p:sld xmlns:a="http://schemas.openxmlformats.org/drawingml/2006/main" xmlns:r="http://schemas.openxmlformats.org/officeDocument/2006/relationships" xmlns:p="http://schemas.openxmlformats.org/presentationml/2006/main">
+<p:sld xmlns:a="http://schemas.openxmlformats.org/drawingml/2006/main" xmlns:r="http://schemas.openxmlformats.org/officeDocument/2006/relationships" xmlns:mc="http://schemas.openxmlformats.org/markup-compatibility/2006" xmlns:mv="urn:schemas-microsoft-com:mac:vml" xmlns:p="http://schemas.openxmlformats.org/presentationml/2006/main" mc:Ignorable="mv" mc:PreserveAttributes="mv:*">
   <p:cSld>
     <p:spTree>
       <p:nvGrpSpPr>
@@ -6616,7 +6623,7 @@
     </p:spTree>
     <p:extLst>
       <p:ext uri="{BB962C8B-B14F-4D97-AF65-F5344CB8AC3E}">
-        <p14:creationId xmlns:p14="http://schemas.microsoft.com/office/powerpoint/2010/main" val="2805855639"/>
+        <p14:creationId xmlns:p14="http://schemas.microsoft.com/office/powerpoint/2010/main" xmlns:p="http://schemas.openxmlformats.org/presentationml/2006/main" xmlns:r="http://schemas.openxmlformats.org/officeDocument/2006/relationships" xmlns:a="http://schemas.openxmlformats.org/drawingml/2006/main" xmlns="" val="2805855639"/>
       </p:ext>
     </p:extLst>
   </p:cSld>
@@ -6626,7 +6633,7 @@
   <p:timing>
     <p:tnLst>
       <p:par>
-        <p:cTn xmlns:p14="http://schemas.microsoft.com/office/powerpoint/2010/main" id="1" dur="indefinite" restart="never" nodeType="tmRoot"/>
+        <p:cTn id="1" dur="indefinite" restart="never" nodeType="tmRoot"/>
       </p:par>
     </p:tnLst>
   </p:timing>
@@ -6634,7 +6641,7 @@
 </file>
 
 <file path=ppt/slides/slide7.xml><?xml version="1.0" encoding="utf-8"?>
-<p:sld xmlns:a="http://schemas.openxmlformats.org/drawingml/2006/main" xmlns:r="http://schemas.openxmlformats.org/officeDocument/2006/relationships" xmlns:p="http://schemas.openxmlformats.org/presentationml/2006/main">
+<p:sld xmlns:a="http://schemas.openxmlformats.org/drawingml/2006/main" xmlns:r="http://schemas.openxmlformats.org/officeDocument/2006/relationships" xmlns:mc="http://schemas.openxmlformats.org/markup-compatibility/2006" xmlns:mv="urn:schemas-microsoft-com:mac:vml" xmlns:p="http://schemas.openxmlformats.org/presentationml/2006/main" mc:Ignorable="mv" mc:PreserveAttributes="mv:*">
   <p:cSld>
     <p:spTree>
       <p:nvGrpSpPr>
@@ -6703,7 +6710,7 @@
     </p:spTree>
     <p:extLst>
       <p:ext uri="{BB962C8B-B14F-4D97-AF65-F5344CB8AC3E}">
-        <p14:creationId xmlns:p14="http://schemas.microsoft.com/office/powerpoint/2010/main" val="2514608167"/>
+        <p14:creationId xmlns:p14="http://schemas.microsoft.com/office/powerpoint/2010/main" xmlns:p="http://schemas.openxmlformats.org/presentationml/2006/main" xmlns:r="http://schemas.openxmlformats.org/officeDocument/2006/relationships" xmlns:a="http://schemas.openxmlformats.org/drawingml/2006/main" xmlns="" val="2514608167"/>
       </p:ext>
     </p:extLst>
   </p:cSld>
@@ -6713,7 +6720,7 @@
   <p:timing>
     <p:tnLst>
       <p:par>
-        <p:cTn xmlns:p14="http://schemas.microsoft.com/office/powerpoint/2010/main" id="1" dur="indefinite" restart="never" nodeType="tmRoot"/>
+        <p:cTn id="1" dur="indefinite" restart="never" nodeType="tmRoot"/>
       </p:par>
     </p:tnLst>
   </p:timing>
@@ -6721,7 +6728,7 @@
 </file>
 
 <file path=ppt/slides/slide8.xml><?xml version="1.0" encoding="utf-8"?>
-<p:sld xmlns:a="http://schemas.openxmlformats.org/drawingml/2006/main" xmlns:r="http://schemas.openxmlformats.org/officeDocument/2006/relationships" xmlns:p="http://schemas.openxmlformats.org/presentationml/2006/main">
+<p:sld xmlns:a="http://schemas.openxmlformats.org/drawingml/2006/main" xmlns:r="http://schemas.openxmlformats.org/officeDocument/2006/relationships" xmlns:mc="http://schemas.openxmlformats.org/markup-compatibility/2006" xmlns:mv="urn:schemas-microsoft-com:mac:vml" xmlns:p="http://schemas.openxmlformats.org/presentationml/2006/main" mc:Ignorable="mv" mc:PreserveAttributes="mv:*">
   <p:cSld>
     <p:spTree>
       <p:nvGrpSpPr>
@@ -6815,18 +6822,18 @@
     </p:spTree>
     <p:extLst>
       <p:ext uri="{BB962C8B-B14F-4D97-AF65-F5344CB8AC3E}">
-        <p14:creationId xmlns:p14="http://schemas.microsoft.com/office/powerpoint/2010/main" val="3539376714"/>
+        <p14:creationId xmlns:p14="http://schemas.microsoft.com/office/powerpoint/2010/main" xmlns:p="http://schemas.openxmlformats.org/presentationml/2006/main" xmlns:r="http://schemas.openxmlformats.org/officeDocument/2006/relationships" xmlns:a="http://schemas.openxmlformats.org/drawingml/2006/main" xmlns="" val="3539376714"/>
       </p:ext>
     </p:extLst>
   </p:cSld>
   <p:clrMapOvr>
     <a:masterClrMapping/>
   </p:clrMapOvr>
-  <p:transition xmlns:p14="http://schemas.microsoft.com/office/powerpoint/2010/main"/>
+  <p:transition/>
   <p:timing>
     <p:tnLst>
       <p:par>
-        <p:cTn xmlns:p14="http://schemas.microsoft.com/office/powerpoint/2010/main" id="1" dur="indefinite" restart="never" nodeType="tmRoot"/>
+        <p:cTn id="1" dur="indefinite" restart="never" nodeType="tmRoot"/>
       </p:par>
     </p:tnLst>
   </p:timing>
@@ -6834,7 +6841,7 @@
 </file>
 
 <file path=ppt/slides/slide9.xml><?xml version="1.0" encoding="utf-8"?>
-<p:sld xmlns:a="http://schemas.openxmlformats.org/drawingml/2006/main" xmlns:r="http://schemas.openxmlformats.org/officeDocument/2006/relationships" xmlns:p="http://schemas.openxmlformats.org/presentationml/2006/main">
+<p:sld xmlns:a="http://schemas.openxmlformats.org/drawingml/2006/main" xmlns:r="http://schemas.openxmlformats.org/officeDocument/2006/relationships" xmlns:mc="http://schemas.openxmlformats.org/markup-compatibility/2006" xmlns:mv="urn:schemas-microsoft-com:mac:vml" xmlns:p="http://schemas.openxmlformats.org/presentationml/2006/main" mc:Ignorable="mv" mc:PreserveAttributes="mv:*">
   <p:cSld>
     <p:spTree>
       <p:nvGrpSpPr>
@@ -6935,20 +6942,20 @@
     </p:spTree>
     <p:extLst>
       <p:ext uri="{BB962C8B-B14F-4D97-AF65-F5344CB8AC3E}">
-        <p14:creationId xmlns:p14="http://schemas.microsoft.com/office/powerpoint/2010/main" val="3700295984"/>
+        <p14:creationId xmlns:p14="http://schemas.microsoft.com/office/powerpoint/2010/main" xmlns:p="http://schemas.openxmlformats.org/presentationml/2006/main" xmlns:r="http://schemas.openxmlformats.org/officeDocument/2006/relationships" xmlns:a="http://schemas.openxmlformats.org/drawingml/2006/main" xmlns="" val="3700295984"/>
       </p:ext>
     </p:extLst>
   </p:cSld>
   <p:clrMapOvr>
     <a:masterClrMapping/>
   </p:clrMapOvr>
-  <p:transition xmlns:p14="http://schemas.microsoft.com/office/powerpoint/2010/main" spd="med">
+  <p:transition spd="med">
     <p:fade/>
   </p:transition>
   <p:timing>
     <p:tnLst>
       <p:par>
-        <p:cTn xmlns:p14="http://schemas.microsoft.com/office/powerpoint/2010/main" id="1" dur="indefinite" restart="never" nodeType="tmRoot"/>
+        <p:cTn id="1" dur="indefinite" restart="never" nodeType="tmRoot"/>
       </p:par>
     </p:tnLst>
   </p:timing>

--- a/VideoSessionsMaterials/parse-json.pptx
+++ b/VideoSessionsMaterials/parse-json.pptx
@@ -400,7 +400,7 @@
     </p:spTree>
     <p:extLst>
       <p:ext uri="{BB962C8B-B14F-4D97-AF65-F5344CB8AC3E}">
-        <p14:creationId xmlns:p14="http://schemas.microsoft.com/office/powerpoint/2010/main" xmlns:p="http://schemas.openxmlformats.org/presentationml/2006/main" xmlns:r="http://schemas.openxmlformats.org/officeDocument/2006/relationships" xmlns:a="http://schemas.openxmlformats.org/drawingml/2006/main" xmlns="" val="4045051341"/>
+        <p14:creationId xmlns="" xmlns:a="http://schemas.openxmlformats.org/drawingml/2006/main" xmlns:r="http://schemas.openxmlformats.org/officeDocument/2006/relationships" xmlns:p="http://schemas.openxmlformats.org/presentationml/2006/main" xmlns:p14="http://schemas.microsoft.com/office/powerpoint/2010/main" xmlns:mv="urn:schemas-microsoft-com:mac:vml" xmlns:mc="http://schemas.openxmlformats.org/markup-compatibility/2006" val="4045051341"/>
       </p:ext>
     </p:extLst>
   </p:cSld>
@@ -575,7 +575,7 @@
     </p:spTree>
     <p:extLst>
       <p:ext uri="{BB962C8B-B14F-4D97-AF65-F5344CB8AC3E}">
-        <p14:creationId xmlns:p14="http://schemas.microsoft.com/office/powerpoint/2010/main" xmlns:p="http://schemas.openxmlformats.org/presentationml/2006/main" xmlns:r="http://schemas.openxmlformats.org/officeDocument/2006/relationships" xmlns:a="http://schemas.openxmlformats.org/drawingml/2006/main" xmlns="" val="3250658828"/>
+        <p14:creationId xmlns="" xmlns:a="http://schemas.openxmlformats.org/drawingml/2006/main" xmlns:r="http://schemas.openxmlformats.org/officeDocument/2006/relationships" xmlns:p="http://schemas.openxmlformats.org/presentationml/2006/main" xmlns:p14="http://schemas.microsoft.com/office/powerpoint/2010/main" xmlns:mv="urn:schemas-microsoft-com:mac:vml" xmlns:mc="http://schemas.openxmlformats.org/markup-compatibility/2006" val="3250658828"/>
       </p:ext>
     </p:extLst>
   </p:cSld>
@@ -624,14 +624,14 @@
           </a:ln>
           <a:extLst>
             <a:ext uri="{909E8E84-426E-40dd-AFC4-6F175D3DCCD1}">
-              <a14:hiddenFill xmlns:a14="http://schemas.microsoft.com/office/drawing/2010/main" xmlns:p="http://schemas.openxmlformats.org/presentationml/2006/main" xmlns:r="http://schemas.openxmlformats.org/officeDocument/2006/relationships" xmlns:a="http://schemas.openxmlformats.org/drawingml/2006/main" xmlns="">
+              <a14:hiddenFill xmlns="" xmlns:a="http://schemas.openxmlformats.org/drawingml/2006/main" xmlns:r="http://schemas.openxmlformats.org/officeDocument/2006/relationships" xmlns:p="http://schemas.openxmlformats.org/presentationml/2006/main" xmlns:a14="http://schemas.microsoft.com/office/drawing/2010/main" xmlns:mv="urn:schemas-microsoft-com:mac:vml" xmlns:mc="http://schemas.openxmlformats.org/markup-compatibility/2006">
                 <a:solidFill>
                   <a:srgbClr val="FFFFFF"/>
                 </a:solidFill>
               </a14:hiddenFill>
             </a:ext>
             <a:ext uri="{91240B29-F687-4f45-9708-019B960494DF}">
-              <a14:hiddenLine xmlns:a14="http://schemas.microsoft.com/office/drawing/2010/main" xmlns:p="http://schemas.openxmlformats.org/presentationml/2006/main" xmlns:r="http://schemas.openxmlformats.org/officeDocument/2006/relationships" xmlns:a="http://schemas.openxmlformats.org/drawingml/2006/main" xmlns="" w="9525">
+              <a14:hiddenLine xmlns="" xmlns:a="http://schemas.openxmlformats.org/drawingml/2006/main" xmlns:r="http://schemas.openxmlformats.org/officeDocument/2006/relationships" xmlns:p="http://schemas.openxmlformats.org/presentationml/2006/main" xmlns:a14="http://schemas.microsoft.com/office/drawing/2010/main" xmlns:mv="urn:schemas-microsoft-com:mac:vml" xmlns:mc="http://schemas.openxmlformats.org/markup-compatibility/2006" w="9525">
                 <a:solidFill>
                   <a:srgbClr val="000000"/>
                 </a:solidFill>
@@ -785,14 +785,14 @@
           </a:ln>
           <a:extLst>
             <a:ext uri="{909E8E84-426E-40dd-AFC4-6F175D3DCCD1}">
-              <a14:hiddenFill xmlns:a14="http://schemas.microsoft.com/office/drawing/2010/main" xmlns:p="http://schemas.openxmlformats.org/presentationml/2006/main" xmlns:r="http://schemas.openxmlformats.org/officeDocument/2006/relationships" xmlns:a="http://schemas.openxmlformats.org/drawingml/2006/main" xmlns="">
+              <a14:hiddenFill xmlns="" xmlns:a="http://schemas.openxmlformats.org/drawingml/2006/main" xmlns:r="http://schemas.openxmlformats.org/officeDocument/2006/relationships" xmlns:p="http://schemas.openxmlformats.org/presentationml/2006/main" xmlns:a14="http://schemas.microsoft.com/office/drawing/2010/main" xmlns:mv="urn:schemas-microsoft-com:mac:vml" xmlns:mc="http://schemas.openxmlformats.org/markup-compatibility/2006">
                 <a:solidFill>
                   <a:srgbClr val="FFFFFF"/>
                 </a:solidFill>
               </a14:hiddenFill>
             </a:ext>
             <a:ext uri="{FAA26D3D-D897-4be2-8F04-BA451C77F1D7}">
-              <ma14:placeholderFlag xmlns:ma14="http://schemas.microsoft.com/office/mac/drawingml/2011/main" xmlns:p="http://schemas.openxmlformats.org/presentationml/2006/main" xmlns:r="http://schemas.openxmlformats.org/officeDocument/2006/relationships" xmlns:a="http://schemas.openxmlformats.org/drawingml/2006/main" xmlns="" val="1"/>
+              <ma14:placeholderFlag xmlns="" xmlns:a="http://schemas.openxmlformats.org/drawingml/2006/main" xmlns:r="http://schemas.openxmlformats.org/officeDocument/2006/relationships" xmlns:p="http://schemas.openxmlformats.org/presentationml/2006/main" xmlns:ma14="http://schemas.microsoft.com/office/mac/drawingml/2011/main" xmlns:mv="urn:schemas-microsoft-com:mac:vml" xmlns:mc="http://schemas.openxmlformats.org/markup-compatibility/2006" val="1"/>
             </a:ext>
           </a:extLst>
         </p:spPr>
@@ -811,14 +811,14 @@
           <a:noFill/>
           <a:extLst>
             <a:ext uri="{909E8E84-426E-40dd-AFC4-6F175D3DCCD1}">
-              <a14:hiddenFill xmlns:a14="http://schemas.microsoft.com/office/drawing/2010/main" xmlns:p="http://schemas.openxmlformats.org/presentationml/2006/main" xmlns:r="http://schemas.openxmlformats.org/officeDocument/2006/relationships" xmlns:a="http://schemas.openxmlformats.org/drawingml/2006/main" xmlns="">
+              <a14:hiddenFill xmlns="" xmlns:a="http://schemas.openxmlformats.org/drawingml/2006/main" xmlns:r="http://schemas.openxmlformats.org/officeDocument/2006/relationships" xmlns:p="http://schemas.openxmlformats.org/presentationml/2006/main" xmlns:a14="http://schemas.microsoft.com/office/drawing/2010/main" xmlns:mv="urn:schemas-microsoft-com:mac:vml" xmlns:mc="http://schemas.openxmlformats.org/markup-compatibility/2006">
                 <a:solidFill>
                   <a:srgbClr val="FFFFFF"/>
                 </a:solidFill>
               </a14:hiddenFill>
             </a:ext>
             <a:ext uri="{91240B29-F687-4f45-9708-019B960494DF}">
-              <a14:hiddenLine xmlns:a14="http://schemas.microsoft.com/office/drawing/2010/main" xmlns:p="http://schemas.openxmlformats.org/presentationml/2006/main" xmlns:r="http://schemas.openxmlformats.org/officeDocument/2006/relationships" xmlns:a="http://schemas.openxmlformats.org/drawingml/2006/main" xmlns="" w="9525">
+              <a14:hiddenLine xmlns="" xmlns:a="http://schemas.openxmlformats.org/drawingml/2006/main" xmlns:r="http://schemas.openxmlformats.org/officeDocument/2006/relationships" xmlns:p="http://schemas.openxmlformats.org/presentationml/2006/main" xmlns:a14="http://schemas.microsoft.com/office/drawing/2010/main" xmlns:mv="urn:schemas-microsoft-com:mac:vml" xmlns:mc="http://schemas.openxmlformats.org/markup-compatibility/2006" w="9525">
                 <a:solidFill>
                   <a:srgbClr val="000000"/>
                 </a:solidFill>
@@ -828,7 +828,7 @@
               </a14:hiddenLine>
             </a:ext>
             <a:ext uri="{FAA26D3D-D897-4be2-8F04-BA451C77F1D7}">
-              <ma14:placeholderFlag xmlns:ma14="http://schemas.microsoft.com/office/mac/drawingml/2011/main" xmlns:p="http://schemas.openxmlformats.org/presentationml/2006/main" xmlns:r="http://schemas.openxmlformats.org/officeDocument/2006/relationships" xmlns:a="http://schemas.openxmlformats.org/drawingml/2006/main" xmlns="" val="1"/>
+              <ma14:placeholderFlag xmlns="" xmlns:a="http://schemas.openxmlformats.org/drawingml/2006/main" xmlns:r="http://schemas.openxmlformats.org/officeDocument/2006/relationships" xmlns:p="http://schemas.openxmlformats.org/presentationml/2006/main" xmlns:ma14="http://schemas.microsoft.com/office/mac/drawingml/2011/main" xmlns:mv="urn:schemas-microsoft-com:mac:vml" xmlns:mc="http://schemas.openxmlformats.org/markup-compatibility/2006" val="1"/>
             </a:ext>
           </a:extLst>
         </p:spPr>
@@ -894,14 +894,14 @@
           </a:ln>
           <a:extLst>
             <a:ext uri="{909E8E84-426E-40dd-AFC4-6F175D3DCCD1}">
-              <a14:hiddenFill xmlns:a14="http://schemas.microsoft.com/office/drawing/2010/main" xmlns:p="http://schemas.openxmlformats.org/presentationml/2006/main" xmlns:r="http://schemas.openxmlformats.org/officeDocument/2006/relationships" xmlns:a="http://schemas.openxmlformats.org/drawingml/2006/main" xmlns="">
+              <a14:hiddenFill xmlns="" xmlns:a="http://schemas.openxmlformats.org/drawingml/2006/main" xmlns:r="http://schemas.openxmlformats.org/officeDocument/2006/relationships" xmlns:p="http://schemas.openxmlformats.org/presentationml/2006/main" xmlns:a14="http://schemas.microsoft.com/office/drawing/2010/main" xmlns:mv="urn:schemas-microsoft-com:mac:vml" xmlns:mc="http://schemas.openxmlformats.org/markup-compatibility/2006">
                 <a:solidFill>
                   <a:srgbClr val="FFFFFF"/>
                 </a:solidFill>
               </a14:hiddenFill>
             </a:ext>
             <a:ext uri="{FAA26D3D-D897-4be2-8F04-BA451C77F1D7}">
-              <ma14:placeholderFlag xmlns:ma14="http://schemas.microsoft.com/office/mac/drawingml/2011/main" xmlns:p="http://schemas.openxmlformats.org/presentationml/2006/main" xmlns:r="http://schemas.openxmlformats.org/officeDocument/2006/relationships" xmlns:a="http://schemas.openxmlformats.org/drawingml/2006/main" xmlns="" val="1"/>
+              <ma14:placeholderFlag xmlns="" xmlns:a="http://schemas.openxmlformats.org/drawingml/2006/main" xmlns:r="http://schemas.openxmlformats.org/officeDocument/2006/relationships" xmlns:p="http://schemas.openxmlformats.org/presentationml/2006/main" xmlns:ma14="http://schemas.microsoft.com/office/mac/drawingml/2011/main" xmlns:mv="urn:schemas-microsoft-com:mac:vml" xmlns:mc="http://schemas.openxmlformats.org/markup-compatibility/2006" val="1"/>
             </a:ext>
           </a:extLst>
         </p:spPr>
@@ -920,14 +920,14 @@
           <a:noFill/>
           <a:extLst>
             <a:ext uri="{909E8E84-426E-40dd-AFC4-6F175D3DCCD1}">
-              <a14:hiddenFill xmlns:a14="http://schemas.microsoft.com/office/drawing/2010/main" xmlns:p="http://schemas.openxmlformats.org/presentationml/2006/main" xmlns:r="http://schemas.openxmlformats.org/officeDocument/2006/relationships" xmlns:a="http://schemas.openxmlformats.org/drawingml/2006/main" xmlns="">
+              <a14:hiddenFill xmlns="" xmlns:a="http://schemas.openxmlformats.org/drawingml/2006/main" xmlns:r="http://schemas.openxmlformats.org/officeDocument/2006/relationships" xmlns:p="http://schemas.openxmlformats.org/presentationml/2006/main" xmlns:a14="http://schemas.microsoft.com/office/drawing/2010/main" xmlns:mv="urn:schemas-microsoft-com:mac:vml" xmlns:mc="http://schemas.openxmlformats.org/markup-compatibility/2006">
                 <a:solidFill>
                   <a:srgbClr val="FFFFFF"/>
                 </a:solidFill>
               </a14:hiddenFill>
             </a:ext>
             <a:ext uri="{91240B29-F687-4f45-9708-019B960494DF}">
-              <a14:hiddenLine xmlns:a14="http://schemas.microsoft.com/office/drawing/2010/main" xmlns:p="http://schemas.openxmlformats.org/presentationml/2006/main" xmlns:r="http://schemas.openxmlformats.org/officeDocument/2006/relationships" xmlns:a="http://schemas.openxmlformats.org/drawingml/2006/main" xmlns="" w="9525">
+              <a14:hiddenLine xmlns="" xmlns:a="http://schemas.openxmlformats.org/drawingml/2006/main" xmlns:r="http://schemas.openxmlformats.org/officeDocument/2006/relationships" xmlns:p="http://schemas.openxmlformats.org/presentationml/2006/main" xmlns:a14="http://schemas.microsoft.com/office/drawing/2010/main" xmlns:mv="urn:schemas-microsoft-com:mac:vml" xmlns:mc="http://schemas.openxmlformats.org/markup-compatibility/2006" w="9525">
                 <a:solidFill>
                   <a:srgbClr val="000000"/>
                 </a:solidFill>
@@ -937,7 +937,7 @@
               </a14:hiddenLine>
             </a:ext>
             <a:ext uri="{FAA26D3D-D897-4be2-8F04-BA451C77F1D7}">
-              <ma14:placeholderFlag xmlns:ma14="http://schemas.microsoft.com/office/mac/drawingml/2011/main" xmlns:p="http://schemas.openxmlformats.org/presentationml/2006/main" xmlns:r="http://schemas.openxmlformats.org/officeDocument/2006/relationships" xmlns:a="http://schemas.openxmlformats.org/drawingml/2006/main" xmlns="" val="1"/>
+              <ma14:placeholderFlag xmlns="" xmlns:a="http://schemas.openxmlformats.org/drawingml/2006/main" xmlns:r="http://schemas.openxmlformats.org/officeDocument/2006/relationships" xmlns:p="http://schemas.openxmlformats.org/presentationml/2006/main" xmlns:ma14="http://schemas.microsoft.com/office/mac/drawingml/2011/main" xmlns:mv="urn:schemas-microsoft-com:mac:vml" xmlns:mc="http://schemas.openxmlformats.org/markup-compatibility/2006" val="1"/>
             </a:ext>
           </a:extLst>
         </p:spPr>
@@ -1038,7 +1038,7 @@
     </p:spTree>
     <p:extLst>
       <p:ext uri="{BB962C8B-B14F-4D97-AF65-F5344CB8AC3E}">
-        <p14:creationId xmlns:p14="http://schemas.microsoft.com/office/powerpoint/2010/main" xmlns:p="http://schemas.openxmlformats.org/presentationml/2006/main" xmlns:r="http://schemas.openxmlformats.org/officeDocument/2006/relationships" xmlns:a="http://schemas.openxmlformats.org/drawingml/2006/main" xmlns="" val="963676054"/>
+        <p14:creationId xmlns="" xmlns:a="http://schemas.openxmlformats.org/drawingml/2006/main" xmlns:r="http://schemas.openxmlformats.org/officeDocument/2006/relationships" xmlns:p="http://schemas.openxmlformats.org/presentationml/2006/main" xmlns:p14="http://schemas.microsoft.com/office/powerpoint/2010/main" xmlns:mv="urn:schemas-microsoft-com:mac:vml" xmlns:mc="http://schemas.openxmlformats.org/markup-compatibility/2006" val="963676054"/>
       </p:ext>
     </p:extLst>
   </p:cSld>
@@ -1123,7 +1123,7 @@
     </p:spTree>
     <p:extLst>
       <p:ext uri="{BB962C8B-B14F-4D97-AF65-F5344CB8AC3E}">
-        <p14:creationId xmlns:p14="http://schemas.microsoft.com/office/powerpoint/2010/main" xmlns:p="http://schemas.openxmlformats.org/presentationml/2006/main" xmlns:r="http://schemas.openxmlformats.org/officeDocument/2006/relationships" xmlns:a="http://schemas.openxmlformats.org/drawingml/2006/main" xmlns="" val="963676054"/>
+        <p14:creationId xmlns="" xmlns:a="http://schemas.openxmlformats.org/drawingml/2006/main" xmlns:r="http://schemas.openxmlformats.org/officeDocument/2006/relationships" xmlns:p="http://schemas.openxmlformats.org/presentationml/2006/main" xmlns:p14="http://schemas.microsoft.com/office/powerpoint/2010/main" xmlns:mv="urn:schemas-microsoft-com:mac:vml" xmlns:mc="http://schemas.openxmlformats.org/markup-compatibility/2006" val="963676054"/>
       </p:ext>
     </p:extLst>
   </p:cSld>
@@ -1208,7 +1208,7 @@
     </p:spTree>
     <p:extLst>
       <p:ext uri="{BB962C8B-B14F-4D97-AF65-F5344CB8AC3E}">
-        <p14:creationId xmlns:p14="http://schemas.microsoft.com/office/powerpoint/2010/main" xmlns:p="http://schemas.openxmlformats.org/presentationml/2006/main" xmlns:r="http://schemas.openxmlformats.org/officeDocument/2006/relationships" xmlns:a="http://schemas.openxmlformats.org/drawingml/2006/main" xmlns="" val="963676054"/>
+        <p14:creationId xmlns="" xmlns:a="http://schemas.openxmlformats.org/drawingml/2006/main" xmlns:r="http://schemas.openxmlformats.org/officeDocument/2006/relationships" xmlns:p="http://schemas.openxmlformats.org/presentationml/2006/main" xmlns:p14="http://schemas.microsoft.com/office/powerpoint/2010/main" xmlns:mv="urn:schemas-microsoft-com:mac:vml" xmlns:mc="http://schemas.openxmlformats.org/markup-compatibility/2006" val="963676054"/>
       </p:ext>
     </p:extLst>
   </p:cSld>
@@ -1293,7 +1293,7 @@
     </p:spTree>
     <p:extLst>
       <p:ext uri="{BB962C8B-B14F-4D97-AF65-F5344CB8AC3E}">
-        <p14:creationId xmlns:p14="http://schemas.microsoft.com/office/powerpoint/2010/main" xmlns:p="http://schemas.openxmlformats.org/presentationml/2006/main" xmlns:r="http://schemas.openxmlformats.org/officeDocument/2006/relationships" xmlns:a="http://schemas.openxmlformats.org/drawingml/2006/main" xmlns="" val="963676054"/>
+        <p14:creationId xmlns="" xmlns:a="http://schemas.openxmlformats.org/drawingml/2006/main" xmlns:r="http://schemas.openxmlformats.org/officeDocument/2006/relationships" xmlns:p="http://schemas.openxmlformats.org/presentationml/2006/main" xmlns:p14="http://schemas.microsoft.com/office/powerpoint/2010/main" xmlns:mv="urn:schemas-microsoft-com:mac:vml" xmlns:mc="http://schemas.openxmlformats.org/markup-compatibility/2006" val="963676054"/>
       </p:ext>
     </p:extLst>
   </p:cSld>
@@ -1489,7 +1489,7 @@
     </p:spTree>
     <p:extLst>
       <p:ext uri="{BB962C8B-B14F-4D97-AF65-F5344CB8AC3E}">
-        <p14:creationId xmlns:p14="http://schemas.microsoft.com/office/powerpoint/2010/main" xmlns:p="http://schemas.openxmlformats.org/presentationml/2006/main" xmlns:r="http://schemas.openxmlformats.org/officeDocument/2006/relationships" xmlns:a="http://schemas.openxmlformats.org/drawingml/2006/main" xmlns="" val="1443086944"/>
+        <p14:creationId xmlns="" xmlns:a="http://schemas.openxmlformats.org/drawingml/2006/main" xmlns:r="http://schemas.openxmlformats.org/officeDocument/2006/relationships" xmlns:p="http://schemas.openxmlformats.org/presentationml/2006/main" xmlns:p14="http://schemas.microsoft.com/office/powerpoint/2010/main" xmlns:mv="urn:schemas-microsoft-com:mac:vml" xmlns:mc="http://schemas.openxmlformats.org/markup-compatibility/2006" val="1443086944"/>
       </p:ext>
     </p:extLst>
   </p:cSld>
@@ -5798,7 +5798,7 @@
     </p:spTree>
     <p:extLst>
       <p:ext uri="{BB962C8B-B14F-4D97-AF65-F5344CB8AC3E}">
-        <p14:creationId xmlns:p14="http://schemas.microsoft.com/office/powerpoint/2010/main" xmlns:p="http://schemas.openxmlformats.org/presentationml/2006/main" xmlns:r="http://schemas.openxmlformats.org/officeDocument/2006/relationships" xmlns:a="http://schemas.openxmlformats.org/drawingml/2006/main" xmlns="" val="2352184382"/>
+        <p14:creationId xmlns="" xmlns:a="http://schemas.openxmlformats.org/drawingml/2006/main" xmlns:r="http://schemas.openxmlformats.org/officeDocument/2006/relationships" xmlns:p="http://schemas.openxmlformats.org/presentationml/2006/main" xmlns:p14="http://schemas.microsoft.com/office/powerpoint/2010/main" xmlns:mv="urn:schemas-microsoft-com:mac:vml" xmlns:mc="http://schemas.openxmlformats.org/markup-compatibility/2006" val="2352184382"/>
       </p:ext>
     </p:extLst>
   </p:cSld>
@@ -5857,14 +5857,14 @@
           </a:ln>
           <a:extLst>
             <a:ext uri="{909E8E84-426E-40dd-AFC4-6F175D3DCCD1}">
-              <a14:hiddenFill xmlns:a14="http://schemas.microsoft.com/office/drawing/2010/main" xmlns:p="http://schemas.openxmlformats.org/presentationml/2006/main" xmlns:r="http://schemas.openxmlformats.org/officeDocument/2006/relationships" xmlns:a="http://schemas.openxmlformats.org/drawingml/2006/main" xmlns="">
+              <a14:hiddenFill xmlns="" xmlns:a="http://schemas.openxmlformats.org/drawingml/2006/main" xmlns:r="http://schemas.openxmlformats.org/officeDocument/2006/relationships" xmlns:p="http://schemas.openxmlformats.org/presentationml/2006/main" xmlns:a14="http://schemas.microsoft.com/office/drawing/2010/main" xmlns:mv="urn:schemas-microsoft-com:mac:vml" xmlns:mc="http://schemas.openxmlformats.org/markup-compatibility/2006">
                 <a:solidFill>
                   <a:srgbClr val="FFFFFF"/>
                 </a:solidFill>
               </a14:hiddenFill>
             </a:ext>
             <a:ext uri="{91240B29-F687-4f45-9708-019B960494DF}">
-              <a14:hiddenLine xmlns:a14="http://schemas.microsoft.com/office/drawing/2010/main" xmlns:p="http://schemas.openxmlformats.org/presentationml/2006/main" xmlns:r="http://schemas.openxmlformats.org/officeDocument/2006/relationships" xmlns:a="http://schemas.openxmlformats.org/drawingml/2006/main" xmlns="" w="9525">
+              <a14:hiddenLine xmlns="" xmlns:a="http://schemas.openxmlformats.org/drawingml/2006/main" xmlns:r="http://schemas.openxmlformats.org/officeDocument/2006/relationships" xmlns:p="http://schemas.openxmlformats.org/presentationml/2006/main" xmlns:a14="http://schemas.microsoft.com/office/drawing/2010/main" xmlns:mv="urn:schemas-microsoft-com:mac:vml" xmlns:mc="http://schemas.openxmlformats.org/markup-compatibility/2006" w="9525">
                 <a:solidFill>
                   <a:srgbClr val="000000"/>
                 </a:solidFill>
@@ -6035,14 +6035,7 @@
                 <a:latin typeface="Arial" charset="0"/>
                 <a:ea typeface="ＭＳ Ｐゴシック" charset="0"/>
               </a:rPr>
-              <a:t>returned </a:t>
-            </a:r>
-            <a:r>
-              <a:rPr lang="en-US" dirty="0" smtClean="0">
-                <a:latin typeface="Arial" charset="0"/>
-                <a:ea typeface="ＭＳ Ｐゴシック" charset="0"/>
-              </a:rPr>
-              <a:t>data</a:t>
+              <a:t>returned data</a:t>
             </a:r>
             <a:endParaRPr lang="en-US" dirty="0">
               <a:latin typeface="Arial" charset="0"/>
@@ -6148,7 +6141,7 @@
     </p:spTree>
     <p:extLst>
       <p:ext uri="{BB962C8B-B14F-4D97-AF65-F5344CB8AC3E}">
-        <p14:creationId xmlns:p14="http://schemas.microsoft.com/office/powerpoint/2010/main" xmlns:p="http://schemas.openxmlformats.org/presentationml/2006/main" xmlns:r="http://schemas.openxmlformats.org/officeDocument/2006/relationships" xmlns:a="http://schemas.openxmlformats.org/drawingml/2006/main" xmlns="" val="3174594303"/>
+        <p14:creationId xmlns="" xmlns:a="http://schemas.openxmlformats.org/drawingml/2006/main" xmlns:r="http://schemas.openxmlformats.org/officeDocument/2006/relationships" xmlns:p="http://schemas.openxmlformats.org/presentationml/2006/main" xmlns:p14="http://schemas.microsoft.com/office/powerpoint/2010/main" xmlns:mv="urn:schemas-microsoft-com:mac:vml" xmlns:mc="http://schemas.openxmlformats.org/markup-compatibility/2006" val="3174594303"/>
       </p:ext>
     </p:extLst>
   </p:cSld>
@@ -6362,7 +6355,7 @@
     </p:spTree>
     <p:extLst>
       <p:ext uri="{BB962C8B-B14F-4D97-AF65-F5344CB8AC3E}">
-        <p14:creationId xmlns:p14="http://schemas.microsoft.com/office/powerpoint/2010/main" xmlns:p="http://schemas.openxmlformats.org/presentationml/2006/main" xmlns:r="http://schemas.openxmlformats.org/officeDocument/2006/relationships" xmlns:a="http://schemas.openxmlformats.org/drawingml/2006/main" xmlns="" val="2909253005"/>
+        <p14:creationId xmlns="" xmlns:a="http://schemas.openxmlformats.org/drawingml/2006/main" xmlns:r="http://schemas.openxmlformats.org/officeDocument/2006/relationships" xmlns:p="http://schemas.openxmlformats.org/presentationml/2006/main" xmlns:p14="http://schemas.microsoft.com/office/powerpoint/2010/main" xmlns:mv="urn:schemas-microsoft-com:mac:vml" xmlns:mc="http://schemas.openxmlformats.org/markup-compatibility/2006" val="2909253005"/>
       </p:ext>
     </p:extLst>
   </p:cSld>
@@ -6449,7 +6442,7 @@
     </p:spTree>
     <p:extLst>
       <p:ext uri="{BB962C8B-B14F-4D97-AF65-F5344CB8AC3E}">
-        <p14:creationId xmlns:p14="http://schemas.microsoft.com/office/powerpoint/2010/main" xmlns:p="http://schemas.openxmlformats.org/presentationml/2006/main" xmlns:r="http://schemas.openxmlformats.org/officeDocument/2006/relationships" xmlns:a="http://schemas.openxmlformats.org/drawingml/2006/main" xmlns="" val="1723545958"/>
+        <p14:creationId xmlns="" xmlns:a="http://schemas.openxmlformats.org/drawingml/2006/main" xmlns:r="http://schemas.openxmlformats.org/officeDocument/2006/relationships" xmlns:p="http://schemas.openxmlformats.org/presentationml/2006/main" xmlns:p14="http://schemas.microsoft.com/office/powerpoint/2010/main" xmlns:mv="urn:schemas-microsoft-com:mac:vml" xmlns:mc="http://schemas.openxmlformats.org/markup-compatibility/2006" val="1723545958"/>
       </p:ext>
     </p:extLst>
   </p:cSld>
@@ -6536,7 +6529,7 @@
     </p:spTree>
     <p:extLst>
       <p:ext uri="{BB962C8B-B14F-4D97-AF65-F5344CB8AC3E}">
-        <p14:creationId xmlns:p14="http://schemas.microsoft.com/office/powerpoint/2010/main" xmlns:p="http://schemas.openxmlformats.org/presentationml/2006/main" xmlns:r="http://schemas.openxmlformats.org/officeDocument/2006/relationships" xmlns:a="http://schemas.openxmlformats.org/drawingml/2006/main" xmlns="" val="2108713422"/>
+        <p14:creationId xmlns="" xmlns:a="http://schemas.openxmlformats.org/drawingml/2006/main" xmlns:r="http://schemas.openxmlformats.org/officeDocument/2006/relationships" xmlns:p="http://schemas.openxmlformats.org/presentationml/2006/main" xmlns:p14="http://schemas.microsoft.com/office/powerpoint/2010/main" xmlns:mv="urn:schemas-microsoft-com:mac:vml" xmlns:mc="http://schemas.openxmlformats.org/markup-compatibility/2006" val="2108713422"/>
       </p:ext>
     </p:extLst>
   </p:cSld>
@@ -6623,7 +6616,7 @@
     </p:spTree>
     <p:extLst>
       <p:ext uri="{BB962C8B-B14F-4D97-AF65-F5344CB8AC3E}">
-        <p14:creationId xmlns:p14="http://schemas.microsoft.com/office/powerpoint/2010/main" xmlns:p="http://schemas.openxmlformats.org/presentationml/2006/main" xmlns:r="http://schemas.openxmlformats.org/officeDocument/2006/relationships" xmlns:a="http://schemas.openxmlformats.org/drawingml/2006/main" xmlns="" val="2805855639"/>
+        <p14:creationId xmlns="" xmlns:a="http://schemas.openxmlformats.org/drawingml/2006/main" xmlns:r="http://schemas.openxmlformats.org/officeDocument/2006/relationships" xmlns:p="http://schemas.openxmlformats.org/presentationml/2006/main" xmlns:p14="http://schemas.microsoft.com/office/powerpoint/2010/main" xmlns:mv="urn:schemas-microsoft-com:mac:vml" xmlns:mc="http://schemas.openxmlformats.org/markup-compatibility/2006" val="2805855639"/>
       </p:ext>
     </p:extLst>
   </p:cSld>
@@ -6710,7 +6703,7 @@
     </p:spTree>
     <p:extLst>
       <p:ext uri="{BB962C8B-B14F-4D97-AF65-F5344CB8AC3E}">
-        <p14:creationId xmlns:p14="http://schemas.microsoft.com/office/powerpoint/2010/main" xmlns:p="http://schemas.openxmlformats.org/presentationml/2006/main" xmlns:r="http://schemas.openxmlformats.org/officeDocument/2006/relationships" xmlns:a="http://schemas.openxmlformats.org/drawingml/2006/main" xmlns="" val="2514608167"/>
+        <p14:creationId xmlns="" xmlns:a="http://schemas.openxmlformats.org/drawingml/2006/main" xmlns:r="http://schemas.openxmlformats.org/officeDocument/2006/relationships" xmlns:p="http://schemas.openxmlformats.org/presentationml/2006/main" xmlns:p14="http://schemas.microsoft.com/office/powerpoint/2010/main" xmlns:mv="urn:schemas-microsoft-com:mac:vml" xmlns:mc="http://schemas.openxmlformats.org/markup-compatibility/2006" val="2514608167"/>
       </p:ext>
     </p:extLst>
   </p:cSld>
@@ -6822,7 +6815,7 @@
     </p:spTree>
     <p:extLst>
       <p:ext uri="{BB962C8B-B14F-4D97-AF65-F5344CB8AC3E}">
-        <p14:creationId xmlns:p14="http://schemas.microsoft.com/office/powerpoint/2010/main" xmlns:p="http://schemas.openxmlformats.org/presentationml/2006/main" xmlns:r="http://schemas.openxmlformats.org/officeDocument/2006/relationships" xmlns:a="http://schemas.openxmlformats.org/drawingml/2006/main" xmlns="" val="3539376714"/>
+        <p14:creationId xmlns="" xmlns:a="http://schemas.openxmlformats.org/drawingml/2006/main" xmlns:r="http://schemas.openxmlformats.org/officeDocument/2006/relationships" xmlns:p="http://schemas.openxmlformats.org/presentationml/2006/main" xmlns:p14="http://schemas.microsoft.com/office/powerpoint/2010/main" xmlns:mv="urn:schemas-microsoft-com:mac:vml" xmlns:mc="http://schemas.openxmlformats.org/markup-compatibility/2006" val="3539376714"/>
       </p:ext>
     </p:extLst>
   </p:cSld>
@@ -6942,7 +6935,7 @@
     </p:spTree>
     <p:extLst>
       <p:ext uri="{BB962C8B-B14F-4D97-AF65-F5344CB8AC3E}">
-        <p14:creationId xmlns:p14="http://schemas.microsoft.com/office/powerpoint/2010/main" xmlns:p="http://schemas.openxmlformats.org/presentationml/2006/main" xmlns:r="http://schemas.openxmlformats.org/officeDocument/2006/relationships" xmlns:a="http://schemas.openxmlformats.org/drawingml/2006/main" xmlns="" val="3700295984"/>
+        <p14:creationId xmlns="" xmlns:a="http://schemas.openxmlformats.org/drawingml/2006/main" xmlns:r="http://schemas.openxmlformats.org/officeDocument/2006/relationships" xmlns:p="http://schemas.openxmlformats.org/presentationml/2006/main" xmlns:p14="http://schemas.microsoft.com/office/powerpoint/2010/main" xmlns:mv="urn:schemas-microsoft-com:mac:vml" xmlns:mc="http://schemas.openxmlformats.org/markup-compatibility/2006" val="3700295984"/>
       </p:ext>
     </p:extLst>
   </p:cSld>

--- a/VideoSessionsMaterials/parse-json.pptx
+++ b/VideoSessionsMaterials/parse-json.pptx
@@ -1,22 +1,18 @@
 
 <file path=ppt/presentation.xml><?xml version="1.0" encoding="utf-8"?>
-<p:presentation xmlns:a="http://schemas.openxmlformats.org/drawingml/2006/main" xmlns:r="http://schemas.openxmlformats.org/officeDocument/2006/relationships" xmlns:mc="http://schemas.openxmlformats.org/markup-compatibility/2006" xmlns:mv="urn:schemas-microsoft-com:mac:vml" xmlns:p="http://schemas.openxmlformats.org/presentationml/2006/main" mc:Ignorable="mv" mc:PreserveAttributes="mv:*" showSpecialPlsOnTitleSld="0" saveSubsetFonts="1" autoCompressPictures="0">
+<p:presentation xmlns:a="http://schemas.openxmlformats.org/drawingml/2006/main" xmlns:r="http://schemas.openxmlformats.org/officeDocument/2006/relationships" xmlns:p="http://schemas.openxmlformats.org/presentationml/2006/main" showSpecialPlsOnTitleSld="0" saveSubsetFonts="1" autoCompressPictures="0">
   <p:sldMasterIdLst>
     <p:sldMasterId id="2147483648" r:id="rId1"/>
   </p:sldMasterIdLst>
   <p:notesMasterIdLst>
-    <p:notesMasterId r:id="rId11"/>
+    <p:notesMasterId r:id="rId7"/>
   </p:notesMasterIdLst>
   <p:sldIdLst>
     <p:sldId id="364" r:id="rId2"/>
     <p:sldId id="370" r:id="rId3"/>
     <p:sldId id="371" r:id="rId4"/>
-    <p:sldId id="326" r:id="rId5"/>
-    <p:sldId id="367" r:id="rId6"/>
-    <p:sldId id="368" r:id="rId7"/>
-    <p:sldId id="369" r:id="rId8"/>
-    <p:sldId id="366" r:id="rId9"/>
-    <p:sldId id="322" r:id="rId10"/>
+    <p:sldId id="366" r:id="rId5"/>
+    <p:sldId id="322" r:id="rId6"/>
   </p:sldIdLst>
   <p:sldSz cx="17327563" cy="9747250"/>
   <p:notesSz cx="6858000" cy="9144000"/>
@@ -149,7 +145,7 @@
 </file>
 
 <file path=ppt/notesMasters/notesMaster1.xml><?xml version="1.0" encoding="utf-8"?>
-<p:notesMaster xmlns:a="http://schemas.openxmlformats.org/drawingml/2006/main" xmlns:r="http://schemas.openxmlformats.org/officeDocument/2006/relationships" xmlns:mc="http://schemas.openxmlformats.org/markup-compatibility/2006" xmlns:mv="urn:schemas-microsoft-com:mac:vml" xmlns:p="http://schemas.openxmlformats.org/presentationml/2006/main" mc:Ignorable="mv" mc:PreserveAttributes="mv:*">
+<p:notesMaster xmlns:a="http://schemas.openxmlformats.org/drawingml/2006/main" xmlns:r="http://schemas.openxmlformats.org/officeDocument/2006/relationships" xmlns:p="http://schemas.openxmlformats.org/presentationml/2006/main">
   <p:cSld>
     <p:bg>
       <p:bgRef idx="1001">
@@ -231,7 +227,7 @@
             <a:fld id="{DDC063FE-8627-9A42-970F-0BBEEB02B587}" type="datetimeFigureOut">
               <a:rPr lang="en-US" smtClean="0"/>
               <a:pPr/>
-              <a:t>12/6/13</a:t>
+              <a:t>12/9/13</a:t>
             </a:fld>
             <a:endParaRPr lang="en-US" dirty="0"/>
           </a:p>
@@ -400,7 +396,7 @@
     </p:spTree>
     <p:extLst>
       <p:ext uri="{BB962C8B-B14F-4D97-AF65-F5344CB8AC3E}">
-        <p14:creationId xmlns="" xmlns:a="http://schemas.openxmlformats.org/drawingml/2006/main" xmlns:r="http://schemas.openxmlformats.org/officeDocument/2006/relationships" xmlns:p="http://schemas.openxmlformats.org/presentationml/2006/main" xmlns:p14="http://schemas.microsoft.com/office/powerpoint/2010/main" xmlns:mv="urn:schemas-microsoft-com:mac:vml" xmlns:mc="http://schemas.openxmlformats.org/markup-compatibility/2006" val="4045051341"/>
+        <p14:creationId xmlns:p14="http://schemas.microsoft.com/office/powerpoint/2010/main" val="4045051341"/>
       </p:ext>
     </p:extLst>
   </p:cSld>
@@ -501,7 +497,7 @@
 </file>
 
 <file path=ppt/notesSlides/notesSlide1.xml><?xml version="1.0" encoding="utf-8"?>
-<p:notes xmlns:a="http://schemas.openxmlformats.org/drawingml/2006/main" xmlns:r="http://schemas.openxmlformats.org/officeDocument/2006/relationships" xmlns:mc="http://schemas.openxmlformats.org/markup-compatibility/2006" xmlns:mv="urn:schemas-microsoft-com:mac:vml" xmlns:p="http://schemas.openxmlformats.org/presentationml/2006/main" mc:Ignorable="mv" mc:PreserveAttributes="mv:*">
+<p:notes xmlns:a="http://schemas.openxmlformats.org/drawingml/2006/main" xmlns:r="http://schemas.openxmlformats.org/officeDocument/2006/relationships" xmlns:p="http://schemas.openxmlformats.org/presentationml/2006/main">
   <p:cSld>
     <p:spTree>
       <p:nvGrpSpPr>
@@ -575,7 +571,7 @@
     </p:spTree>
     <p:extLst>
       <p:ext uri="{BB962C8B-B14F-4D97-AF65-F5344CB8AC3E}">
-        <p14:creationId xmlns="" xmlns:a="http://schemas.openxmlformats.org/drawingml/2006/main" xmlns:r="http://schemas.openxmlformats.org/officeDocument/2006/relationships" xmlns:p="http://schemas.openxmlformats.org/presentationml/2006/main" xmlns:p14="http://schemas.microsoft.com/office/powerpoint/2010/main" xmlns:mv="urn:schemas-microsoft-com:mac:vml" xmlns:mc="http://schemas.openxmlformats.org/markup-compatibility/2006" val="3250658828"/>
+        <p14:creationId xmlns:p14="http://schemas.microsoft.com/office/powerpoint/2010/main" val="3250658828"/>
       </p:ext>
     </p:extLst>
   </p:cSld>
@@ -586,7 +582,7 @@
 </file>
 
 <file path=ppt/notesSlides/notesSlide2.xml><?xml version="1.0" encoding="utf-8"?>
-<p:notes xmlns:a="http://schemas.openxmlformats.org/drawingml/2006/main" xmlns:r="http://schemas.openxmlformats.org/officeDocument/2006/relationships" xmlns:mc="http://schemas.openxmlformats.org/markup-compatibility/2006" xmlns:mv="urn:schemas-microsoft-com:mac:vml" xmlns:p="http://schemas.openxmlformats.org/presentationml/2006/main" mc:Ignorable="mv" mc:PreserveAttributes="mv:*">
+<p:notes xmlns:a="http://schemas.openxmlformats.org/drawingml/2006/main" xmlns:r="http://schemas.openxmlformats.org/officeDocument/2006/relationships" xmlns:p="http://schemas.openxmlformats.org/presentationml/2006/main">
   <p:cSld>
     <p:spTree>
       <p:nvGrpSpPr>
@@ -624,14 +620,14 @@
           </a:ln>
           <a:extLst>
             <a:ext uri="{909E8E84-426E-40dd-AFC4-6F175D3DCCD1}">
-              <a14:hiddenFill xmlns="" xmlns:a="http://schemas.openxmlformats.org/drawingml/2006/main" xmlns:r="http://schemas.openxmlformats.org/officeDocument/2006/relationships" xmlns:p="http://schemas.openxmlformats.org/presentationml/2006/main" xmlns:a14="http://schemas.microsoft.com/office/drawing/2010/main" xmlns:mv="urn:schemas-microsoft-com:mac:vml" xmlns:mc="http://schemas.openxmlformats.org/markup-compatibility/2006">
+              <a14:hiddenFill xmlns:a14="http://schemas.microsoft.com/office/drawing/2010/main">
                 <a:solidFill>
                   <a:srgbClr val="FFFFFF"/>
                 </a:solidFill>
               </a14:hiddenFill>
             </a:ext>
             <a:ext uri="{91240B29-F687-4f45-9708-019B960494DF}">
-              <a14:hiddenLine xmlns="" xmlns:a="http://schemas.openxmlformats.org/drawingml/2006/main" xmlns:r="http://schemas.openxmlformats.org/officeDocument/2006/relationships" xmlns:p="http://schemas.openxmlformats.org/presentationml/2006/main" xmlns:a14="http://schemas.microsoft.com/office/drawing/2010/main" xmlns:mv="urn:schemas-microsoft-com:mac:vml" xmlns:mc="http://schemas.openxmlformats.org/markup-compatibility/2006" w="9525">
+              <a14:hiddenLine xmlns:a14="http://schemas.microsoft.com/office/drawing/2010/main" w="9525">
                 <a:solidFill>
                   <a:srgbClr val="000000"/>
                 </a:solidFill>
@@ -785,14 +781,14 @@
           </a:ln>
           <a:extLst>
             <a:ext uri="{909E8E84-426E-40dd-AFC4-6F175D3DCCD1}">
-              <a14:hiddenFill xmlns="" xmlns:a="http://schemas.openxmlformats.org/drawingml/2006/main" xmlns:r="http://schemas.openxmlformats.org/officeDocument/2006/relationships" xmlns:p="http://schemas.openxmlformats.org/presentationml/2006/main" xmlns:a14="http://schemas.microsoft.com/office/drawing/2010/main" xmlns:mv="urn:schemas-microsoft-com:mac:vml" xmlns:mc="http://schemas.openxmlformats.org/markup-compatibility/2006">
+              <a14:hiddenFill xmlns:a14="http://schemas.microsoft.com/office/drawing/2010/main">
                 <a:solidFill>
                   <a:srgbClr val="FFFFFF"/>
                 </a:solidFill>
               </a14:hiddenFill>
             </a:ext>
             <a:ext uri="{FAA26D3D-D897-4be2-8F04-BA451C77F1D7}">
-              <ma14:placeholderFlag xmlns="" xmlns:a="http://schemas.openxmlformats.org/drawingml/2006/main" xmlns:r="http://schemas.openxmlformats.org/officeDocument/2006/relationships" xmlns:p="http://schemas.openxmlformats.org/presentationml/2006/main" xmlns:ma14="http://schemas.microsoft.com/office/mac/drawingml/2011/main" xmlns:mv="urn:schemas-microsoft-com:mac:vml" xmlns:mc="http://schemas.openxmlformats.org/markup-compatibility/2006" val="1"/>
+              <ma14:placeholderFlag xmlns:ma14="http://schemas.microsoft.com/office/mac/drawingml/2011/main" val="1"/>
             </a:ext>
           </a:extLst>
         </p:spPr>
@@ -811,14 +807,14 @@
           <a:noFill/>
           <a:extLst>
             <a:ext uri="{909E8E84-426E-40dd-AFC4-6F175D3DCCD1}">
-              <a14:hiddenFill xmlns="" xmlns:a="http://schemas.openxmlformats.org/drawingml/2006/main" xmlns:r="http://schemas.openxmlformats.org/officeDocument/2006/relationships" xmlns:p="http://schemas.openxmlformats.org/presentationml/2006/main" xmlns:a14="http://schemas.microsoft.com/office/drawing/2010/main" xmlns:mv="urn:schemas-microsoft-com:mac:vml" xmlns:mc="http://schemas.openxmlformats.org/markup-compatibility/2006">
+              <a14:hiddenFill xmlns:a14="http://schemas.microsoft.com/office/drawing/2010/main">
                 <a:solidFill>
                   <a:srgbClr val="FFFFFF"/>
                 </a:solidFill>
               </a14:hiddenFill>
             </a:ext>
             <a:ext uri="{91240B29-F687-4f45-9708-019B960494DF}">
-              <a14:hiddenLine xmlns="" xmlns:a="http://schemas.openxmlformats.org/drawingml/2006/main" xmlns:r="http://schemas.openxmlformats.org/officeDocument/2006/relationships" xmlns:p="http://schemas.openxmlformats.org/presentationml/2006/main" xmlns:a14="http://schemas.microsoft.com/office/drawing/2010/main" xmlns:mv="urn:schemas-microsoft-com:mac:vml" xmlns:mc="http://schemas.openxmlformats.org/markup-compatibility/2006" w="9525">
+              <a14:hiddenLine xmlns:a14="http://schemas.microsoft.com/office/drawing/2010/main" w="9525">
                 <a:solidFill>
                   <a:srgbClr val="000000"/>
                 </a:solidFill>
@@ -828,7 +824,7 @@
               </a14:hiddenLine>
             </a:ext>
             <a:ext uri="{FAA26D3D-D897-4be2-8F04-BA451C77F1D7}">
-              <ma14:placeholderFlag xmlns="" xmlns:a="http://schemas.openxmlformats.org/drawingml/2006/main" xmlns:r="http://schemas.openxmlformats.org/officeDocument/2006/relationships" xmlns:p="http://schemas.openxmlformats.org/presentationml/2006/main" xmlns:ma14="http://schemas.microsoft.com/office/mac/drawingml/2011/main" xmlns:mv="urn:schemas-microsoft-com:mac:vml" xmlns:mc="http://schemas.openxmlformats.org/markup-compatibility/2006" val="1"/>
+              <ma14:placeholderFlag xmlns:ma14="http://schemas.microsoft.com/office/mac/drawingml/2011/main" val="1"/>
             </a:ext>
           </a:extLst>
         </p:spPr>
@@ -856,7 +852,7 @@
 </file>
 
 <file path=ppt/notesSlides/notesSlide3.xml><?xml version="1.0" encoding="utf-8"?>
-<p:notes xmlns:a="http://schemas.openxmlformats.org/drawingml/2006/main" xmlns:r="http://schemas.openxmlformats.org/officeDocument/2006/relationships" xmlns:mc="http://schemas.openxmlformats.org/markup-compatibility/2006" xmlns:mv="urn:schemas-microsoft-com:mac:vml" xmlns:p="http://schemas.openxmlformats.org/presentationml/2006/main" mc:Ignorable="mv" mc:PreserveAttributes="mv:*">
+<p:notes xmlns:a="http://schemas.openxmlformats.org/drawingml/2006/main" xmlns:r="http://schemas.openxmlformats.org/officeDocument/2006/relationships" xmlns:p="http://schemas.openxmlformats.org/presentationml/2006/main">
   <p:cSld>
     <p:spTree>
       <p:nvGrpSpPr>
@@ -894,14 +890,14 @@
           </a:ln>
           <a:extLst>
             <a:ext uri="{909E8E84-426E-40dd-AFC4-6F175D3DCCD1}">
-              <a14:hiddenFill xmlns="" xmlns:a="http://schemas.openxmlformats.org/drawingml/2006/main" xmlns:r="http://schemas.openxmlformats.org/officeDocument/2006/relationships" xmlns:p="http://schemas.openxmlformats.org/presentationml/2006/main" xmlns:a14="http://schemas.microsoft.com/office/drawing/2010/main" xmlns:mv="urn:schemas-microsoft-com:mac:vml" xmlns:mc="http://schemas.openxmlformats.org/markup-compatibility/2006">
+              <a14:hiddenFill xmlns:a14="http://schemas.microsoft.com/office/drawing/2010/main">
                 <a:solidFill>
                   <a:srgbClr val="FFFFFF"/>
                 </a:solidFill>
               </a14:hiddenFill>
             </a:ext>
             <a:ext uri="{FAA26D3D-D897-4be2-8F04-BA451C77F1D7}">
-              <ma14:placeholderFlag xmlns="" xmlns:a="http://schemas.openxmlformats.org/drawingml/2006/main" xmlns:r="http://schemas.openxmlformats.org/officeDocument/2006/relationships" xmlns:p="http://schemas.openxmlformats.org/presentationml/2006/main" xmlns:ma14="http://schemas.microsoft.com/office/mac/drawingml/2011/main" xmlns:mv="urn:schemas-microsoft-com:mac:vml" xmlns:mc="http://schemas.openxmlformats.org/markup-compatibility/2006" val="1"/>
+              <ma14:placeholderFlag xmlns:ma14="http://schemas.microsoft.com/office/mac/drawingml/2011/main" val="1"/>
             </a:ext>
           </a:extLst>
         </p:spPr>
@@ -920,14 +916,14 @@
           <a:noFill/>
           <a:extLst>
             <a:ext uri="{909E8E84-426E-40dd-AFC4-6F175D3DCCD1}">
-              <a14:hiddenFill xmlns="" xmlns:a="http://schemas.openxmlformats.org/drawingml/2006/main" xmlns:r="http://schemas.openxmlformats.org/officeDocument/2006/relationships" xmlns:p="http://schemas.openxmlformats.org/presentationml/2006/main" xmlns:a14="http://schemas.microsoft.com/office/drawing/2010/main" xmlns:mv="urn:schemas-microsoft-com:mac:vml" xmlns:mc="http://schemas.openxmlformats.org/markup-compatibility/2006">
+              <a14:hiddenFill xmlns:a14="http://schemas.microsoft.com/office/drawing/2010/main">
                 <a:solidFill>
                   <a:srgbClr val="FFFFFF"/>
                 </a:solidFill>
               </a14:hiddenFill>
             </a:ext>
             <a:ext uri="{91240B29-F687-4f45-9708-019B960494DF}">
-              <a14:hiddenLine xmlns="" xmlns:a="http://schemas.openxmlformats.org/drawingml/2006/main" xmlns:r="http://schemas.openxmlformats.org/officeDocument/2006/relationships" xmlns:p="http://schemas.openxmlformats.org/presentationml/2006/main" xmlns:a14="http://schemas.microsoft.com/office/drawing/2010/main" xmlns:mv="urn:schemas-microsoft-com:mac:vml" xmlns:mc="http://schemas.openxmlformats.org/markup-compatibility/2006" w="9525">
+              <a14:hiddenLine xmlns:a14="http://schemas.microsoft.com/office/drawing/2010/main" w="9525">
                 <a:solidFill>
                   <a:srgbClr val="000000"/>
                 </a:solidFill>
@@ -937,7 +933,7 @@
               </a14:hiddenLine>
             </a:ext>
             <a:ext uri="{FAA26D3D-D897-4be2-8F04-BA451C77F1D7}">
-              <ma14:placeholderFlag xmlns="" xmlns:a="http://schemas.openxmlformats.org/drawingml/2006/main" xmlns:r="http://schemas.openxmlformats.org/officeDocument/2006/relationships" xmlns:p="http://schemas.openxmlformats.org/presentationml/2006/main" xmlns:ma14="http://schemas.microsoft.com/office/mac/drawingml/2011/main" xmlns:mv="urn:schemas-microsoft-com:mac:vml" xmlns:mc="http://schemas.openxmlformats.org/markup-compatibility/2006" val="1"/>
+              <ma14:placeholderFlag xmlns:ma14="http://schemas.microsoft.com/office/mac/drawingml/2011/main" val="1"/>
             </a:ext>
           </a:extLst>
         </p:spPr>
@@ -964,7 +960,7 @@
 </file>
 
 <file path=ppt/notesSlides/notesSlide4.xml><?xml version="1.0" encoding="utf-8"?>
-<p:notes xmlns:a="http://schemas.openxmlformats.org/drawingml/2006/main" xmlns:r="http://schemas.openxmlformats.org/officeDocument/2006/relationships" xmlns:mc="http://schemas.openxmlformats.org/markup-compatibility/2006" xmlns:mv="urn:schemas-microsoft-com:mac:vml" xmlns:p="http://schemas.openxmlformats.org/presentationml/2006/main" mc:Ignorable="mv" mc:PreserveAttributes="mv:*">
+<p:notes xmlns:a="http://schemas.openxmlformats.org/drawingml/2006/main" xmlns:r="http://schemas.openxmlformats.org/officeDocument/2006/relationships" xmlns:p="http://schemas.openxmlformats.org/presentationml/2006/main">
   <p:cSld>
     <p:spTree>
       <p:nvGrpSpPr>
@@ -982,65 +978,91 @@
       </p:grpSpPr>
       <p:sp>
         <p:nvSpPr>
-          <p:cNvPr id="2" name="Slide Image Placeholder 1"/>
-          <p:cNvSpPr>
-            <a:spLocks noGrp="1" noRot="1" noChangeAspect="1"/>
+          <p:cNvPr id="304129" name="Rectangle 7"/>
+          <p:cNvSpPr txBox="1">
+            <a:spLocks noGrp="1" noChangeArrowheads="1"/>
+          </p:cNvSpPr>
+          <p:nvPr/>
+        </p:nvSpPr>
+        <p:spPr bwMode="auto">
+          <a:xfrm>
+            <a:off x="3886200" y="8686489"/>
+            <a:ext cx="2971800" cy="457512"/>
+          </a:xfrm>
+          <a:prstGeom prst="rect">
+            <a:avLst/>
+          </a:prstGeom>
+          <a:noFill/>
+          <a:ln>
+            <a:miter lim="800000"/>
+            <a:headEnd/>
+            <a:tailEnd/>
+          </a:ln>
+        </p:spPr>
+        <p:txBody>
+          <a:bodyPr anchor="b"/>
+          <a:lstStyle/>
+          <a:p>
+            <a:pPr algn="r" eaLnBrk="0" hangingPunct="0">
+              <a:defRPr/>
+            </a:pPr>
+            <a:fld id="{5639B2D1-4F62-47BF-B141-83C0868A9AB5}" type="slidenum">
+              <a:rPr lang="en-US" sz="1200">
+                <a:ea typeface="ＭＳ Ｐゴシック" pitchFamily="34" charset="-128"/>
+                <a:cs typeface="+mn-cs"/>
+              </a:rPr>
+              <a:pPr algn="r" eaLnBrk="0" hangingPunct="0">
+                <a:defRPr/>
+              </a:pPr>
+              <a:t>4</a:t>
+            </a:fld>
+            <a:endParaRPr lang="en-US" sz="1200" dirty="0">
+              <a:ea typeface="ＭＳ Ｐゴシック" pitchFamily="34" charset="-128"/>
+              <a:cs typeface="+mn-cs"/>
+            </a:endParaRPr>
+          </a:p>
+        </p:txBody>
+      </p:sp>
+      <p:sp>
+        <p:nvSpPr>
+          <p:cNvPr id="97282" name="Rectangle 2"/>
+          <p:cNvSpPr>
+            <a:spLocks noGrp="1" noRot="1" noChangeAspect="1" noChangeArrowheads="1" noTextEdit="1"/>
           </p:cNvSpPr>
           <p:nvPr>
             <p:ph type="sldImg"/>
           </p:nvPr>
         </p:nvSpPr>
-        <p:spPr/>
-      </p:sp>
-      <p:sp>
-        <p:nvSpPr>
-          <p:cNvPr id="3" name="Notes Placeholder 2"/>
-          <p:cNvSpPr>
-            <a:spLocks noGrp="1"/>
+        <p:spPr>
+          <a:ln/>
+        </p:spPr>
+      </p:sp>
+      <p:sp>
+        <p:nvSpPr>
+          <p:cNvPr id="97283" name="Rectangle 3"/>
+          <p:cNvSpPr>
+            <a:spLocks noGrp="1" noChangeArrowheads="1"/>
           </p:cNvSpPr>
           <p:nvPr>
             <p:ph type="body" idx="1"/>
           </p:nvPr>
         </p:nvSpPr>
-        <p:spPr/>
+        <p:spPr>
+          <a:noFill/>
+          <a:ln/>
+        </p:spPr>
         <p:txBody>
           <a:bodyPr/>
           <a:lstStyle/>
           <a:p>
-            <a:endParaRPr lang="en-US"/>
-          </a:p>
-        </p:txBody>
-      </p:sp>
-      <p:sp>
-        <p:nvSpPr>
-          <p:cNvPr id="4" name="Slide Number Placeholder 3"/>
-          <p:cNvSpPr>
-            <a:spLocks noGrp="1"/>
-          </p:cNvSpPr>
-          <p:nvPr>
-            <p:ph type="sldNum" sz="quarter" idx="10"/>
-          </p:nvPr>
-        </p:nvSpPr>
-        <p:spPr/>
-        <p:txBody>
-          <a:bodyPr/>
-          <a:lstStyle/>
-          <a:p>
-            <a:fld id="{3560C2FB-C494-1A46-A471-884A4E75440F}" type="slidenum">
-              <a:rPr lang="en-US" smtClean="0"/>
-              <a:pPr/>
-              <a:t>4</a:t>
-            </a:fld>
-            <a:endParaRPr lang="en-US" dirty="0"/>
+            <a:pPr eaLnBrk="1" hangingPunct="1"/>
+            <a:endParaRPr lang="en-US" dirty="0" smtClean="0">
+              <a:ea typeface="ＭＳ Ｐゴシック"/>
+            </a:endParaRPr>
           </a:p>
         </p:txBody>
       </p:sp>
     </p:spTree>
-    <p:extLst>
-      <p:ext uri="{BB962C8B-B14F-4D97-AF65-F5344CB8AC3E}">
-        <p14:creationId xmlns="" xmlns:a="http://schemas.openxmlformats.org/drawingml/2006/main" xmlns:r="http://schemas.openxmlformats.org/officeDocument/2006/relationships" xmlns:p="http://schemas.openxmlformats.org/presentationml/2006/main" xmlns:p14="http://schemas.microsoft.com/office/powerpoint/2010/main" xmlns:mv="urn:schemas-microsoft-com:mac:vml" xmlns:mc="http://schemas.openxmlformats.org/markup-compatibility/2006" val="963676054"/>
-      </p:ext>
-    </p:extLst>
   </p:cSld>
   <p:clrMapOvr>
     <a:masterClrMapping/>
@@ -1049,7 +1071,7 @@
 </file>
 
 <file path=ppt/notesSlides/notesSlide5.xml><?xml version="1.0" encoding="utf-8"?>
-<p:notes xmlns:a="http://schemas.openxmlformats.org/drawingml/2006/main" xmlns:r="http://schemas.openxmlformats.org/officeDocument/2006/relationships" xmlns:mc="http://schemas.openxmlformats.org/markup-compatibility/2006" xmlns:mv="urn:schemas-microsoft-com:mac:vml" xmlns:p="http://schemas.openxmlformats.org/presentationml/2006/main" mc:Ignorable="mv" mc:PreserveAttributes="mv:*">
+<p:notes xmlns:a="http://schemas.openxmlformats.org/drawingml/2006/main" xmlns:r="http://schemas.openxmlformats.org/officeDocument/2006/relationships" xmlns:p="http://schemas.openxmlformats.org/presentationml/2006/main">
   <p:cSld>
     <p:spTree>
       <p:nvGrpSpPr>
@@ -1123,373 +1145,7 @@
     </p:spTree>
     <p:extLst>
       <p:ext uri="{BB962C8B-B14F-4D97-AF65-F5344CB8AC3E}">
-        <p14:creationId xmlns="" xmlns:a="http://schemas.openxmlformats.org/drawingml/2006/main" xmlns:r="http://schemas.openxmlformats.org/officeDocument/2006/relationships" xmlns:p="http://schemas.openxmlformats.org/presentationml/2006/main" xmlns:p14="http://schemas.microsoft.com/office/powerpoint/2010/main" xmlns:mv="urn:schemas-microsoft-com:mac:vml" xmlns:mc="http://schemas.openxmlformats.org/markup-compatibility/2006" val="963676054"/>
-      </p:ext>
-    </p:extLst>
-  </p:cSld>
-  <p:clrMapOvr>
-    <a:masterClrMapping/>
-  </p:clrMapOvr>
-</p:notes>
-</file>
-
-<file path=ppt/notesSlides/notesSlide6.xml><?xml version="1.0" encoding="utf-8"?>
-<p:notes xmlns:a="http://schemas.openxmlformats.org/drawingml/2006/main" xmlns:r="http://schemas.openxmlformats.org/officeDocument/2006/relationships" xmlns:mc="http://schemas.openxmlformats.org/markup-compatibility/2006" xmlns:mv="urn:schemas-microsoft-com:mac:vml" xmlns:p="http://schemas.openxmlformats.org/presentationml/2006/main" mc:Ignorable="mv" mc:PreserveAttributes="mv:*">
-  <p:cSld>
-    <p:spTree>
-      <p:nvGrpSpPr>
-        <p:cNvPr id="1" name=""/>
-        <p:cNvGrpSpPr/>
-        <p:nvPr/>
-      </p:nvGrpSpPr>
-      <p:grpSpPr>
-        <a:xfrm>
-          <a:off x="0" y="0"/>
-          <a:ext cx="0" cy="0"/>
-          <a:chOff x="0" y="0"/>
-          <a:chExt cx="0" cy="0"/>
-        </a:xfrm>
-      </p:grpSpPr>
-      <p:sp>
-        <p:nvSpPr>
-          <p:cNvPr id="2" name="Slide Image Placeholder 1"/>
-          <p:cNvSpPr>
-            <a:spLocks noGrp="1" noRot="1" noChangeAspect="1"/>
-          </p:cNvSpPr>
-          <p:nvPr>
-            <p:ph type="sldImg"/>
-          </p:nvPr>
-        </p:nvSpPr>
-        <p:spPr/>
-      </p:sp>
-      <p:sp>
-        <p:nvSpPr>
-          <p:cNvPr id="3" name="Notes Placeholder 2"/>
-          <p:cNvSpPr>
-            <a:spLocks noGrp="1"/>
-          </p:cNvSpPr>
-          <p:nvPr>
-            <p:ph type="body" idx="1"/>
-          </p:nvPr>
-        </p:nvSpPr>
-        <p:spPr/>
-        <p:txBody>
-          <a:bodyPr/>
-          <a:lstStyle/>
-          <a:p>
-            <a:endParaRPr lang="en-US"/>
-          </a:p>
-        </p:txBody>
-      </p:sp>
-      <p:sp>
-        <p:nvSpPr>
-          <p:cNvPr id="4" name="Slide Number Placeholder 3"/>
-          <p:cNvSpPr>
-            <a:spLocks noGrp="1"/>
-          </p:cNvSpPr>
-          <p:nvPr>
-            <p:ph type="sldNum" sz="quarter" idx="10"/>
-          </p:nvPr>
-        </p:nvSpPr>
-        <p:spPr/>
-        <p:txBody>
-          <a:bodyPr/>
-          <a:lstStyle/>
-          <a:p>
-            <a:fld id="{3560C2FB-C494-1A46-A471-884A4E75440F}" type="slidenum">
-              <a:rPr lang="en-US" smtClean="0"/>
-              <a:pPr/>
-              <a:t>6</a:t>
-            </a:fld>
-            <a:endParaRPr lang="en-US" dirty="0"/>
-          </a:p>
-        </p:txBody>
-      </p:sp>
-    </p:spTree>
-    <p:extLst>
-      <p:ext uri="{BB962C8B-B14F-4D97-AF65-F5344CB8AC3E}">
-        <p14:creationId xmlns="" xmlns:a="http://schemas.openxmlformats.org/drawingml/2006/main" xmlns:r="http://schemas.openxmlformats.org/officeDocument/2006/relationships" xmlns:p="http://schemas.openxmlformats.org/presentationml/2006/main" xmlns:p14="http://schemas.microsoft.com/office/powerpoint/2010/main" xmlns:mv="urn:schemas-microsoft-com:mac:vml" xmlns:mc="http://schemas.openxmlformats.org/markup-compatibility/2006" val="963676054"/>
-      </p:ext>
-    </p:extLst>
-  </p:cSld>
-  <p:clrMapOvr>
-    <a:masterClrMapping/>
-  </p:clrMapOvr>
-</p:notes>
-</file>
-
-<file path=ppt/notesSlides/notesSlide7.xml><?xml version="1.0" encoding="utf-8"?>
-<p:notes xmlns:a="http://schemas.openxmlformats.org/drawingml/2006/main" xmlns:r="http://schemas.openxmlformats.org/officeDocument/2006/relationships" xmlns:mc="http://schemas.openxmlformats.org/markup-compatibility/2006" xmlns:mv="urn:schemas-microsoft-com:mac:vml" xmlns:p="http://schemas.openxmlformats.org/presentationml/2006/main" mc:Ignorable="mv" mc:PreserveAttributes="mv:*">
-  <p:cSld>
-    <p:spTree>
-      <p:nvGrpSpPr>
-        <p:cNvPr id="1" name=""/>
-        <p:cNvGrpSpPr/>
-        <p:nvPr/>
-      </p:nvGrpSpPr>
-      <p:grpSpPr>
-        <a:xfrm>
-          <a:off x="0" y="0"/>
-          <a:ext cx="0" cy="0"/>
-          <a:chOff x="0" y="0"/>
-          <a:chExt cx="0" cy="0"/>
-        </a:xfrm>
-      </p:grpSpPr>
-      <p:sp>
-        <p:nvSpPr>
-          <p:cNvPr id="2" name="Slide Image Placeholder 1"/>
-          <p:cNvSpPr>
-            <a:spLocks noGrp="1" noRot="1" noChangeAspect="1"/>
-          </p:cNvSpPr>
-          <p:nvPr>
-            <p:ph type="sldImg"/>
-          </p:nvPr>
-        </p:nvSpPr>
-        <p:spPr/>
-      </p:sp>
-      <p:sp>
-        <p:nvSpPr>
-          <p:cNvPr id="3" name="Notes Placeholder 2"/>
-          <p:cNvSpPr>
-            <a:spLocks noGrp="1"/>
-          </p:cNvSpPr>
-          <p:nvPr>
-            <p:ph type="body" idx="1"/>
-          </p:nvPr>
-        </p:nvSpPr>
-        <p:spPr/>
-        <p:txBody>
-          <a:bodyPr/>
-          <a:lstStyle/>
-          <a:p>
-            <a:endParaRPr lang="en-US"/>
-          </a:p>
-        </p:txBody>
-      </p:sp>
-      <p:sp>
-        <p:nvSpPr>
-          <p:cNvPr id="4" name="Slide Number Placeholder 3"/>
-          <p:cNvSpPr>
-            <a:spLocks noGrp="1"/>
-          </p:cNvSpPr>
-          <p:nvPr>
-            <p:ph type="sldNum" sz="quarter" idx="10"/>
-          </p:nvPr>
-        </p:nvSpPr>
-        <p:spPr/>
-        <p:txBody>
-          <a:bodyPr/>
-          <a:lstStyle/>
-          <a:p>
-            <a:fld id="{3560C2FB-C494-1A46-A471-884A4E75440F}" type="slidenum">
-              <a:rPr lang="en-US" smtClean="0"/>
-              <a:pPr/>
-              <a:t>7</a:t>
-            </a:fld>
-            <a:endParaRPr lang="en-US" dirty="0"/>
-          </a:p>
-        </p:txBody>
-      </p:sp>
-    </p:spTree>
-    <p:extLst>
-      <p:ext uri="{BB962C8B-B14F-4D97-AF65-F5344CB8AC3E}">
-        <p14:creationId xmlns="" xmlns:a="http://schemas.openxmlformats.org/drawingml/2006/main" xmlns:r="http://schemas.openxmlformats.org/officeDocument/2006/relationships" xmlns:p="http://schemas.openxmlformats.org/presentationml/2006/main" xmlns:p14="http://schemas.microsoft.com/office/powerpoint/2010/main" xmlns:mv="urn:schemas-microsoft-com:mac:vml" xmlns:mc="http://schemas.openxmlformats.org/markup-compatibility/2006" val="963676054"/>
-      </p:ext>
-    </p:extLst>
-  </p:cSld>
-  <p:clrMapOvr>
-    <a:masterClrMapping/>
-  </p:clrMapOvr>
-</p:notes>
-</file>
-
-<file path=ppt/notesSlides/notesSlide8.xml><?xml version="1.0" encoding="utf-8"?>
-<p:notes xmlns:a="http://schemas.openxmlformats.org/drawingml/2006/main" xmlns:r="http://schemas.openxmlformats.org/officeDocument/2006/relationships" xmlns:mc="http://schemas.openxmlformats.org/markup-compatibility/2006" xmlns:mv="urn:schemas-microsoft-com:mac:vml" xmlns:p="http://schemas.openxmlformats.org/presentationml/2006/main" mc:Ignorable="mv" mc:PreserveAttributes="mv:*">
-  <p:cSld>
-    <p:spTree>
-      <p:nvGrpSpPr>
-        <p:cNvPr id="1" name=""/>
-        <p:cNvGrpSpPr/>
-        <p:nvPr/>
-      </p:nvGrpSpPr>
-      <p:grpSpPr>
-        <a:xfrm>
-          <a:off x="0" y="0"/>
-          <a:ext cx="0" cy="0"/>
-          <a:chOff x="0" y="0"/>
-          <a:chExt cx="0" cy="0"/>
-        </a:xfrm>
-      </p:grpSpPr>
-      <p:sp>
-        <p:nvSpPr>
-          <p:cNvPr id="304129" name="Rectangle 7"/>
-          <p:cNvSpPr txBox="1">
-            <a:spLocks noGrp="1" noChangeArrowheads="1"/>
-          </p:cNvSpPr>
-          <p:nvPr/>
-        </p:nvSpPr>
-        <p:spPr bwMode="auto">
-          <a:xfrm>
-            <a:off x="3886200" y="8686489"/>
-            <a:ext cx="2971800" cy="457512"/>
-          </a:xfrm>
-          <a:prstGeom prst="rect">
-            <a:avLst/>
-          </a:prstGeom>
-          <a:noFill/>
-          <a:ln>
-            <a:miter lim="800000"/>
-            <a:headEnd/>
-            <a:tailEnd/>
-          </a:ln>
-        </p:spPr>
-        <p:txBody>
-          <a:bodyPr anchor="b"/>
-          <a:lstStyle/>
-          <a:p>
-            <a:pPr algn="r" eaLnBrk="0" hangingPunct="0">
-              <a:defRPr/>
-            </a:pPr>
-            <a:fld id="{5639B2D1-4F62-47BF-B141-83C0868A9AB5}" type="slidenum">
-              <a:rPr lang="en-US" sz="1200">
-                <a:ea typeface="ＭＳ Ｐゴシック" pitchFamily="34" charset="-128"/>
-                <a:cs typeface="+mn-cs"/>
-              </a:rPr>
-              <a:pPr algn="r" eaLnBrk="0" hangingPunct="0">
-                <a:defRPr/>
-              </a:pPr>
-              <a:t>8</a:t>
-            </a:fld>
-            <a:endParaRPr lang="en-US" sz="1200" dirty="0">
-              <a:ea typeface="ＭＳ Ｐゴシック" pitchFamily="34" charset="-128"/>
-              <a:cs typeface="+mn-cs"/>
-            </a:endParaRPr>
-          </a:p>
-        </p:txBody>
-      </p:sp>
-      <p:sp>
-        <p:nvSpPr>
-          <p:cNvPr id="97282" name="Rectangle 2"/>
-          <p:cNvSpPr>
-            <a:spLocks noGrp="1" noRot="1" noChangeAspect="1" noChangeArrowheads="1" noTextEdit="1"/>
-          </p:cNvSpPr>
-          <p:nvPr>
-            <p:ph type="sldImg"/>
-          </p:nvPr>
-        </p:nvSpPr>
-        <p:spPr>
-          <a:ln/>
-        </p:spPr>
-      </p:sp>
-      <p:sp>
-        <p:nvSpPr>
-          <p:cNvPr id="97283" name="Rectangle 3"/>
-          <p:cNvSpPr>
-            <a:spLocks noGrp="1" noChangeArrowheads="1"/>
-          </p:cNvSpPr>
-          <p:nvPr>
-            <p:ph type="body" idx="1"/>
-          </p:nvPr>
-        </p:nvSpPr>
-        <p:spPr>
-          <a:noFill/>
-          <a:ln/>
-        </p:spPr>
-        <p:txBody>
-          <a:bodyPr/>
-          <a:lstStyle/>
-          <a:p>
-            <a:pPr eaLnBrk="1" hangingPunct="1"/>
-            <a:endParaRPr lang="en-US" dirty="0" smtClean="0">
-              <a:ea typeface="ＭＳ Ｐゴシック"/>
-            </a:endParaRPr>
-          </a:p>
-        </p:txBody>
-      </p:sp>
-    </p:spTree>
-  </p:cSld>
-  <p:clrMapOvr>
-    <a:masterClrMapping/>
-  </p:clrMapOvr>
-</p:notes>
-</file>
-
-<file path=ppt/notesSlides/notesSlide9.xml><?xml version="1.0" encoding="utf-8"?>
-<p:notes xmlns:a="http://schemas.openxmlformats.org/drawingml/2006/main" xmlns:r="http://schemas.openxmlformats.org/officeDocument/2006/relationships" xmlns:mc="http://schemas.openxmlformats.org/markup-compatibility/2006" xmlns:mv="urn:schemas-microsoft-com:mac:vml" xmlns:p="http://schemas.openxmlformats.org/presentationml/2006/main" mc:Ignorable="mv" mc:PreserveAttributes="mv:*">
-  <p:cSld>
-    <p:spTree>
-      <p:nvGrpSpPr>
-        <p:cNvPr id="1" name=""/>
-        <p:cNvGrpSpPr/>
-        <p:nvPr/>
-      </p:nvGrpSpPr>
-      <p:grpSpPr>
-        <a:xfrm>
-          <a:off x="0" y="0"/>
-          <a:ext cx="0" cy="0"/>
-          <a:chOff x="0" y="0"/>
-          <a:chExt cx="0" cy="0"/>
-        </a:xfrm>
-      </p:grpSpPr>
-      <p:sp>
-        <p:nvSpPr>
-          <p:cNvPr id="2" name="Slide Image Placeholder 1"/>
-          <p:cNvSpPr>
-            <a:spLocks noGrp="1" noRot="1" noChangeAspect="1"/>
-          </p:cNvSpPr>
-          <p:nvPr>
-            <p:ph type="sldImg"/>
-          </p:nvPr>
-        </p:nvSpPr>
-        <p:spPr/>
-      </p:sp>
-      <p:sp>
-        <p:nvSpPr>
-          <p:cNvPr id="3" name="Notes Placeholder 2"/>
-          <p:cNvSpPr>
-            <a:spLocks noGrp="1"/>
-          </p:cNvSpPr>
-          <p:nvPr>
-            <p:ph type="body" idx="1"/>
-          </p:nvPr>
-        </p:nvSpPr>
-        <p:spPr/>
-        <p:txBody>
-          <a:bodyPr/>
-          <a:lstStyle/>
-          <a:p>
-            <a:endParaRPr lang="en-US"/>
-          </a:p>
-        </p:txBody>
-      </p:sp>
-      <p:sp>
-        <p:nvSpPr>
-          <p:cNvPr id="4" name="Slide Number Placeholder 3"/>
-          <p:cNvSpPr>
-            <a:spLocks noGrp="1"/>
-          </p:cNvSpPr>
-          <p:nvPr>
-            <p:ph type="sldNum" sz="quarter" idx="10"/>
-          </p:nvPr>
-        </p:nvSpPr>
-        <p:spPr/>
-        <p:txBody>
-          <a:bodyPr/>
-          <a:lstStyle/>
-          <a:p>
-            <a:fld id="{3560C2FB-C494-1A46-A471-884A4E75440F}" type="slidenum">
-              <a:rPr lang="en-US" smtClean="0"/>
-              <a:pPr/>
-              <a:t>9</a:t>
-            </a:fld>
-            <a:endParaRPr lang="en-US" dirty="0"/>
-          </a:p>
-        </p:txBody>
-      </p:sp>
-    </p:spTree>
-    <p:extLst>
-      <p:ext uri="{BB962C8B-B14F-4D97-AF65-F5344CB8AC3E}">
-        <p14:creationId xmlns="" xmlns:a="http://schemas.openxmlformats.org/drawingml/2006/main" xmlns:r="http://schemas.openxmlformats.org/officeDocument/2006/relationships" xmlns:p="http://schemas.openxmlformats.org/presentationml/2006/main" xmlns:p14="http://schemas.microsoft.com/office/powerpoint/2010/main" xmlns:mv="urn:schemas-microsoft-com:mac:vml" xmlns:mc="http://schemas.openxmlformats.org/markup-compatibility/2006" val="1443086944"/>
+        <p14:creationId xmlns:p14="http://schemas.microsoft.com/office/powerpoint/2010/main" val="1443086944"/>
       </p:ext>
     </p:extLst>
   </p:cSld>
@@ -1500,7 +1156,7 @@
 </file>
 
 <file path=ppt/slideLayouts/slideLayout1.xml><?xml version="1.0" encoding="utf-8"?>
-<p:sldLayout xmlns:a="http://schemas.openxmlformats.org/drawingml/2006/main" xmlns:r="http://schemas.openxmlformats.org/officeDocument/2006/relationships" xmlns:mc="http://schemas.openxmlformats.org/markup-compatibility/2006" xmlns:mv="urn:schemas-microsoft-com:mac:vml" xmlns:p="http://schemas.openxmlformats.org/presentationml/2006/main" mc:Ignorable="mv" mc:PreserveAttributes="mv:*" type="title" preserve="1">
+<p:sldLayout xmlns:a="http://schemas.openxmlformats.org/drawingml/2006/main" xmlns:r="http://schemas.openxmlformats.org/officeDocument/2006/relationships" xmlns:p="http://schemas.openxmlformats.org/presentationml/2006/main" type="title" preserve="1">
   <p:cSld name="Title Slide">
     <p:bg>
       <p:bgPr>
@@ -1724,7 +1380,7 @@
 </file>
 
 <file path=ppt/slideLayouts/slideLayout10.xml><?xml version="1.0" encoding="utf-8"?>
-<p:sldLayout xmlns:a="http://schemas.openxmlformats.org/drawingml/2006/main" xmlns:r="http://schemas.openxmlformats.org/officeDocument/2006/relationships" xmlns:mc="http://schemas.openxmlformats.org/markup-compatibility/2006" xmlns:mv="urn:schemas-microsoft-com:mac:vml" xmlns:p="http://schemas.openxmlformats.org/presentationml/2006/main" mc:Ignorable="mv" mc:PreserveAttributes="mv:*" preserve="1" userDrawn="1">
+<p:sldLayout xmlns:a="http://schemas.openxmlformats.org/drawingml/2006/main" xmlns:r="http://schemas.openxmlformats.org/officeDocument/2006/relationships" xmlns:p="http://schemas.openxmlformats.org/presentationml/2006/main" preserve="1" userDrawn="1">
   <p:cSld name="Impact Slide - Pink">
     <p:bg>
       <p:bgPr>
@@ -1797,7 +1453,7 @@
 </file>
 
 <file path=ppt/slideLayouts/slideLayout11.xml><?xml version="1.0" encoding="utf-8"?>
-<p:sldLayout xmlns:a="http://schemas.openxmlformats.org/drawingml/2006/main" xmlns:r="http://schemas.openxmlformats.org/officeDocument/2006/relationships" xmlns:mc="http://schemas.openxmlformats.org/markup-compatibility/2006" xmlns:mv="urn:schemas-microsoft-com:mac:vml" xmlns:p="http://schemas.openxmlformats.org/presentationml/2006/main" mc:Ignorable="mv" mc:PreserveAttributes="mv:*" preserve="1" userDrawn="1">
+<p:sldLayout xmlns:a="http://schemas.openxmlformats.org/drawingml/2006/main" xmlns:r="http://schemas.openxmlformats.org/officeDocument/2006/relationships" xmlns:p="http://schemas.openxmlformats.org/presentationml/2006/main" preserve="1" userDrawn="1">
   <p:cSld name="Quote Slide - Neutral">
     <p:bg>
       <p:bgPr>
@@ -1956,7 +1612,7 @@
 </file>
 
 <file path=ppt/slideLayouts/slideLayout12.xml><?xml version="1.0" encoding="utf-8"?>
-<p:sldLayout xmlns:a="http://schemas.openxmlformats.org/drawingml/2006/main" xmlns:r="http://schemas.openxmlformats.org/officeDocument/2006/relationships" xmlns:mc="http://schemas.openxmlformats.org/markup-compatibility/2006" xmlns:mv="urn:schemas-microsoft-com:mac:vml" xmlns:p="http://schemas.openxmlformats.org/presentationml/2006/main" mc:Ignorable="mv" mc:PreserveAttributes="mv:*" preserve="1" userDrawn="1">
+<p:sldLayout xmlns:a="http://schemas.openxmlformats.org/drawingml/2006/main" xmlns:r="http://schemas.openxmlformats.org/officeDocument/2006/relationships" xmlns:p="http://schemas.openxmlformats.org/presentationml/2006/main" preserve="1" userDrawn="1">
   <p:cSld name="Quote Slide - Teal">
     <p:bg>
       <p:bgPr>
@@ -2109,7 +1765,7 @@
 </file>
 
 <file path=ppt/slideLayouts/slideLayout13.xml><?xml version="1.0" encoding="utf-8"?>
-<p:sldLayout xmlns:a="http://schemas.openxmlformats.org/drawingml/2006/main" xmlns:r="http://schemas.openxmlformats.org/officeDocument/2006/relationships" xmlns:mc="http://schemas.openxmlformats.org/markup-compatibility/2006" xmlns:mv="urn:schemas-microsoft-com:mac:vml" xmlns:p="http://schemas.openxmlformats.org/presentationml/2006/main" mc:Ignorable="mv" mc:PreserveAttributes="mv:*" preserve="1" userDrawn="1">
+<p:sldLayout xmlns:a="http://schemas.openxmlformats.org/drawingml/2006/main" xmlns:r="http://schemas.openxmlformats.org/officeDocument/2006/relationships" xmlns:p="http://schemas.openxmlformats.org/presentationml/2006/main" preserve="1" userDrawn="1">
   <p:cSld name="Quote Slide - Green">
     <p:bg>
       <p:bgPr>
@@ -2262,7 +1918,7 @@
 </file>
 
 <file path=ppt/slideLayouts/slideLayout14.xml><?xml version="1.0" encoding="utf-8"?>
-<p:sldLayout xmlns:a="http://schemas.openxmlformats.org/drawingml/2006/main" xmlns:r="http://schemas.openxmlformats.org/officeDocument/2006/relationships" xmlns:mc="http://schemas.openxmlformats.org/markup-compatibility/2006" xmlns:mv="urn:schemas-microsoft-com:mac:vml" xmlns:p="http://schemas.openxmlformats.org/presentationml/2006/main" mc:Ignorable="mv" mc:PreserveAttributes="mv:*" preserve="1" userDrawn="1">
+<p:sldLayout xmlns:a="http://schemas.openxmlformats.org/drawingml/2006/main" xmlns:r="http://schemas.openxmlformats.org/officeDocument/2006/relationships" xmlns:p="http://schemas.openxmlformats.org/presentationml/2006/main" preserve="1" userDrawn="1">
   <p:cSld name="Orange Quote Slide">
     <p:bg>
       <p:bgPr>
@@ -2415,7 +2071,7 @@
 </file>
 
 <file path=ppt/slideLayouts/slideLayout15.xml><?xml version="1.0" encoding="utf-8"?>
-<p:sldLayout xmlns:a="http://schemas.openxmlformats.org/drawingml/2006/main" xmlns:r="http://schemas.openxmlformats.org/officeDocument/2006/relationships" xmlns:mc="http://schemas.openxmlformats.org/markup-compatibility/2006" xmlns:mv="urn:schemas-microsoft-com:mac:vml" xmlns:p="http://schemas.openxmlformats.org/presentationml/2006/main" mc:Ignorable="mv" mc:PreserveAttributes="mv:*" preserve="1" userDrawn="1">
+<p:sldLayout xmlns:a="http://schemas.openxmlformats.org/drawingml/2006/main" xmlns:r="http://schemas.openxmlformats.org/officeDocument/2006/relationships" xmlns:p="http://schemas.openxmlformats.org/presentationml/2006/main" preserve="1" userDrawn="1">
   <p:cSld name="Quote Slide - Pink">
     <p:bg>
       <p:bgPr>
@@ -2568,7 +2224,7 @@
 </file>
 
 <file path=ppt/slideLayouts/slideLayout16.xml><?xml version="1.0" encoding="utf-8"?>
-<p:sldLayout xmlns:a="http://schemas.openxmlformats.org/drawingml/2006/main" xmlns:r="http://schemas.openxmlformats.org/officeDocument/2006/relationships" xmlns:mc="http://schemas.openxmlformats.org/markup-compatibility/2006" xmlns:mv="urn:schemas-microsoft-com:mac:vml" xmlns:p="http://schemas.openxmlformats.org/presentationml/2006/main" mc:Ignorable="mv" mc:PreserveAttributes="mv:*" preserve="1" userDrawn="1">
+<p:sldLayout xmlns:a="http://schemas.openxmlformats.org/drawingml/2006/main" xmlns:r="http://schemas.openxmlformats.org/officeDocument/2006/relationships" xmlns:p="http://schemas.openxmlformats.org/presentationml/2006/main" preserve="1" userDrawn="1">
   <p:cSld name="Thank You - Teal">
     <p:bg>
       <p:bgPr>
@@ -2699,7 +2355,7 @@
 </file>
 
 <file path=ppt/slideLayouts/slideLayout17.xml><?xml version="1.0" encoding="utf-8"?>
-<p:sldLayout xmlns:a="http://schemas.openxmlformats.org/drawingml/2006/main" xmlns:r="http://schemas.openxmlformats.org/officeDocument/2006/relationships" xmlns:mc="http://schemas.openxmlformats.org/markup-compatibility/2006" xmlns:mv="urn:schemas-microsoft-com:mac:vml" xmlns:p="http://schemas.openxmlformats.org/presentationml/2006/main" mc:Ignorable="mv" mc:PreserveAttributes="mv:*" preserve="1" userDrawn="1">
+<p:sldLayout xmlns:a="http://schemas.openxmlformats.org/drawingml/2006/main" xmlns:r="http://schemas.openxmlformats.org/officeDocument/2006/relationships" xmlns:p="http://schemas.openxmlformats.org/presentationml/2006/main" preserve="1" userDrawn="1">
   <p:cSld name="Thank You - Green">
     <p:bg>
       <p:bgPr>
@@ -2830,7 +2486,7 @@
 </file>
 
 <file path=ppt/slideLayouts/slideLayout18.xml><?xml version="1.0" encoding="utf-8"?>
-<p:sldLayout xmlns:a="http://schemas.openxmlformats.org/drawingml/2006/main" xmlns:r="http://schemas.openxmlformats.org/officeDocument/2006/relationships" xmlns:mc="http://schemas.openxmlformats.org/markup-compatibility/2006" xmlns:mv="urn:schemas-microsoft-com:mac:vml" xmlns:p="http://schemas.openxmlformats.org/presentationml/2006/main" mc:Ignorable="mv" mc:PreserveAttributes="mv:*" userDrawn="1">
+<p:sldLayout xmlns:a="http://schemas.openxmlformats.org/drawingml/2006/main" xmlns:r="http://schemas.openxmlformats.org/officeDocument/2006/relationships" xmlns:p="http://schemas.openxmlformats.org/presentationml/2006/main" userDrawn="1">
   <p:cSld name="Thank You - Orange">
     <p:bg>
       <p:bgPr>
@@ -2961,7 +2617,7 @@
 </file>
 
 <file path=ppt/slideLayouts/slideLayout19.xml><?xml version="1.0" encoding="utf-8"?>
-<p:sldLayout xmlns:a="http://schemas.openxmlformats.org/drawingml/2006/main" xmlns:r="http://schemas.openxmlformats.org/officeDocument/2006/relationships" xmlns:mc="http://schemas.openxmlformats.org/markup-compatibility/2006" xmlns:mv="urn:schemas-microsoft-com:mac:vml" xmlns:p="http://schemas.openxmlformats.org/presentationml/2006/main" mc:Ignorable="mv" mc:PreserveAttributes="mv:*" userDrawn="1">
+<p:sldLayout xmlns:a="http://schemas.openxmlformats.org/drawingml/2006/main" xmlns:r="http://schemas.openxmlformats.org/officeDocument/2006/relationships" xmlns:p="http://schemas.openxmlformats.org/presentationml/2006/main" userDrawn="1">
   <p:cSld name="Thank You - Pink">
     <p:bg>
       <p:bgPr>
@@ -3092,7 +2748,7 @@
 </file>
 
 <file path=ppt/slideLayouts/slideLayout2.xml><?xml version="1.0" encoding="utf-8"?>
-<p:sldLayout xmlns:a="http://schemas.openxmlformats.org/drawingml/2006/main" xmlns:r="http://schemas.openxmlformats.org/officeDocument/2006/relationships" xmlns:mc="http://schemas.openxmlformats.org/markup-compatibility/2006" xmlns:mv="urn:schemas-microsoft-com:mac:vml" xmlns:p="http://schemas.openxmlformats.org/presentationml/2006/main" mc:Ignorable="mv" mc:PreserveAttributes="mv:*" preserve="1" userDrawn="1">
+<p:sldLayout xmlns:a="http://schemas.openxmlformats.org/drawingml/2006/main" xmlns:r="http://schemas.openxmlformats.org/officeDocument/2006/relationships" xmlns:p="http://schemas.openxmlformats.org/presentationml/2006/main" preserve="1" userDrawn="1">
   <p:cSld name="Title and Single Element">
     <p:spTree>
       <p:nvGrpSpPr>
@@ -3423,7 +3079,7 @@
 </file>
 
 <file path=ppt/slideLayouts/slideLayout3.xml><?xml version="1.0" encoding="utf-8"?>
-<p:sldLayout xmlns:a="http://schemas.openxmlformats.org/drawingml/2006/main" xmlns:r="http://schemas.openxmlformats.org/officeDocument/2006/relationships" xmlns:mc="http://schemas.openxmlformats.org/markup-compatibility/2006" xmlns:mv="urn:schemas-microsoft-com:mac:vml" xmlns:p="http://schemas.openxmlformats.org/presentationml/2006/main" mc:Ignorable="mv" mc:PreserveAttributes="mv:*" preserve="1" userDrawn="1">
+<p:sldLayout xmlns:a="http://schemas.openxmlformats.org/drawingml/2006/main" xmlns:r="http://schemas.openxmlformats.org/officeDocument/2006/relationships" xmlns:p="http://schemas.openxmlformats.org/presentationml/2006/main" preserve="1" userDrawn="1">
   <p:cSld name="Title and Two Element">
     <p:spTree>
       <p:nvGrpSpPr>
@@ -3815,7 +3471,7 @@
 </file>
 
 <file path=ppt/slideLayouts/slideLayout4.xml><?xml version="1.0" encoding="utf-8"?>
-<p:sldLayout xmlns:a="http://schemas.openxmlformats.org/drawingml/2006/main" xmlns:r="http://schemas.openxmlformats.org/officeDocument/2006/relationships" xmlns:mc="http://schemas.openxmlformats.org/markup-compatibility/2006" xmlns:mv="urn:schemas-microsoft-com:mac:vml" xmlns:p="http://schemas.openxmlformats.org/presentationml/2006/main" mc:Ignorable="mv" mc:PreserveAttributes="mv:*" preserve="1" userDrawn="1">
+<p:sldLayout xmlns:a="http://schemas.openxmlformats.org/drawingml/2006/main" xmlns:r="http://schemas.openxmlformats.org/officeDocument/2006/relationships" xmlns:p="http://schemas.openxmlformats.org/presentationml/2006/main" preserve="1" userDrawn="1">
   <p:cSld name="Title Only and Blank">
     <p:spTree>
       <p:nvGrpSpPr>
@@ -4089,7 +3745,7 @@
 </file>
 
 <file path=ppt/slideLayouts/slideLayout5.xml><?xml version="1.0" encoding="utf-8"?>
-<p:sldLayout xmlns:a="http://schemas.openxmlformats.org/drawingml/2006/main" xmlns:r="http://schemas.openxmlformats.org/officeDocument/2006/relationships" xmlns:mc="http://schemas.openxmlformats.org/markup-compatibility/2006" xmlns:mv="urn:schemas-microsoft-com:mac:vml" xmlns:p="http://schemas.openxmlformats.org/presentationml/2006/main" mc:Ignorable="mv" mc:PreserveAttributes="mv:*" userDrawn="1">
+<p:sldLayout xmlns:a="http://schemas.openxmlformats.org/drawingml/2006/main" xmlns:r="http://schemas.openxmlformats.org/officeDocument/2006/relationships" xmlns:p="http://schemas.openxmlformats.org/presentationml/2006/main" userDrawn="1">
   <p:cSld name="Left Text and Right Image">
     <p:spTree>
       <p:nvGrpSpPr>
@@ -4450,7 +4106,7 @@
 </file>
 
 <file path=ppt/slideLayouts/slideLayout6.xml><?xml version="1.0" encoding="utf-8"?>
-<p:sldLayout xmlns:a="http://schemas.openxmlformats.org/drawingml/2006/main" xmlns:r="http://schemas.openxmlformats.org/officeDocument/2006/relationships" xmlns:mc="http://schemas.openxmlformats.org/markup-compatibility/2006" xmlns:mv="urn:schemas-microsoft-com:mac:vml" xmlns:p="http://schemas.openxmlformats.org/presentationml/2006/main" mc:Ignorable="mv" mc:PreserveAttributes="mv:*" preserve="1" userDrawn="1">
+<p:sldLayout xmlns:a="http://schemas.openxmlformats.org/drawingml/2006/main" xmlns:r="http://schemas.openxmlformats.org/officeDocument/2006/relationships" xmlns:p="http://schemas.openxmlformats.org/presentationml/2006/main" preserve="1" userDrawn="1">
   <p:cSld name="Left Image and Right Text">
     <p:spTree>
       <p:nvGrpSpPr>
@@ -4811,7 +4467,7 @@
 </file>
 
 <file path=ppt/slideLayouts/slideLayout7.xml><?xml version="1.0" encoding="utf-8"?>
-<p:sldLayout xmlns:a="http://schemas.openxmlformats.org/drawingml/2006/main" xmlns:r="http://schemas.openxmlformats.org/officeDocument/2006/relationships" xmlns:mc="http://schemas.openxmlformats.org/markup-compatibility/2006" xmlns:mv="urn:schemas-microsoft-com:mac:vml" xmlns:p="http://schemas.openxmlformats.org/presentationml/2006/main" mc:Ignorable="mv" mc:PreserveAttributes="mv:*" preserve="1" userDrawn="1">
+<p:sldLayout xmlns:a="http://schemas.openxmlformats.org/drawingml/2006/main" xmlns:r="http://schemas.openxmlformats.org/officeDocument/2006/relationships" xmlns:p="http://schemas.openxmlformats.org/presentationml/2006/main" preserve="1" userDrawn="1">
   <p:cSld name="Impact Slide - Teal">
     <p:bg>
       <p:bgPr>
@@ -4906,7 +4562,7 @@
 </file>
 
 <file path=ppt/slideLayouts/slideLayout8.xml><?xml version="1.0" encoding="utf-8"?>
-<p:sldLayout xmlns:a="http://schemas.openxmlformats.org/drawingml/2006/main" xmlns:r="http://schemas.openxmlformats.org/officeDocument/2006/relationships" xmlns:mc="http://schemas.openxmlformats.org/markup-compatibility/2006" xmlns:mv="urn:schemas-microsoft-com:mac:vml" xmlns:p="http://schemas.openxmlformats.org/presentationml/2006/main" mc:Ignorable="mv" mc:PreserveAttributes="mv:*" preserve="1" userDrawn="1">
+<p:sldLayout xmlns:a="http://schemas.openxmlformats.org/drawingml/2006/main" xmlns:r="http://schemas.openxmlformats.org/officeDocument/2006/relationships" xmlns:p="http://schemas.openxmlformats.org/presentationml/2006/main" preserve="1" userDrawn="1">
   <p:cSld name="Impact Slide - Green">
     <p:bg>
       <p:bgPr>
@@ -5001,7 +4657,7 @@
 </file>
 
 <file path=ppt/slideLayouts/slideLayout9.xml><?xml version="1.0" encoding="utf-8"?>
-<p:sldLayout xmlns:a="http://schemas.openxmlformats.org/drawingml/2006/main" xmlns:r="http://schemas.openxmlformats.org/officeDocument/2006/relationships" xmlns:mc="http://schemas.openxmlformats.org/markup-compatibility/2006" xmlns:mv="urn:schemas-microsoft-com:mac:vml" xmlns:p="http://schemas.openxmlformats.org/presentationml/2006/main" mc:Ignorable="mv" mc:PreserveAttributes="mv:*" preserve="1" userDrawn="1">
+<p:sldLayout xmlns:a="http://schemas.openxmlformats.org/drawingml/2006/main" xmlns:r="http://schemas.openxmlformats.org/officeDocument/2006/relationships" xmlns:p="http://schemas.openxmlformats.org/presentationml/2006/main" preserve="1" userDrawn="1">
   <p:cSld name="Impact Slide - Orange">
     <p:bg>
       <p:bgPr>
@@ -5096,7 +4752,7 @@
 </file>
 
 <file path=ppt/slideMasters/slideMaster1.xml><?xml version="1.0" encoding="utf-8"?>
-<p:sldMaster xmlns:a="http://schemas.openxmlformats.org/drawingml/2006/main" xmlns:r="http://schemas.openxmlformats.org/officeDocument/2006/relationships" xmlns:mc="http://schemas.openxmlformats.org/markup-compatibility/2006" xmlns:mv="urn:schemas-microsoft-com:mac:vml" xmlns:p="http://schemas.openxmlformats.org/presentationml/2006/main" mc:Ignorable="mv" mc:PreserveAttributes="mv:*">
+<p:sldMaster xmlns:a="http://schemas.openxmlformats.org/drawingml/2006/main" xmlns:r="http://schemas.openxmlformats.org/officeDocument/2006/relationships" xmlns:p="http://schemas.openxmlformats.org/presentationml/2006/main">
   <p:cSld>
     <p:bg>
       <p:bgPr>
@@ -5718,7 +5374,7 @@
 </file>
 
 <file path=ppt/slides/slide1.xml><?xml version="1.0" encoding="utf-8"?>
-<p:sld xmlns:a="http://schemas.openxmlformats.org/drawingml/2006/main" xmlns:r="http://schemas.openxmlformats.org/officeDocument/2006/relationships" xmlns:mc="http://schemas.openxmlformats.org/markup-compatibility/2006" xmlns:mv="urn:schemas-microsoft-com:mac:vml" xmlns:p="http://schemas.openxmlformats.org/presentationml/2006/main" mc:Ignorable="mv" mc:PreserveAttributes="mv:*">
+<p:sld xmlns:a="http://schemas.openxmlformats.org/drawingml/2006/main" xmlns:r="http://schemas.openxmlformats.org/officeDocument/2006/relationships" xmlns:p="http://schemas.openxmlformats.org/presentationml/2006/main">
   <p:cSld>
     <p:spTree>
       <p:nvGrpSpPr>
@@ -5798,20 +5454,20 @@
     </p:spTree>
     <p:extLst>
       <p:ext uri="{BB962C8B-B14F-4D97-AF65-F5344CB8AC3E}">
-        <p14:creationId xmlns="" xmlns:a="http://schemas.openxmlformats.org/drawingml/2006/main" xmlns:r="http://schemas.openxmlformats.org/officeDocument/2006/relationships" xmlns:p="http://schemas.openxmlformats.org/presentationml/2006/main" xmlns:p14="http://schemas.microsoft.com/office/powerpoint/2010/main" xmlns:mv="urn:schemas-microsoft-com:mac:vml" xmlns:mc="http://schemas.openxmlformats.org/markup-compatibility/2006" val="2352184382"/>
+        <p14:creationId xmlns:p14="http://schemas.microsoft.com/office/powerpoint/2010/main" val="2352184382"/>
       </p:ext>
     </p:extLst>
   </p:cSld>
   <p:clrMapOvr>
     <a:masterClrMapping/>
   </p:clrMapOvr>
-  <p:transition spd="med">
+  <p:transition xmlns:p14="http://schemas.microsoft.com/office/powerpoint/2010/main" spd="med">
     <p:fade/>
   </p:transition>
   <p:timing>
     <p:tnLst>
       <p:par>
-        <p:cTn id="1" dur="indefinite" restart="never" nodeType="tmRoot"/>
+        <p:cTn xmlns:p14="http://schemas.microsoft.com/office/powerpoint/2010/main" id="1" dur="indefinite" restart="never" nodeType="tmRoot"/>
       </p:par>
     </p:tnLst>
   </p:timing>
@@ -5819,7 +5475,7 @@
 </file>
 
 <file path=ppt/slides/slide2.xml><?xml version="1.0" encoding="utf-8"?>
-<p:sld xmlns:a="http://schemas.openxmlformats.org/drawingml/2006/main" xmlns:r="http://schemas.openxmlformats.org/officeDocument/2006/relationships" xmlns:mc="http://schemas.openxmlformats.org/markup-compatibility/2006" xmlns:mv="urn:schemas-microsoft-com:mac:vml" xmlns:p="http://schemas.openxmlformats.org/presentationml/2006/main" mc:Ignorable="mv" mc:PreserveAttributes="mv:*">
+<p:sld xmlns:a="http://schemas.openxmlformats.org/drawingml/2006/main" xmlns:r="http://schemas.openxmlformats.org/officeDocument/2006/relationships" xmlns:p="http://schemas.openxmlformats.org/presentationml/2006/main">
   <p:cSld>
     <p:spTree>
       <p:nvGrpSpPr>
@@ -5857,14 +5513,14 @@
           </a:ln>
           <a:extLst>
             <a:ext uri="{909E8E84-426E-40dd-AFC4-6F175D3DCCD1}">
-              <a14:hiddenFill xmlns="" xmlns:a="http://schemas.openxmlformats.org/drawingml/2006/main" xmlns:r="http://schemas.openxmlformats.org/officeDocument/2006/relationships" xmlns:p="http://schemas.openxmlformats.org/presentationml/2006/main" xmlns:a14="http://schemas.microsoft.com/office/drawing/2010/main" xmlns:mv="urn:schemas-microsoft-com:mac:vml" xmlns:mc="http://schemas.openxmlformats.org/markup-compatibility/2006">
+              <a14:hiddenFill xmlns:a14="http://schemas.microsoft.com/office/drawing/2010/main">
                 <a:solidFill>
                   <a:srgbClr val="FFFFFF"/>
                 </a:solidFill>
               </a14:hiddenFill>
             </a:ext>
             <a:ext uri="{91240B29-F687-4f45-9708-019B960494DF}">
-              <a14:hiddenLine xmlns="" xmlns:a="http://schemas.openxmlformats.org/drawingml/2006/main" xmlns:r="http://schemas.openxmlformats.org/officeDocument/2006/relationships" xmlns:p="http://schemas.openxmlformats.org/presentationml/2006/main" xmlns:a14="http://schemas.microsoft.com/office/drawing/2010/main" xmlns:mv="urn:schemas-microsoft-com:mac:vml" xmlns:mc="http://schemas.openxmlformats.org/markup-compatibility/2006" w="9525">
+              <a14:hiddenLine xmlns:a14="http://schemas.microsoft.com/office/drawing/2010/main" w="9525">
                 <a:solidFill>
                   <a:srgbClr val="000000"/>
                 </a:solidFill>
@@ -6065,7 +5721,7 @@
           <a:lstStyle/>
           <a:p>
             <a:r>
-              <a:rPr lang="en-US" sz="3000">
+              <a:rPr lang="en-US" sz="3000" dirty="0">
                 <a:latin typeface="Arial" charset="0"/>
                 <a:ea typeface="ＭＳ Ｐゴシック" charset="0"/>
               </a:rPr>
@@ -6075,16 +5731,29 @@
           <a:p>
             <a:pPr lvl="1"/>
             <a:r>
-              <a:rPr lang="en-US" sz="3000">
+              <a:rPr lang="en-US" sz="3000" dirty="0">
                 <a:latin typeface="Arial" charset="0"/>
                 <a:ea typeface="ＭＳ Ｐゴシック" charset="0"/>
               </a:rPr>
-              <a:t>For example, search_videos</a:t>
-            </a:r>
-          </a:p>
-          <a:p>
-            <a:r>
-              <a:rPr lang="en-US" sz="3000">
+              <a:t>For example, </a:t>
+            </a:r>
+            <a:r>
+              <a:rPr lang="en-US" sz="3000" dirty="0" err="1">
+                <a:latin typeface="Source Code Pro"/>
+                <a:ea typeface="ＭＳ Ｐゴシック" charset="0"/>
+                <a:cs typeface="Source Code Pro"/>
+              </a:rPr>
+              <a:t>search_videos</a:t>
+            </a:r>
+            <a:endParaRPr lang="en-US" sz="3000" dirty="0">
+              <a:latin typeface="Source Code Pro"/>
+              <a:ea typeface="ＭＳ Ｐゴシック" charset="0"/>
+              <a:cs typeface="Source Code Pro"/>
+            </a:endParaRPr>
+          </a:p>
+          <a:p>
+            <a:r>
+              <a:rPr lang="en-US" sz="3000" dirty="0">
                 <a:latin typeface="Arial" charset="0"/>
                 <a:ea typeface="ＭＳ Ｐゴシック" charset="0"/>
               </a:rPr>
@@ -6094,7 +5763,7 @@
           <a:p>
             <a:pPr lvl="1"/>
             <a:r>
-              <a:rPr lang="en-US" sz="3000">
+              <a:rPr lang="en-US" sz="3000" dirty="0">
                 <a:latin typeface="Arial" charset="0"/>
                 <a:ea typeface="ＭＳ Ｐゴシック" charset="0"/>
               </a:rPr>
@@ -6104,7 +5773,7 @@
           <a:p>
             <a:pPr lvl="1"/>
             <a:r>
-              <a:rPr lang="en-US" sz="3000">
+              <a:rPr lang="en-US" sz="3000" dirty="0">
                 <a:latin typeface="Arial" charset="0"/>
                 <a:ea typeface="ＭＳ Ｐゴシック" charset="0"/>
               </a:rPr>
@@ -6113,7 +5782,7 @@
           </a:p>
           <a:p>
             <a:r>
-              <a:rPr lang="en-US" sz="3000">
+              <a:rPr lang="en-US" sz="3000" dirty="0">
                 <a:latin typeface="Arial" charset="0"/>
                 <a:ea typeface="ＭＳ Ｐゴシック" charset="0"/>
               </a:rPr>
@@ -6123,38 +5792,63 @@
           <a:p>
             <a:pPr lvl="1"/>
             <a:r>
-              <a:rPr lang="en-US" sz="3000">
+              <a:rPr lang="en-US" sz="3000" dirty="0">
                 <a:latin typeface="Arial" charset="0"/>
                 <a:ea typeface="ＭＳ Ｐゴシック" charset="0"/>
               </a:rPr>
-              <a:t>Apply Styling &amp; Formatting</a:t>
-            </a:r>
-          </a:p>
-          <a:p>
-            <a:endParaRPr lang="en-US" sz="3000">
+              <a:t>Apply </a:t>
+            </a:r>
+            <a:r>
+              <a:rPr lang="en-US" sz="3000" dirty="0" smtClean="0">
+                <a:latin typeface="Arial" charset="0"/>
+                <a:ea typeface="ＭＳ Ｐゴシック" charset="0"/>
+              </a:rPr>
+              <a:t>styling </a:t>
+            </a:r>
+            <a:r>
+              <a:rPr lang="en-US" sz="3000" dirty="0">
+                <a:latin typeface="Arial" charset="0"/>
+                <a:ea typeface="ＭＳ Ｐゴシック" charset="0"/>
+              </a:rPr>
+              <a:t>&amp; </a:t>
+            </a:r>
+            <a:r>
+              <a:rPr lang="en-US" sz="3000" dirty="0" smtClean="0">
+                <a:latin typeface="Arial" charset="0"/>
+                <a:ea typeface="ＭＳ Ｐゴシック" charset="0"/>
+              </a:rPr>
+              <a:t>formatting</a:t>
+            </a:r>
+            <a:endParaRPr lang="en-US" sz="3000" dirty="0">
               <a:latin typeface="Arial" charset="0"/>
               <a:ea typeface="ＭＳ Ｐゴシック" charset="0"/>
             </a:endParaRPr>
           </a:p>
+          <a:p>
+            <a:endParaRPr lang="en-US" sz="3000" dirty="0">
+              <a:latin typeface="Arial" charset="0"/>
+              <a:ea typeface="ＭＳ Ｐゴシック" charset="0"/>
+            </a:endParaRPr>
+          </a:p>
         </p:txBody>
       </p:sp>
     </p:spTree>
     <p:extLst>
       <p:ext uri="{BB962C8B-B14F-4D97-AF65-F5344CB8AC3E}">
-        <p14:creationId xmlns="" xmlns:a="http://schemas.openxmlformats.org/drawingml/2006/main" xmlns:r="http://schemas.openxmlformats.org/officeDocument/2006/relationships" xmlns:p="http://schemas.openxmlformats.org/presentationml/2006/main" xmlns:p14="http://schemas.microsoft.com/office/powerpoint/2010/main" xmlns:mv="urn:schemas-microsoft-com:mac:vml" xmlns:mc="http://schemas.openxmlformats.org/markup-compatibility/2006" val="3174594303"/>
+        <p14:creationId xmlns:p14="http://schemas.microsoft.com/office/powerpoint/2010/main" val="3174594303"/>
       </p:ext>
     </p:extLst>
   </p:cSld>
   <p:clrMapOvr>
     <a:masterClrMapping/>
   </p:clrMapOvr>
-  <p:transition>
+  <p:transition xmlns:p14="http://schemas.microsoft.com/office/powerpoint/2010/main">
     <p:fade/>
   </p:transition>
   <p:timing>
     <p:tnLst>
       <p:par>
-        <p:cTn id="1" dur="indefinite" restart="never" nodeType="tmRoot"/>
+        <p:cTn xmlns:p14="http://schemas.microsoft.com/office/powerpoint/2010/main" id="1" dur="indefinite" restart="never" nodeType="tmRoot"/>
       </p:par>
     </p:tnLst>
   </p:timing>
@@ -6162,7 +5856,7 @@
 </file>
 
 <file path=ppt/slides/slide3.xml><?xml version="1.0" encoding="utf-8"?>
-<p:sld xmlns:a="http://schemas.openxmlformats.org/drawingml/2006/main" xmlns:r="http://schemas.openxmlformats.org/officeDocument/2006/relationships" xmlns:mc="http://schemas.openxmlformats.org/markup-compatibility/2006" xmlns:mv="urn:schemas-microsoft-com:mac:vml" xmlns:p="http://schemas.openxmlformats.org/presentationml/2006/main" mc:Ignorable="mv" mc:PreserveAttributes="mv:*">
+<p:sld xmlns:a="http://schemas.openxmlformats.org/drawingml/2006/main" xmlns:r="http://schemas.openxmlformats.org/officeDocument/2006/relationships" xmlns:p="http://schemas.openxmlformats.org/presentationml/2006/main">
   <p:cSld>
     <p:spTree>
       <p:nvGrpSpPr>
@@ -6229,133 +5923,311 @@
           <a:lstStyle/>
           <a:p>
             <a:r>
-              <a:rPr lang="en-US" sz="3000">
+              <a:rPr lang="en-US" sz="3000" dirty="0" smtClean="0">
                 <a:latin typeface="Arial" charset="0"/>
                 <a:ea typeface="ＭＳ Ｐゴシック" charset="0"/>
               </a:rPr>
-              <a:t>client-side Javascript</a:t>
+              <a:t>Client</a:t>
+            </a:r>
+            <a:r>
+              <a:rPr lang="en-US" sz="3000" dirty="0">
+                <a:latin typeface="Arial" charset="0"/>
+                <a:ea typeface="ＭＳ Ｐゴシック" charset="0"/>
+              </a:rPr>
+              <a:t>-side Javascript</a:t>
             </a:r>
           </a:p>
           <a:p>
             <a:pPr lvl="1"/>
             <a:r>
-              <a:rPr lang="en-US" sz="3000">
+              <a:rPr lang="en-US" sz="3000" dirty="0" smtClean="0">
                 <a:latin typeface="Arial" charset="0"/>
                 <a:ea typeface="ＭＳ Ｐゴシック" charset="0"/>
               </a:rPr>
-              <a:t>define a function that accepts a single parameter (the response object)</a:t>
-            </a:r>
+              <a:t>Define </a:t>
+            </a:r>
+            <a:r>
+              <a:rPr lang="en-US" sz="3000" dirty="0">
+                <a:latin typeface="Arial" charset="0"/>
+                <a:ea typeface="ＭＳ Ｐゴシック" charset="0"/>
+              </a:rPr>
+              <a:t>a function that accepts a single parameter (the response object)</a:t>
+            </a:r>
+          </a:p>
+          <a:p>
+            <a:pPr lvl="2"/>
+            <a:r>
+              <a:rPr lang="en-US" sz="3000" dirty="0">
+                <a:latin typeface="Source Code Pro"/>
+                <a:ea typeface="ＭＳ Ｐゴシック" charset="0"/>
+                <a:cs typeface="Source Code Pro"/>
+              </a:rPr>
+              <a:t>&amp;callback=</a:t>
+            </a:r>
+            <a:r>
+              <a:rPr lang="en-US" sz="3000" dirty="0" err="1">
+                <a:latin typeface="Source Code Pro"/>
+                <a:ea typeface="ＭＳ Ｐゴシック" charset="0"/>
+                <a:cs typeface="Source Code Pro"/>
+              </a:rPr>
+              <a:t>my_func</a:t>
+            </a:r>
+            <a:endParaRPr lang="en-US" sz="3000" dirty="0">
+              <a:latin typeface="Source Code Pro"/>
+              <a:ea typeface="ＭＳ Ｐゴシック" charset="0"/>
+              <a:cs typeface="Source Code Pro"/>
+            </a:endParaRPr>
           </a:p>
           <a:p>
             <a:pPr lvl="1"/>
             <a:r>
-              <a:rPr lang="en-US" sz="3000">
+              <a:rPr lang="en-US" sz="3000" dirty="0" smtClean="0">
                 <a:latin typeface="Arial" charset="0"/>
                 <a:ea typeface="ＭＳ Ｐゴシック" charset="0"/>
               </a:rPr>
-              <a:t>&amp;callback=my_func</a:t>
+              <a:t>Insert </a:t>
+            </a:r>
+            <a:r>
+              <a:rPr lang="en-US" sz="3000" dirty="0">
+                <a:latin typeface="Arial" charset="0"/>
+                <a:ea typeface="ＭＳ Ｐゴシック" charset="0"/>
+              </a:rPr>
+              <a:t>the API call into a script tag on the page, and the response will be passed to your callback function</a:t>
             </a:r>
           </a:p>
           <a:p>
             <a:pPr lvl="1"/>
             <a:r>
-              <a:rPr lang="en-US" sz="3000">
-                <a:latin typeface="Arial" charset="0"/>
-                <a:ea typeface="ＭＳ Ｐゴシック" charset="0"/>
-              </a:rPr>
-              <a:t>insert the API call into a script tag on the page, and the response will be passed to your callback function</a:t>
-            </a:r>
-          </a:p>
-          <a:p>
-            <a:pPr lvl="1"/>
-            <a:r>
-              <a:rPr lang="en-US" sz="3000">
+              <a:rPr lang="en-US" sz="3000" dirty="0">
                 <a:latin typeface="Arial" charset="0"/>
                 <a:ea typeface="ＭＳ Ｐゴシック" charset="0"/>
                 <a:hlinkClick r:id="rId3"/>
               </a:rPr>
               <a:t>http://support.brightcove.com/en/docs/media-api-getting-started-using-javascript</a:t>
             </a:r>
-            <a:endParaRPr lang="en-US" sz="3000">
+            <a:endParaRPr lang="en-US" sz="3000" dirty="0">
               <a:latin typeface="Arial" charset="0"/>
               <a:ea typeface="ＭＳ Ｐゴシック" charset="0"/>
             </a:endParaRPr>
           </a:p>
           <a:p>
             <a:r>
-              <a:rPr lang="en-US" sz="3000">
+              <a:rPr lang="en-US" sz="3000" dirty="0" smtClean="0">
                 <a:latin typeface="Arial" charset="0"/>
                 <a:ea typeface="ＭＳ Ｐゴシック" charset="0"/>
               </a:rPr>
-              <a:t>server-side</a:t>
+              <a:t>Server</a:t>
+            </a:r>
+            <a:r>
+              <a:rPr lang="en-US" sz="3000" dirty="0">
+                <a:latin typeface="Arial" charset="0"/>
+                <a:ea typeface="ＭＳ Ｐゴシック" charset="0"/>
+              </a:rPr>
+              <a:t>-side</a:t>
             </a:r>
           </a:p>
           <a:p>
             <a:pPr lvl="1"/>
             <a:r>
-              <a:rPr lang="en-US" sz="3000">
+              <a:rPr lang="en-US" sz="3000" dirty="0" smtClean="0">
                 <a:latin typeface="Arial" charset="0"/>
                 <a:ea typeface="ＭＳ Ｐゴシック" charset="0"/>
               </a:rPr>
-              <a:t>use a library or built-in function from your language to convert JSON strings to native objects</a:t>
-            </a:r>
-          </a:p>
-          <a:p>
-            <a:pPr lvl="1"/>
-            <a:r>
-              <a:rPr lang="en-US" sz="3000" i="1">
-                <a:solidFill>
-                  <a:srgbClr val="800000"/>
-                </a:solidFill>
+              <a:t>Use </a:t>
+            </a:r>
+            <a:r>
+              <a:rPr lang="en-US" sz="3000" dirty="0">
                 <a:latin typeface="Arial" charset="0"/>
                 <a:ea typeface="ＭＳ Ｐゴシック" charset="0"/>
               </a:rPr>
-              <a:t>Again: DON</a:t>
-            </a:r>
-            <a:r>
-              <a:rPr lang="ja-JP" altLang="en-US" sz="3000" i="1">
-                <a:solidFill>
-                  <a:srgbClr val="800000"/>
-                </a:solidFill>
+              <a:t>a library or built-in function from your language to convert JSON strings to native </a:t>
+            </a:r>
+            <a:r>
+              <a:rPr lang="en-US" sz="3000" dirty="0" smtClean="0">
                 <a:latin typeface="Arial" charset="0"/>
                 <a:ea typeface="ＭＳ Ｐゴシック" charset="0"/>
               </a:rPr>
-              <a:t>’</a:t>
-            </a:r>
-            <a:r>
-              <a:rPr lang="en-US" altLang="ja-JP" sz="3000" i="1">
-                <a:solidFill>
-                  <a:srgbClr val="800000"/>
-                </a:solidFill>
-                <a:latin typeface="Arial" charset="0"/>
-                <a:ea typeface="ＭＳ Ｐゴシック" charset="0"/>
-              </a:rPr>
-              <a:t>T depend on string-parsing to extract data</a:t>
-            </a:r>
-            <a:r>
-              <a:rPr lang="en-US" altLang="ja-JP" sz="3000">
-                <a:solidFill>
-                  <a:srgbClr val="800000"/>
-                </a:solidFill>
-                <a:latin typeface="Arial" charset="0"/>
-                <a:ea typeface="ＭＳ Ｐゴシック" charset="0"/>
-              </a:rPr>
-              <a:t>!</a:t>
-            </a:r>
-            <a:endParaRPr lang="en-US" sz="3000">
-              <a:solidFill>
-                <a:srgbClr val="800000"/>
-              </a:solidFill>
+              <a:t>objects</a:t>
+            </a:r>
+            <a:endParaRPr lang="en-US" sz="3000" dirty="0">
               <a:latin typeface="Arial" charset="0"/>
               <a:ea typeface="ＭＳ Ｐゴシック" charset="0"/>
             </a:endParaRPr>
           </a:p>
         </p:txBody>
       </p:sp>
+      <p:sp>
+        <p:nvSpPr>
+          <p:cNvPr id="4" name="Slide Number Placeholder 4"/>
+          <p:cNvSpPr txBox="1">
+            <a:spLocks noGrp="1"/>
+          </p:cNvSpPr>
+          <p:nvPr/>
+        </p:nvSpPr>
+        <p:spPr bwMode="auto">
+          <a:xfrm>
+            <a:off x="315913" y="9210198"/>
+            <a:ext cx="866775" cy="541337"/>
+          </a:xfrm>
+          <a:prstGeom prst="rect">
+            <a:avLst/>
+          </a:prstGeom>
+          <a:noFill/>
+          <a:ln>
+            <a:noFill/>
+          </a:ln>
+          <a:extLst>
+            <a:ext uri="{909E8E84-426E-40dd-AFC4-6F175D3DCCD1}">
+              <a14:hiddenFill xmlns:a14="http://schemas.microsoft.com/office/drawing/2010/main">
+                <a:solidFill>
+                  <a:srgbClr val="FFFFFF"/>
+                </a:solidFill>
+              </a14:hiddenFill>
+            </a:ext>
+            <a:ext uri="{91240B29-F687-4f45-9708-019B960494DF}">
+              <a14:hiddenLine xmlns:a14="http://schemas.microsoft.com/office/drawing/2010/main" w="9525">
+                <a:solidFill>
+                  <a:srgbClr val="000000"/>
+                </a:solidFill>
+                <a:miter lim="800000"/>
+                <a:headEnd/>
+                <a:tailEnd/>
+              </a14:hiddenLine>
+            </a:ext>
+          </a:extLst>
+        </p:spPr>
+        <p:txBody>
+          <a:bodyPr lIns="154707" tIns="77354" rIns="154707" bIns="77354"/>
+          <a:lstStyle>
+            <a:lvl1pPr eaLnBrk="0" hangingPunct="0">
+              <a:defRPr sz="3000">
+                <a:solidFill>
+                  <a:schemeClr val="tx1"/>
+                </a:solidFill>
+                <a:latin typeface="Arial" charset="0"/>
+                <a:ea typeface="ＭＳ Ｐゴシック" charset="0"/>
+                <a:cs typeface="ＭＳ Ｐゴシック" charset="0"/>
+              </a:defRPr>
+            </a:lvl1pPr>
+            <a:lvl2pPr marL="742950" indent="-285750" eaLnBrk="0" hangingPunct="0">
+              <a:defRPr sz="3000">
+                <a:solidFill>
+                  <a:schemeClr val="tx1"/>
+                </a:solidFill>
+                <a:latin typeface="Arial" charset="0"/>
+                <a:ea typeface="ＭＳ Ｐゴシック" charset="0"/>
+              </a:defRPr>
+            </a:lvl2pPr>
+            <a:lvl3pPr marL="1143000" indent="-228600" eaLnBrk="0" hangingPunct="0">
+              <a:defRPr sz="3000">
+                <a:solidFill>
+                  <a:schemeClr val="tx1"/>
+                </a:solidFill>
+                <a:latin typeface="Arial" charset="0"/>
+                <a:ea typeface="ＭＳ Ｐゴシック" charset="0"/>
+              </a:defRPr>
+            </a:lvl3pPr>
+            <a:lvl4pPr marL="1600200" indent="-228600" eaLnBrk="0" hangingPunct="0">
+              <a:defRPr sz="3000">
+                <a:solidFill>
+                  <a:schemeClr val="tx1"/>
+                </a:solidFill>
+                <a:latin typeface="Arial" charset="0"/>
+                <a:ea typeface="ＭＳ Ｐゴシック" charset="0"/>
+              </a:defRPr>
+            </a:lvl4pPr>
+            <a:lvl5pPr marL="2057400" indent="-228600" eaLnBrk="0" hangingPunct="0">
+              <a:defRPr sz="3000">
+                <a:solidFill>
+                  <a:schemeClr val="tx1"/>
+                </a:solidFill>
+                <a:latin typeface="Arial" charset="0"/>
+                <a:ea typeface="ＭＳ Ｐゴシック" charset="0"/>
+              </a:defRPr>
+            </a:lvl5pPr>
+            <a:lvl6pPr marL="2514600" indent="-228600" defTabSz="773113" eaLnBrk="0" fontAlgn="base" hangingPunct="0">
+              <a:spcBef>
+                <a:spcPct val="0"/>
+              </a:spcBef>
+              <a:spcAft>
+                <a:spcPct val="0"/>
+              </a:spcAft>
+              <a:defRPr sz="3000">
+                <a:solidFill>
+                  <a:schemeClr val="tx1"/>
+                </a:solidFill>
+                <a:latin typeface="Arial" charset="0"/>
+                <a:ea typeface="ＭＳ Ｐゴシック" charset="0"/>
+              </a:defRPr>
+            </a:lvl6pPr>
+            <a:lvl7pPr marL="2971800" indent="-228600" defTabSz="773113" eaLnBrk="0" fontAlgn="base" hangingPunct="0">
+              <a:spcBef>
+                <a:spcPct val="0"/>
+              </a:spcBef>
+              <a:spcAft>
+                <a:spcPct val="0"/>
+              </a:spcAft>
+              <a:defRPr sz="3000">
+                <a:solidFill>
+                  <a:schemeClr val="tx1"/>
+                </a:solidFill>
+                <a:latin typeface="Arial" charset="0"/>
+                <a:ea typeface="ＭＳ Ｐゴシック" charset="0"/>
+              </a:defRPr>
+            </a:lvl7pPr>
+            <a:lvl8pPr marL="3429000" indent="-228600" defTabSz="773113" eaLnBrk="0" fontAlgn="base" hangingPunct="0">
+              <a:spcBef>
+                <a:spcPct val="0"/>
+              </a:spcBef>
+              <a:spcAft>
+                <a:spcPct val="0"/>
+              </a:spcAft>
+              <a:defRPr sz="3000">
+                <a:solidFill>
+                  <a:schemeClr val="tx1"/>
+                </a:solidFill>
+                <a:latin typeface="Arial" charset="0"/>
+                <a:ea typeface="ＭＳ Ｐゴシック" charset="0"/>
+              </a:defRPr>
+            </a:lvl8pPr>
+            <a:lvl9pPr marL="3886200" indent="-228600" defTabSz="773113" eaLnBrk="0" fontAlgn="base" hangingPunct="0">
+              <a:spcBef>
+                <a:spcPct val="0"/>
+              </a:spcBef>
+              <a:spcAft>
+                <a:spcPct val="0"/>
+              </a:spcAft>
+              <a:defRPr sz="3000">
+                <a:solidFill>
+                  <a:schemeClr val="tx1"/>
+                </a:solidFill>
+                <a:latin typeface="Arial" charset="0"/>
+                <a:ea typeface="ＭＳ Ｐゴシック" charset="0"/>
+              </a:defRPr>
+            </a:lvl9pPr>
+          </a:lstStyle>
+          <a:p>
+            <a:fld id="{D5E7B66E-CD3F-B24A-BE42-8FEAFD02834A}" type="slidenum">
+              <a:rPr lang="en-US" sz="1500" b="1">
+                <a:solidFill>
+                  <a:srgbClr val="7B7B7B"/>
+                </a:solidFill>
+              </a:rPr>
+              <a:pPr/>
+              <a:t>3</a:t>
+            </a:fld>
+            <a:endParaRPr lang="en-US" sz="1500" b="1">
+              <a:solidFill>
+                <a:srgbClr val="7B7B7B"/>
+              </a:solidFill>
+            </a:endParaRPr>
+          </a:p>
+        </p:txBody>
+      </p:sp>
     </p:spTree>
     <p:extLst>
       <p:ext uri="{BB962C8B-B14F-4D97-AF65-F5344CB8AC3E}">
-        <p14:creationId xmlns="" xmlns:a="http://schemas.openxmlformats.org/drawingml/2006/main" xmlns:r="http://schemas.openxmlformats.org/officeDocument/2006/relationships" xmlns:p="http://schemas.openxmlformats.org/presentationml/2006/main" xmlns:p14="http://schemas.microsoft.com/office/powerpoint/2010/main" xmlns:mv="urn:schemas-microsoft-com:mac:vml" xmlns:mc="http://schemas.openxmlformats.org/markup-compatibility/2006" val="2909253005"/>
+        <p14:creationId xmlns:p14="http://schemas.microsoft.com/office/powerpoint/2010/main" val="2909253005"/>
       </p:ext>
     </p:extLst>
   </p:cSld>
@@ -6365,7 +6237,7 @@
   <p:timing>
     <p:tnLst>
       <p:par>
-        <p:cTn id="1" dur="indefinite" restart="never" nodeType="tmRoot"/>
+        <p:cTn xmlns:p14="http://schemas.microsoft.com/office/powerpoint/2010/main" id="1" dur="indefinite" restart="never" nodeType="tmRoot"/>
       </p:par>
     </p:tnLst>
   </p:timing>
@@ -6373,7 +6245,7 @@
 </file>
 
 <file path=ppt/slides/slide4.xml><?xml version="1.0" encoding="utf-8"?>
-<p:sld xmlns:a="http://schemas.openxmlformats.org/drawingml/2006/main" xmlns:r="http://schemas.openxmlformats.org/officeDocument/2006/relationships" xmlns:mc="http://schemas.openxmlformats.org/markup-compatibility/2006" xmlns:mv="urn:schemas-microsoft-com:mac:vml" xmlns:p="http://schemas.openxmlformats.org/presentationml/2006/main" mc:Ignorable="mv" mc:PreserveAttributes="mv:*">
+<p:sld xmlns:a="http://schemas.openxmlformats.org/drawingml/2006/main" xmlns:r="http://schemas.openxmlformats.org/officeDocument/2006/relationships" xmlns:p="http://schemas.openxmlformats.org/presentationml/2006/main">
   <p:cSld>
     <p:spTree>
       <p:nvGrpSpPr>
@@ -6391,12 +6263,65 @@
       </p:grpSpPr>
       <p:sp>
         <p:nvSpPr>
-          <p:cNvPr id="3" name="Title 2"/>
-          <p:cNvSpPr>
+          <p:cNvPr id="303106" name="Slide Number Placeholder 3"/>
+          <p:cNvSpPr txBox="1">
             <a:spLocks noGrp="1"/>
           </p:cNvSpPr>
-          <p:nvPr>
-            <p:ph type="title"/>
+          <p:nvPr/>
+        </p:nvSpPr>
+        <p:spPr bwMode="auto">
+          <a:xfrm>
+            <a:off x="315868" y="9189943"/>
+            <a:ext cx="866378" cy="541514"/>
+          </a:xfrm>
+          <a:prstGeom prst="rect">
+            <a:avLst/>
+          </a:prstGeom>
+          <a:noFill/>
+          <a:ln>
+            <a:miter lim="800000"/>
+            <a:headEnd/>
+            <a:tailEnd/>
+          </a:ln>
+        </p:spPr>
+        <p:txBody>
+          <a:bodyPr lIns="154707" tIns="77354" rIns="154707" bIns="77354"/>
+          <a:lstStyle/>
+          <a:p>
+            <a:pPr eaLnBrk="0" hangingPunct="0">
+              <a:defRPr/>
+            </a:pPr>
+            <a:fld id="{1BD3BB7B-F997-4B7C-BCBE-A063D59C732E}" type="slidenum">
+              <a:rPr lang="en-US" sz="1500" b="1">
+                <a:solidFill>
+                  <a:srgbClr val="7B7B7B"/>
+                </a:solidFill>
+                <a:ea typeface="ＭＳ Ｐゴシック" pitchFamily="34" charset="-128"/>
+                <a:cs typeface="+mn-cs"/>
+              </a:rPr>
+              <a:pPr eaLnBrk="0" hangingPunct="0">
+                <a:defRPr/>
+              </a:pPr>
+              <a:t>4</a:t>
+            </a:fld>
+            <a:endParaRPr lang="en-US" sz="1500" b="1" dirty="0">
+              <a:solidFill>
+                <a:srgbClr val="7B7B7B"/>
+              </a:solidFill>
+              <a:ea typeface="ＭＳ Ｐゴシック" pitchFamily="34" charset="-128"/>
+              <a:cs typeface="+mn-cs"/>
+            </a:endParaRPr>
+          </a:p>
+        </p:txBody>
+      </p:sp>
+      <p:sp>
+        <p:nvSpPr>
+          <p:cNvPr id="5" name="Text Placeholder 4"/>
+          <p:cNvSpPr>
+            <a:spLocks noGrp="1"/>
+          </p:cNvSpPr>
+          <p:nvPr>
+            <p:ph type="body" sz="quarter" idx="10"/>
           </p:nvPr>
         </p:nvSpPr>
         <p:spPr/>
@@ -6406,53 +6331,26 @@
           <a:p>
             <a:r>
               <a:rPr lang="en-US" dirty="0" smtClean="0"/>
-              <a:t>Title</a:t>
-            </a:r>
-            <a:endParaRPr lang="en-US" dirty="0"/>
-          </a:p>
-        </p:txBody>
-      </p:sp>
-      <p:sp>
-        <p:nvSpPr>
-          <p:cNvPr id="4" name="Content Placeholder 3"/>
-          <p:cNvSpPr>
-            <a:spLocks noGrp="1"/>
-          </p:cNvSpPr>
-          <p:nvPr>
-            <p:ph idx="1"/>
-          </p:nvPr>
-        </p:nvSpPr>
-        <p:spPr/>
-        <p:txBody>
-          <a:bodyPr>
-            <a:normAutofit/>
-          </a:bodyPr>
-          <a:lstStyle/>
-          <a:p>
-            <a:r>
-              <a:rPr lang="en-US" sz="3200" dirty="0" smtClean="0"/>
-              <a:t>Content</a:t>
-            </a:r>
-          </a:p>
-          <a:p>
-            <a:endParaRPr lang="en-US" sz="3200" dirty="0"/>
+              <a:t>Demo 3: Displaying Video Info</a:t>
+            </a:r>
           </a:p>
         </p:txBody>
       </p:sp>
     </p:spTree>
     <p:extLst>
       <p:ext uri="{BB962C8B-B14F-4D97-AF65-F5344CB8AC3E}">
-        <p14:creationId xmlns="" xmlns:a="http://schemas.openxmlformats.org/drawingml/2006/main" xmlns:r="http://schemas.openxmlformats.org/officeDocument/2006/relationships" xmlns:p="http://schemas.openxmlformats.org/presentationml/2006/main" xmlns:p14="http://schemas.microsoft.com/office/powerpoint/2010/main" xmlns:mv="urn:schemas-microsoft-com:mac:vml" xmlns:mc="http://schemas.openxmlformats.org/markup-compatibility/2006" val="1723545958"/>
+        <p14:creationId xmlns:p14="http://schemas.microsoft.com/office/powerpoint/2010/main" val="3539376714"/>
       </p:ext>
     </p:extLst>
   </p:cSld>
   <p:clrMapOvr>
     <a:masterClrMapping/>
   </p:clrMapOvr>
+  <p:transition xmlns:p14="http://schemas.microsoft.com/office/powerpoint/2010/main"/>
   <p:timing>
     <p:tnLst>
       <p:par>
-        <p:cTn id="1" dur="indefinite" restart="never" nodeType="tmRoot"/>
+        <p:cTn xmlns:p14="http://schemas.microsoft.com/office/powerpoint/2010/main" id="1" dur="indefinite" restart="never" nodeType="tmRoot"/>
       </p:par>
     </p:tnLst>
   </p:timing>
@@ -6460,7 +6358,7 @@
 </file>
 
 <file path=ppt/slides/slide5.xml><?xml version="1.0" encoding="utf-8"?>
-<p:sld xmlns:a="http://schemas.openxmlformats.org/drawingml/2006/main" xmlns:r="http://schemas.openxmlformats.org/officeDocument/2006/relationships" xmlns:mc="http://schemas.openxmlformats.org/markup-compatibility/2006" xmlns:mv="urn:schemas-microsoft-com:mac:vml" xmlns:p="http://schemas.openxmlformats.org/presentationml/2006/main" mc:Ignorable="mv" mc:PreserveAttributes="mv:*">
+<p:sld xmlns:a="http://schemas.openxmlformats.org/drawingml/2006/main" xmlns:r="http://schemas.openxmlformats.org/officeDocument/2006/relationships" xmlns:p="http://schemas.openxmlformats.org/presentationml/2006/main">
   <p:cSld>
     <p:spTree>
       <p:nvGrpSpPr>
@@ -6478,380 +6376,6 @@
       </p:grpSpPr>
       <p:sp>
         <p:nvSpPr>
-          <p:cNvPr id="3" name="Title 2"/>
-          <p:cNvSpPr>
-            <a:spLocks noGrp="1"/>
-          </p:cNvSpPr>
-          <p:nvPr>
-            <p:ph type="title"/>
-          </p:nvPr>
-        </p:nvSpPr>
-        <p:spPr/>
-        <p:txBody>
-          <a:bodyPr/>
-          <a:lstStyle/>
-          <a:p>
-            <a:r>
-              <a:rPr lang="en-US" dirty="0" smtClean="0"/>
-              <a:t>Title</a:t>
-            </a:r>
-            <a:endParaRPr lang="en-US" dirty="0"/>
-          </a:p>
-        </p:txBody>
-      </p:sp>
-      <p:sp>
-        <p:nvSpPr>
-          <p:cNvPr id="4" name="Content Placeholder 3"/>
-          <p:cNvSpPr>
-            <a:spLocks noGrp="1"/>
-          </p:cNvSpPr>
-          <p:nvPr>
-            <p:ph idx="1"/>
-          </p:nvPr>
-        </p:nvSpPr>
-        <p:spPr/>
-        <p:txBody>
-          <a:bodyPr>
-            <a:normAutofit/>
-          </a:bodyPr>
-          <a:lstStyle/>
-          <a:p>
-            <a:r>
-              <a:rPr lang="en-US" sz="3200" dirty="0" smtClean="0"/>
-              <a:t>Content</a:t>
-            </a:r>
-          </a:p>
-          <a:p>
-            <a:endParaRPr lang="en-US" sz="3200" dirty="0"/>
-          </a:p>
-        </p:txBody>
-      </p:sp>
-    </p:spTree>
-    <p:extLst>
-      <p:ext uri="{BB962C8B-B14F-4D97-AF65-F5344CB8AC3E}">
-        <p14:creationId xmlns="" xmlns:a="http://schemas.openxmlformats.org/drawingml/2006/main" xmlns:r="http://schemas.openxmlformats.org/officeDocument/2006/relationships" xmlns:p="http://schemas.openxmlformats.org/presentationml/2006/main" xmlns:p14="http://schemas.microsoft.com/office/powerpoint/2010/main" xmlns:mv="urn:schemas-microsoft-com:mac:vml" xmlns:mc="http://schemas.openxmlformats.org/markup-compatibility/2006" val="2108713422"/>
-      </p:ext>
-    </p:extLst>
-  </p:cSld>
-  <p:clrMapOvr>
-    <a:masterClrMapping/>
-  </p:clrMapOvr>
-  <p:timing>
-    <p:tnLst>
-      <p:par>
-        <p:cTn id="1" dur="indefinite" restart="never" nodeType="tmRoot"/>
-      </p:par>
-    </p:tnLst>
-  </p:timing>
-</p:sld>
-</file>
-
-<file path=ppt/slides/slide6.xml><?xml version="1.0" encoding="utf-8"?>
-<p:sld xmlns:a="http://schemas.openxmlformats.org/drawingml/2006/main" xmlns:r="http://schemas.openxmlformats.org/officeDocument/2006/relationships" xmlns:mc="http://schemas.openxmlformats.org/markup-compatibility/2006" xmlns:mv="urn:schemas-microsoft-com:mac:vml" xmlns:p="http://schemas.openxmlformats.org/presentationml/2006/main" mc:Ignorable="mv" mc:PreserveAttributes="mv:*">
-  <p:cSld>
-    <p:spTree>
-      <p:nvGrpSpPr>
-        <p:cNvPr id="1" name=""/>
-        <p:cNvGrpSpPr/>
-        <p:nvPr/>
-      </p:nvGrpSpPr>
-      <p:grpSpPr>
-        <a:xfrm>
-          <a:off x="0" y="0"/>
-          <a:ext cx="0" cy="0"/>
-          <a:chOff x="0" y="0"/>
-          <a:chExt cx="0" cy="0"/>
-        </a:xfrm>
-      </p:grpSpPr>
-      <p:sp>
-        <p:nvSpPr>
-          <p:cNvPr id="3" name="Title 2"/>
-          <p:cNvSpPr>
-            <a:spLocks noGrp="1"/>
-          </p:cNvSpPr>
-          <p:nvPr>
-            <p:ph type="title"/>
-          </p:nvPr>
-        </p:nvSpPr>
-        <p:spPr/>
-        <p:txBody>
-          <a:bodyPr/>
-          <a:lstStyle/>
-          <a:p>
-            <a:r>
-              <a:rPr lang="en-US" dirty="0" smtClean="0"/>
-              <a:t>Title</a:t>
-            </a:r>
-            <a:endParaRPr lang="en-US" dirty="0"/>
-          </a:p>
-        </p:txBody>
-      </p:sp>
-      <p:sp>
-        <p:nvSpPr>
-          <p:cNvPr id="4" name="Content Placeholder 3"/>
-          <p:cNvSpPr>
-            <a:spLocks noGrp="1"/>
-          </p:cNvSpPr>
-          <p:nvPr>
-            <p:ph idx="1"/>
-          </p:nvPr>
-        </p:nvSpPr>
-        <p:spPr/>
-        <p:txBody>
-          <a:bodyPr>
-            <a:normAutofit/>
-          </a:bodyPr>
-          <a:lstStyle/>
-          <a:p>
-            <a:r>
-              <a:rPr lang="en-US" sz="3200" dirty="0" smtClean="0"/>
-              <a:t>Content</a:t>
-            </a:r>
-          </a:p>
-          <a:p>
-            <a:endParaRPr lang="en-US" sz="3200" dirty="0"/>
-          </a:p>
-        </p:txBody>
-      </p:sp>
-    </p:spTree>
-    <p:extLst>
-      <p:ext uri="{BB962C8B-B14F-4D97-AF65-F5344CB8AC3E}">
-        <p14:creationId xmlns="" xmlns:a="http://schemas.openxmlformats.org/drawingml/2006/main" xmlns:r="http://schemas.openxmlformats.org/officeDocument/2006/relationships" xmlns:p="http://schemas.openxmlformats.org/presentationml/2006/main" xmlns:p14="http://schemas.microsoft.com/office/powerpoint/2010/main" xmlns:mv="urn:schemas-microsoft-com:mac:vml" xmlns:mc="http://schemas.openxmlformats.org/markup-compatibility/2006" val="2805855639"/>
-      </p:ext>
-    </p:extLst>
-  </p:cSld>
-  <p:clrMapOvr>
-    <a:masterClrMapping/>
-  </p:clrMapOvr>
-  <p:timing>
-    <p:tnLst>
-      <p:par>
-        <p:cTn id="1" dur="indefinite" restart="never" nodeType="tmRoot"/>
-      </p:par>
-    </p:tnLst>
-  </p:timing>
-</p:sld>
-</file>
-
-<file path=ppt/slides/slide7.xml><?xml version="1.0" encoding="utf-8"?>
-<p:sld xmlns:a="http://schemas.openxmlformats.org/drawingml/2006/main" xmlns:r="http://schemas.openxmlformats.org/officeDocument/2006/relationships" xmlns:mc="http://schemas.openxmlformats.org/markup-compatibility/2006" xmlns:mv="urn:schemas-microsoft-com:mac:vml" xmlns:p="http://schemas.openxmlformats.org/presentationml/2006/main" mc:Ignorable="mv" mc:PreserveAttributes="mv:*">
-  <p:cSld>
-    <p:spTree>
-      <p:nvGrpSpPr>
-        <p:cNvPr id="1" name=""/>
-        <p:cNvGrpSpPr/>
-        <p:nvPr/>
-      </p:nvGrpSpPr>
-      <p:grpSpPr>
-        <a:xfrm>
-          <a:off x="0" y="0"/>
-          <a:ext cx="0" cy="0"/>
-          <a:chOff x="0" y="0"/>
-          <a:chExt cx="0" cy="0"/>
-        </a:xfrm>
-      </p:grpSpPr>
-      <p:sp>
-        <p:nvSpPr>
-          <p:cNvPr id="3" name="Title 2"/>
-          <p:cNvSpPr>
-            <a:spLocks noGrp="1"/>
-          </p:cNvSpPr>
-          <p:nvPr>
-            <p:ph type="title"/>
-          </p:nvPr>
-        </p:nvSpPr>
-        <p:spPr/>
-        <p:txBody>
-          <a:bodyPr/>
-          <a:lstStyle/>
-          <a:p>
-            <a:r>
-              <a:rPr lang="en-US" dirty="0" smtClean="0"/>
-              <a:t>Title</a:t>
-            </a:r>
-            <a:endParaRPr lang="en-US" dirty="0"/>
-          </a:p>
-        </p:txBody>
-      </p:sp>
-      <p:sp>
-        <p:nvSpPr>
-          <p:cNvPr id="4" name="Content Placeholder 3"/>
-          <p:cNvSpPr>
-            <a:spLocks noGrp="1"/>
-          </p:cNvSpPr>
-          <p:nvPr>
-            <p:ph idx="1"/>
-          </p:nvPr>
-        </p:nvSpPr>
-        <p:spPr/>
-        <p:txBody>
-          <a:bodyPr>
-            <a:normAutofit/>
-          </a:bodyPr>
-          <a:lstStyle/>
-          <a:p>
-            <a:r>
-              <a:rPr lang="en-US" sz="3200" dirty="0" smtClean="0"/>
-              <a:t>Content</a:t>
-            </a:r>
-          </a:p>
-          <a:p>
-            <a:endParaRPr lang="en-US" sz="3200" dirty="0"/>
-          </a:p>
-        </p:txBody>
-      </p:sp>
-    </p:spTree>
-    <p:extLst>
-      <p:ext uri="{BB962C8B-B14F-4D97-AF65-F5344CB8AC3E}">
-        <p14:creationId xmlns="" xmlns:a="http://schemas.openxmlformats.org/drawingml/2006/main" xmlns:r="http://schemas.openxmlformats.org/officeDocument/2006/relationships" xmlns:p="http://schemas.openxmlformats.org/presentationml/2006/main" xmlns:p14="http://schemas.microsoft.com/office/powerpoint/2010/main" xmlns:mv="urn:schemas-microsoft-com:mac:vml" xmlns:mc="http://schemas.openxmlformats.org/markup-compatibility/2006" val="2514608167"/>
-      </p:ext>
-    </p:extLst>
-  </p:cSld>
-  <p:clrMapOvr>
-    <a:masterClrMapping/>
-  </p:clrMapOvr>
-  <p:timing>
-    <p:tnLst>
-      <p:par>
-        <p:cTn id="1" dur="indefinite" restart="never" nodeType="tmRoot"/>
-      </p:par>
-    </p:tnLst>
-  </p:timing>
-</p:sld>
-</file>
-
-<file path=ppt/slides/slide8.xml><?xml version="1.0" encoding="utf-8"?>
-<p:sld xmlns:a="http://schemas.openxmlformats.org/drawingml/2006/main" xmlns:r="http://schemas.openxmlformats.org/officeDocument/2006/relationships" xmlns:mc="http://schemas.openxmlformats.org/markup-compatibility/2006" xmlns:mv="urn:schemas-microsoft-com:mac:vml" xmlns:p="http://schemas.openxmlformats.org/presentationml/2006/main" mc:Ignorable="mv" mc:PreserveAttributes="mv:*">
-  <p:cSld>
-    <p:spTree>
-      <p:nvGrpSpPr>
-        <p:cNvPr id="1" name=""/>
-        <p:cNvGrpSpPr/>
-        <p:nvPr/>
-      </p:nvGrpSpPr>
-      <p:grpSpPr>
-        <a:xfrm>
-          <a:off x="0" y="0"/>
-          <a:ext cx="0" cy="0"/>
-          <a:chOff x="0" y="0"/>
-          <a:chExt cx="0" cy="0"/>
-        </a:xfrm>
-      </p:grpSpPr>
-      <p:sp>
-        <p:nvSpPr>
-          <p:cNvPr id="303106" name="Slide Number Placeholder 3"/>
-          <p:cNvSpPr txBox="1">
-            <a:spLocks noGrp="1"/>
-          </p:cNvSpPr>
-          <p:nvPr/>
-        </p:nvSpPr>
-        <p:spPr bwMode="auto">
-          <a:xfrm>
-            <a:off x="315868" y="9189943"/>
-            <a:ext cx="866378" cy="541514"/>
-          </a:xfrm>
-          <a:prstGeom prst="rect">
-            <a:avLst/>
-          </a:prstGeom>
-          <a:noFill/>
-          <a:ln>
-            <a:miter lim="800000"/>
-            <a:headEnd/>
-            <a:tailEnd/>
-          </a:ln>
-        </p:spPr>
-        <p:txBody>
-          <a:bodyPr lIns="154707" tIns="77354" rIns="154707" bIns="77354"/>
-          <a:lstStyle/>
-          <a:p>
-            <a:pPr eaLnBrk="0" hangingPunct="0">
-              <a:defRPr/>
-            </a:pPr>
-            <a:fld id="{1BD3BB7B-F997-4B7C-BCBE-A063D59C732E}" type="slidenum">
-              <a:rPr lang="en-US" sz="1500" b="1">
-                <a:solidFill>
-                  <a:srgbClr val="7B7B7B"/>
-                </a:solidFill>
-                <a:ea typeface="ＭＳ Ｐゴシック" pitchFamily="34" charset="-128"/>
-                <a:cs typeface="+mn-cs"/>
-              </a:rPr>
-              <a:pPr eaLnBrk="0" hangingPunct="0">
-                <a:defRPr/>
-              </a:pPr>
-              <a:t>8</a:t>
-            </a:fld>
-            <a:endParaRPr lang="en-US" sz="1500" b="1" dirty="0">
-              <a:solidFill>
-                <a:srgbClr val="7B7B7B"/>
-              </a:solidFill>
-              <a:ea typeface="ＭＳ Ｐゴシック" pitchFamily="34" charset="-128"/>
-              <a:cs typeface="+mn-cs"/>
-            </a:endParaRPr>
-          </a:p>
-        </p:txBody>
-      </p:sp>
-      <p:sp>
-        <p:nvSpPr>
-          <p:cNvPr id="5" name="Text Placeholder 4"/>
-          <p:cNvSpPr>
-            <a:spLocks noGrp="1"/>
-          </p:cNvSpPr>
-          <p:nvPr>
-            <p:ph type="body" sz="quarter" idx="10"/>
-          </p:nvPr>
-        </p:nvSpPr>
-        <p:spPr/>
-        <p:txBody>
-          <a:bodyPr/>
-          <a:lstStyle/>
-          <a:p>
-            <a:r>
-              <a:rPr lang="en-US" dirty="0" smtClean="0"/>
-              <a:t>Demo 3: Displaying Video Info</a:t>
-            </a:r>
-          </a:p>
-        </p:txBody>
-      </p:sp>
-    </p:spTree>
-    <p:extLst>
-      <p:ext uri="{BB962C8B-B14F-4D97-AF65-F5344CB8AC3E}">
-        <p14:creationId xmlns="" xmlns:a="http://schemas.openxmlformats.org/drawingml/2006/main" xmlns:r="http://schemas.openxmlformats.org/officeDocument/2006/relationships" xmlns:p="http://schemas.openxmlformats.org/presentationml/2006/main" xmlns:p14="http://schemas.microsoft.com/office/powerpoint/2010/main" xmlns:mv="urn:schemas-microsoft-com:mac:vml" xmlns:mc="http://schemas.openxmlformats.org/markup-compatibility/2006" val="3539376714"/>
-      </p:ext>
-    </p:extLst>
-  </p:cSld>
-  <p:clrMapOvr>
-    <a:masterClrMapping/>
-  </p:clrMapOvr>
-  <p:transition/>
-  <p:timing>
-    <p:tnLst>
-      <p:par>
-        <p:cTn id="1" dur="indefinite" restart="never" nodeType="tmRoot"/>
-      </p:par>
-    </p:tnLst>
-  </p:timing>
-</p:sld>
-</file>
-
-<file path=ppt/slides/slide9.xml><?xml version="1.0" encoding="utf-8"?>
-<p:sld xmlns:a="http://schemas.openxmlformats.org/drawingml/2006/main" xmlns:r="http://schemas.openxmlformats.org/officeDocument/2006/relationships" xmlns:mc="http://schemas.openxmlformats.org/markup-compatibility/2006" xmlns:mv="urn:schemas-microsoft-com:mac:vml" xmlns:p="http://schemas.openxmlformats.org/presentationml/2006/main" mc:Ignorable="mv" mc:PreserveAttributes="mv:*">
-  <p:cSld>
-    <p:spTree>
-      <p:nvGrpSpPr>
-        <p:cNvPr id="1" name=""/>
-        <p:cNvGrpSpPr/>
-        <p:nvPr/>
-      </p:nvGrpSpPr>
-      <p:grpSpPr>
-        <a:xfrm>
-          <a:off x="0" y="0"/>
-          <a:ext cx="0" cy="0"/>
-          <a:chOff x="0" y="0"/>
-          <a:chExt cx="0" cy="0"/>
-        </a:xfrm>
-      </p:grpSpPr>
-      <p:sp>
-        <p:nvSpPr>
           <p:cNvPr id="3" name="Text Placeholder 2"/>
           <p:cNvSpPr>
             <a:spLocks noGrp="1"/>
@@ -6926,7 +6450,7 @@
               <a:pPr>
                 <a:defRPr/>
               </a:pPr>
-              <a:t>9</a:t>
+              <a:t>5</a:t>
             </a:fld>
             <a:endParaRPr lang="en-US" dirty="0"/>
           </a:p>
@@ -6935,20 +6459,20 @@
     </p:spTree>
     <p:extLst>
       <p:ext uri="{BB962C8B-B14F-4D97-AF65-F5344CB8AC3E}">
-        <p14:creationId xmlns="" xmlns:a="http://schemas.openxmlformats.org/drawingml/2006/main" xmlns:r="http://schemas.openxmlformats.org/officeDocument/2006/relationships" xmlns:p="http://schemas.openxmlformats.org/presentationml/2006/main" xmlns:p14="http://schemas.microsoft.com/office/powerpoint/2010/main" xmlns:mv="urn:schemas-microsoft-com:mac:vml" xmlns:mc="http://schemas.openxmlformats.org/markup-compatibility/2006" val="3700295984"/>
+        <p14:creationId xmlns:p14="http://schemas.microsoft.com/office/powerpoint/2010/main" val="3700295984"/>
       </p:ext>
     </p:extLst>
   </p:cSld>
   <p:clrMapOvr>
     <a:masterClrMapping/>
   </p:clrMapOvr>
-  <p:transition spd="med">
+  <p:transition xmlns:p14="http://schemas.microsoft.com/office/powerpoint/2010/main" spd="med">
     <p:fade/>
   </p:transition>
   <p:timing>
     <p:tnLst>
       <p:par>
-        <p:cTn id="1" dur="indefinite" restart="never" nodeType="tmRoot"/>
+        <p:cTn xmlns:p14="http://schemas.microsoft.com/office/powerpoint/2010/main" id="1" dur="indefinite" restart="never" nodeType="tmRoot"/>
       </p:par>
     </p:tnLst>
   </p:timing>
